--- a/docs/turtle.pptx
+++ b/docs/turtle.pptx
@@ -5,13 +5,16 @@
     <p:sldMasterId id="2147483648" r:id="rId1"/>
   </p:sldMasterIdLst>
   <p:notesMasterIdLst>
-    <p:notesMasterId r:id="rId6"/>
+    <p:notesMasterId r:id="rId9"/>
   </p:notesMasterIdLst>
   <p:sldIdLst>
     <p:sldId id="256" r:id="rId2"/>
-    <p:sldId id="259" r:id="rId3"/>
-    <p:sldId id="257" r:id="rId4"/>
-    <p:sldId id="258" r:id="rId5"/>
+    <p:sldId id="261" r:id="rId3"/>
+    <p:sldId id="260" r:id="rId4"/>
+    <p:sldId id="259" r:id="rId5"/>
+    <p:sldId id="257" r:id="rId6"/>
+    <p:sldId id="258" r:id="rId7"/>
+    <p:sldId id="263" r:id="rId8"/>
   </p:sldIdLst>
   <p:sldSz cx="9144000" cy="6858000" type="screen4x3"/>
   <p:notesSz cx="6858000" cy="9144000"/>
@@ -196,7 +199,7 @@
             <a:fld id="{3023D0BB-018F-422F-ADFF-35EDD49EFF3E}" type="datetimeFigureOut">
               <a:rPr lang="en-US" smtClean="0"/>
               <a:pPr/>
-              <a:t>3/4/2016</a:t>
+              <a:t>11/6/2016</a:t>
             </a:fld>
             <a:endParaRPr lang="en-US"/>
           </a:p>
@@ -508,16 +511,10 @@
           </a:bodyPr>
           <a:lstStyle/>
           <a:p>
-            <a:r>
-              <a:rPr lang="en-US" dirty="0" smtClean="0"/>
-              <a:t>Walk-through</a:t>
-            </a:r>
-            <a:r>
-              <a:rPr lang="en-US" baseline="0" dirty="0" smtClean="0"/>
-              <a:t> behind the scene on how the tool works.</a:t>
-            </a:r>
-          </a:p>
-          <a:p>
+            <a:pPr>
+              <a:buFont typeface="Arial" pitchFamily="34" charset="0"/>
+              <a:buNone/>
+            </a:pPr>
             <a:endParaRPr lang="en-US" baseline="0" dirty="0" smtClean="0"/>
           </a:p>
           <a:p>
@@ -621,7 +618,220 @@
             </a:endParaRPr>
           </a:p>
           <a:p>
-            <a:endParaRPr lang="en-US" dirty="0"/>
+            <a:endParaRPr lang="en-US" dirty="0" smtClean="0"/>
+          </a:p>
+          <a:p>
+            <a:r>
+              <a:rPr lang="en-US" dirty="0" smtClean="0"/>
+              <a:t>Main function is to accurately lookup test-cases</a:t>
+            </a:r>
+            <a:r>
+              <a:rPr lang="en-US" baseline="0" dirty="0" smtClean="0"/>
+              <a:t> filtered by a given keyword. </a:t>
+            </a:r>
+          </a:p>
+          <a:p>
+            <a:r>
+              <a:rPr lang="en-US" baseline="0" dirty="0" smtClean="0"/>
+              <a:t>Saves us time, resources, and ultimately money!</a:t>
+            </a:r>
+          </a:p>
+          <a:p>
+            <a:r>
+              <a:rPr lang="en-US" baseline="0" dirty="0" smtClean="0"/>
+              <a:t>Influence by the fact that FTL tests takes up to 1 week and its not guaranteed that all test-case are covered.</a:t>
+            </a:r>
+          </a:p>
+          <a:p>
+            <a:r>
+              <a:rPr lang="en-US" dirty="0" smtClean="0"/>
+              <a:t>Walk-through</a:t>
+            </a:r>
+            <a:r>
+              <a:rPr lang="en-US" baseline="0" dirty="0" smtClean="0"/>
+              <a:t> behind the scene on how the tool works.</a:t>
+            </a:r>
+          </a:p>
+          <a:p>
+            <a:r>
+              <a:rPr lang="en-US" baseline="0" dirty="0" smtClean="0"/>
+              <a:t>Keyword </a:t>
+            </a:r>
+          </a:p>
+          <a:p>
+            <a:pPr lvl="1">
+              <a:buFont typeface="Arial" pitchFamily="34" charset="0"/>
+              <a:buChar char="•"/>
+            </a:pPr>
+            <a:r>
+              <a:rPr lang="en-US" baseline="0" dirty="0" smtClean="0"/>
+              <a:t> Category</a:t>
+            </a:r>
+          </a:p>
+          <a:p>
+            <a:pPr lvl="1">
+              <a:buFont typeface="Arial" pitchFamily="34" charset="0"/>
+              <a:buChar char="•"/>
+            </a:pPr>
+            <a:r>
+              <a:rPr lang="en-US" baseline="0" dirty="0" smtClean="0"/>
+              <a:t> Feature</a:t>
+            </a:r>
+          </a:p>
+          <a:p>
+            <a:pPr lvl="1">
+              <a:buFont typeface="Arial" pitchFamily="34" charset="0"/>
+              <a:buChar char="•"/>
+            </a:pPr>
+            <a:r>
+              <a:rPr lang="en-US" baseline="0" dirty="0" smtClean="0"/>
+              <a:t> Tag</a:t>
+            </a:r>
+          </a:p>
+          <a:p>
+            <a:pPr lvl="1">
+              <a:buFont typeface="Arial" pitchFamily="34" charset="0"/>
+              <a:buChar char="•"/>
+            </a:pPr>
+            <a:r>
+              <a:rPr lang="en-US" baseline="0" dirty="0" smtClean="0"/>
+              <a:t> File Type</a:t>
+            </a:r>
+          </a:p>
+          <a:p>
+            <a:pPr lvl="1">
+              <a:buFont typeface="Arial" pitchFamily="34" charset="0"/>
+              <a:buChar char="•"/>
+            </a:pPr>
+            <a:r>
+              <a:rPr lang="en-US" baseline="0" dirty="0" smtClean="0"/>
+              <a:t> Source code function name</a:t>
+            </a:r>
+          </a:p>
+          <a:p>
+            <a:r>
+              <a:rPr lang="en-US" baseline="0" dirty="0" smtClean="0"/>
+              <a:t>Sample values:</a:t>
+            </a:r>
+          </a:p>
+          <a:p>
+            <a:pPr lvl="1">
+              <a:buFont typeface="Arial" pitchFamily="34" charset="0"/>
+              <a:buChar char="•"/>
+            </a:pPr>
+            <a:r>
+              <a:rPr lang="en-US" baseline="0" dirty="0" smtClean="0"/>
+              <a:t> PDF annotation </a:t>
+            </a:r>
+          </a:p>
+          <a:p>
+            <a:pPr lvl="1">
+              <a:buFont typeface="Arial" pitchFamily="34" charset="0"/>
+              <a:buChar char="•"/>
+            </a:pPr>
+            <a:r>
+              <a:rPr lang="en-US" baseline="0" dirty="0" smtClean="0"/>
+              <a:t> JP2K</a:t>
+            </a:r>
+          </a:p>
+          <a:p>
+            <a:pPr lvl="1">
+              <a:buFont typeface="Arial" pitchFamily="34" charset="0"/>
+              <a:buChar char="•"/>
+            </a:pPr>
+            <a:r>
+              <a:rPr lang="en-US" baseline="0" dirty="0" smtClean="0"/>
+              <a:t> PS Type 42 font</a:t>
+            </a:r>
+          </a:p>
+          <a:p>
+            <a:pPr lvl="1">
+              <a:buFont typeface="Arial" pitchFamily="34" charset="0"/>
+              <a:buChar char="•"/>
+            </a:pPr>
+            <a:r>
+              <a:rPr lang="en-US" baseline="0" dirty="0" smtClean="0"/>
+              <a:t> HD photo</a:t>
+            </a:r>
+          </a:p>
+          <a:p>
+            <a:pPr>
+              <a:buFontTx/>
+              <a:buChar char="-"/>
+            </a:pPr>
+            <a:endParaRPr lang="en-US" dirty="0" smtClean="0"/>
+          </a:p>
+          <a:p>
+            <a:pPr>
+              <a:buFontTx/>
+              <a:buChar char="-"/>
+            </a:pPr>
+            <a:endParaRPr lang="en-US" dirty="0" smtClean="0"/>
+          </a:p>
+          <a:p>
+            <a:pPr>
+              <a:buFontTx/>
+              <a:buChar char="-"/>
+            </a:pPr>
+            <a:r>
+              <a:rPr lang="en-US" dirty="0" smtClean="0"/>
+              <a:t> pdfObjFontDefineFont_T42</a:t>
+            </a:r>
+          </a:p>
+          <a:p>
+            <a:pPr>
+              <a:buFontTx/>
+              <a:buChar char="-"/>
+            </a:pPr>
+            <a:r>
+              <a:rPr lang="en-US" dirty="0" smtClean="0"/>
+              <a:t> </a:t>
+            </a:r>
+            <a:r>
+              <a:rPr lang="en-US" dirty="0" err="1" smtClean="0"/>
+              <a:t>jpxdecode</a:t>
+            </a:r>
+            <a:endParaRPr lang="en-US" dirty="0" smtClean="0"/>
+          </a:p>
+          <a:p>
+            <a:pPr>
+              <a:buFontTx/>
+              <a:buChar char="-"/>
+            </a:pPr>
+            <a:r>
+              <a:rPr lang="en-US" dirty="0" smtClean="0"/>
+              <a:t> </a:t>
+            </a:r>
+            <a:r>
+              <a:rPr lang="en-US" dirty="0" err="1" smtClean="0"/>
+              <a:t>gef_wmphoto_read</a:t>
+            </a:r>
+            <a:endParaRPr lang="en-US" dirty="0" smtClean="0"/>
+          </a:p>
+          <a:p>
+            <a:pPr>
+              <a:buFontTx/>
+              <a:buChar char="-"/>
+            </a:pPr>
+            <a:r>
+              <a:rPr lang="en-US" dirty="0" smtClean="0"/>
+              <a:t> </a:t>
+            </a:r>
+            <a:r>
+              <a:rPr lang="en-US" dirty="0" err="1" smtClean="0"/>
+              <a:t>pdfObjAnnotsDoApStream</a:t>
+            </a:r>
+            <a:endParaRPr lang="en-US" dirty="0" smtClean="0"/>
+          </a:p>
+          <a:p>
+            <a:endParaRPr lang="en-US" sz="1200" b="0" i="0" kern="1200" dirty="0" smtClean="0">
+              <a:solidFill>
+                <a:schemeClr val="tx1"/>
+              </a:solidFill>
+              <a:latin typeface="+mn-lt"/>
+              <a:ea typeface="+mn-ea"/>
+              <a:cs typeface="+mn-cs"/>
+            </a:endParaRPr>
           </a:p>
         </p:txBody>
       </p:sp>
@@ -704,14 +914,749 @@
           <a:lstStyle/>
           <a:p>
             <a:r>
-              <a:rPr lang="en-US" dirty="0" smtClean="0"/>
-              <a:t>- Be able to detect</a:t>
-            </a:r>
-            <a:r>
-              <a:rPr lang="en-US" baseline="0" dirty="0" smtClean="0"/>
-              <a:t> breakage</a:t>
-            </a:r>
-            <a:endParaRPr lang="en-US" dirty="0"/>
+              <a:rPr lang="en-US" sz="1200" b="0" i="0" kern="1200" dirty="0" smtClean="0">
+                <a:solidFill>
+                  <a:schemeClr val="tx1"/>
+                </a:solidFill>
+                <a:latin typeface="+mn-lt"/>
+                <a:ea typeface="+mn-ea"/>
+                <a:cs typeface="+mn-cs"/>
+              </a:rPr>
+              <a:t>Background</a:t>
+            </a:r>
+            <a:r>
+              <a:rPr lang="en-US" sz="1200" b="0" i="0" kern="1200" baseline="0" dirty="0" smtClean="0">
+                <a:solidFill>
+                  <a:schemeClr val="tx1"/>
+                </a:solidFill>
+                <a:latin typeface="+mn-lt"/>
+                <a:ea typeface="+mn-ea"/>
+                <a:cs typeface="+mn-cs"/>
+              </a:rPr>
+              <a:t> history</a:t>
+            </a:r>
+          </a:p>
+          <a:p>
+            <a:endParaRPr lang="en-US" sz="1200" b="0" i="0" kern="1200" dirty="0" smtClean="0">
+              <a:solidFill>
+                <a:schemeClr val="tx1"/>
+              </a:solidFill>
+              <a:latin typeface="+mn-lt"/>
+              <a:ea typeface="+mn-ea"/>
+              <a:cs typeface="+mn-cs"/>
+            </a:endParaRPr>
+          </a:p>
+          <a:p>
+            <a:r>
+              <a:rPr lang="en-US" sz="1200" b="0" i="0" kern="1200" dirty="0" smtClean="0">
+                <a:solidFill>
+                  <a:schemeClr val="tx1"/>
+                </a:solidFill>
+                <a:latin typeface="+mn-lt"/>
+                <a:ea typeface="+mn-ea"/>
+                <a:cs typeface="+mn-cs"/>
+              </a:rPr>
+              <a:t>One thing a firmware developer must do after he alter/fix part of firmware code is to make sure that his modifications</a:t>
+            </a:r>
+          </a:p>
+          <a:p>
+            <a:r>
+              <a:rPr lang="en-US" sz="1200" b="0" i="0" kern="1200" dirty="0" smtClean="0">
+                <a:solidFill>
+                  <a:schemeClr val="tx1"/>
+                </a:solidFill>
+                <a:latin typeface="+mn-lt"/>
+                <a:ea typeface="+mn-ea"/>
+                <a:cs typeface="+mn-cs"/>
+              </a:rPr>
+              <a:t>would not affect or break anything and that is to do thorough testing. (just first line of defense)</a:t>
+            </a:r>
+          </a:p>
+          <a:p>
+            <a:r>
+              <a:rPr lang="en-US" sz="1200" b="0" i="0" kern="1200" dirty="0" smtClean="0">
+                <a:solidFill>
+                  <a:schemeClr val="tx1"/>
+                </a:solidFill>
+                <a:latin typeface="+mn-lt"/>
+                <a:ea typeface="+mn-ea"/>
+                <a:cs typeface="+mn-cs"/>
+              </a:rPr>
+              <a:t>Testing plays a major and very important role in our industry/product.</a:t>
+            </a:r>
+          </a:p>
+          <a:p>
+            <a:r>
+              <a:rPr lang="en-US" sz="1200" b="0" i="0" kern="1200" dirty="0" smtClean="0">
+                <a:solidFill>
+                  <a:schemeClr val="tx1"/>
+                </a:solidFill>
+                <a:latin typeface="+mn-lt"/>
+                <a:ea typeface="+mn-ea"/>
+                <a:cs typeface="+mn-cs"/>
+              </a:rPr>
+              <a:t>Lexmark have invested and put a lot amount of effort and resources just to ensure nothing is broken, we have:</a:t>
+            </a:r>
+          </a:p>
+          <a:p>
+            <a:r>
+              <a:rPr lang="en-US" sz="1200" b="0" i="0" kern="1200" dirty="0" smtClean="0">
+                <a:solidFill>
+                  <a:schemeClr val="tx1"/>
+                </a:solidFill>
+                <a:latin typeface="+mn-lt"/>
+                <a:ea typeface="+mn-ea"/>
+                <a:cs typeface="+mn-cs"/>
+              </a:rPr>
+              <a:t>    1. build level unit test.</a:t>
+            </a:r>
+          </a:p>
+          <a:p>
+            <a:r>
+              <a:rPr lang="en-US" sz="1200" b="0" i="0" kern="1200" dirty="0" smtClean="0">
+                <a:solidFill>
+                  <a:schemeClr val="tx1"/>
+                </a:solidFill>
+                <a:latin typeface="+mn-lt"/>
+                <a:ea typeface="+mn-ea"/>
+                <a:cs typeface="+mn-cs"/>
+              </a:rPr>
+              <a:t>    2. sentry automation testing,</a:t>
+            </a:r>
+          </a:p>
+          <a:p>
+            <a:r>
+              <a:rPr lang="en-US" sz="1200" b="0" i="0" kern="1200" dirty="0" smtClean="0">
+                <a:solidFill>
+                  <a:schemeClr val="tx1"/>
+                </a:solidFill>
+                <a:latin typeface="+mn-lt"/>
+                <a:ea typeface="+mn-ea"/>
+                <a:cs typeface="+mn-cs"/>
+              </a:rPr>
+              <a:t>    3. FTL,</a:t>
+            </a:r>
+          </a:p>
+          <a:p>
+            <a:r>
+              <a:rPr lang="en-US" sz="1200" b="0" i="0" kern="1200" dirty="0" smtClean="0">
+                <a:solidFill>
+                  <a:schemeClr val="tx1"/>
+                </a:solidFill>
+                <a:latin typeface="+mn-lt"/>
+                <a:ea typeface="+mn-ea"/>
+                <a:cs typeface="+mn-cs"/>
+              </a:rPr>
+              <a:t>    4. PPQA</a:t>
+            </a:r>
+          </a:p>
+          <a:p>
+            <a:endParaRPr lang="en-US" sz="1200" b="0" i="0" kern="1200" dirty="0" smtClean="0">
+              <a:solidFill>
+                <a:schemeClr val="tx1"/>
+              </a:solidFill>
+              <a:latin typeface="+mn-lt"/>
+              <a:ea typeface="+mn-ea"/>
+              <a:cs typeface="+mn-cs"/>
+            </a:endParaRPr>
+          </a:p>
+          <a:p>
+            <a:r>
+              <a:rPr lang="en-US" sz="1200" b="0" i="0" kern="1200" dirty="0" smtClean="0">
+                <a:solidFill>
+                  <a:schemeClr val="tx1"/>
+                </a:solidFill>
+                <a:latin typeface="+mn-lt"/>
+                <a:ea typeface="+mn-ea"/>
+                <a:cs typeface="+mn-cs"/>
+              </a:rPr>
+              <a:t>We have platoons of Test Engineers equipped with special skills "keen eyes" usually and they are deployed to detect and find issues 24/7.</a:t>
+            </a:r>
+          </a:p>
+          <a:p>
+            <a:r>
+              <a:rPr lang="en-US" sz="1200" b="0" i="0" kern="1200" dirty="0" smtClean="0">
+                <a:solidFill>
+                  <a:schemeClr val="tx1"/>
+                </a:solidFill>
+                <a:latin typeface="+mn-lt"/>
+                <a:ea typeface="+mn-ea"/>
+                <a:cs typeface="+mn-cs"/>
+              </a:rPr>
+              <a:t>Aside from all of these in-placed, developer needs to do manual testing. </a:t>
+            </a:r>
+          </a:p>
+          <a:p>
+            <a:r>
+              <a:rPr lang="en-US" sz="1200" b="0" i="0" kern="1200" dirty="0" smtClean="0">
+                <a:solidFill>
+                  <a:schemeClr val="tx1"/>
+                </a:solidFill>
+                <a:latin typeface="+mn-lt"/>
+                <a:ea typeface="+mn-ea"/>
+                <a:cs typeface="+mn-cs"/>
+              </a:rPr>
+              <a:t>As our </a:t>
+            </a:r>
+            <a:r>
+              <a:rPr lang="en-US" sz="1200" b="0" i="0" kern="1200" dirty="0" err="1" smtClean="0">
+                <a:solidFill>
+                  <a:schemeClr val="tx1"/>
+                </a:solidFill>
+                <a:latin typeface="+mn-lt"/>
+                <a:ea typeface="+mn-ea"/>
+                <a:cs typeface="+mn-cs"/>
+              </a:rPr>
+              <a:t>testcases</a:t>
+            </a:r>
+            <a:r>
+              <a:rPr lang="en-US" sz="1200" b="0" i="0" kern="1200" dirty="0" smtClean="0">
+                <a:solidFill>
+                  <a:schemeClr val="tx1"/>
+                </a:solidFill>
+                <a:latin typeface="+mn-lt"/>
+                <a:ea typeface="+mn-ea"/>
+                <a:cs typeface="+mn-cs"/>
+              </a:rPr>
+              <a:t> are so vast we tend to pick only a few relevant to our changes and this is where the bottleneck lies.</a:t>
+            </a:r>
+          </a:p>
+          <a:p>
+            <a:r>
+              <a:rPr lang="en-US" sz="1200" b="0" i="0" kern="1200" dirty="0" smtClean="0">
+                <a:solidFill>
+                  <a:schemeClr val="tx1"/>
+                </a:solidFill>
+                <a:latin typeface="+mn-lt"/>
+                <a:ea typeface="+mn-ea"/>
+                <a:cs typeface="+mn-cs"/>
+              </a:rPr>
+              <a:t>Where to find and which </a:t>
+            </a:r>
+            <a:r>
+              <a:rPr lang="en-US" sz="1200" b="0" i="0" kern="1200" dirty="0" err="1" smtClean="0">
+                <a:solidFill>
+                  <a:schemeClr val="tx1"/>
+                </a:solidFill>
+                <a:latin typeface="+mn-lt"/>
+                <a:ea typeface="+mn-ea"/>
+                <a:cs typeface="+mn-cs"/>
+              </a:rPr>
+              <a:t>testcases</a:t>
+            </a:r>
+            <a:r>
+              <a:rPr lang="en-US" sz="1200" b="0" i="0" kern="1200" dirty="0" smtClean="0">
+                <a:solidFill>
+                  <a:schemeClr val="tx1"/>
+                </a:solidFill>
+                <a:latin typeface="+mn-lt"/>
+                <a:ea typeface="+mn-ea"/>
+                <a:cs typeface="+mn-cs"/>
+              </a:rPr>
+              <a:t> to use?</a:t>
+            </a:r>
+          </a:p>
+          <a:p>
+            <a:r>
+              <a:rPr lang="en-US" sz="1200" b="0" i="0" kern="1200" dirty="0" smtClean="0">
+                <a:solidFill>
+                  <a:schemeClr val="tx1"/>
+                </a:solidFill>
+                <a:latin typeface="+mn-lt"/>
+                <a:ea typeface="+mn-ea"/>
+                <a:cs typeface="+mn-cs"/>
+              </a:rPr>
+              <a:t>    "Where" is usually answered by asking the issue tester in-charge.</a:t>
+            </a:r>
+          </a:p>
+          <a:p>
+            <a:r>
+              <a:rPr lang="en-US" sz="1200" b="0" i="0" kern="1200" dirty="0" smtClean="0">
+                <a:solidFill>
+                  <a:schemeClr val="tx1"/>
+                </a:solidFill>
+                <a:latin typeface="+mn-lt"/>
+                <a:ea typeface="+mn-ea"/>
+                <a:cs typeface="+mn-cs"/>
+              </a:rPr>
+              <a:t>    "Which" is put as a responsibility of the developer to find appropriate </a:t>
+            </a:r>
+            <a:r>
+              <a:rPr lang="en-US" sz="1200" b="0" i="0" kern="1200" dirty="0" err="1" smtClean="0">
+                <a:solidFill>
+                  <a:schemeClr val="tx1"/>
+                </a:solidFill>
+                <a:latin typeface="+mn-lt"/>
+                <a:ea typeface="+mn-ea"/>
+                <a:cs typeface="+mn-cs"/>
+              </a:rPr>
+              <a:t>testcases</a:t>
+            </a:r>
+            <a:r>
+              <a:rPr lang="en-US" sz="1200" b="0" i="0" kern="1200" dirty="0" smtClean="0">
+                <a:solidFill>
+                  <a:schemeClr val="tx1"/>
+                </a:solidFill>
+                <a:latin typeface="+mn-lt"/>
+                <a:ea typeface="+mn-ea"/>
+                <a:cs typeface="+mn-cs"/>
+              </a:rPr>
+              <a:t> in relation to the piece of code that has been changed.</a:t>
+            </a:r>
+          </a:p>
+          <a:p>
+            <a:endParaRPr lang="en-US" sz="1200" b="0" i="0" kern="1200" dirty="0" smtClean="0">
+              <a:solidFill>
+                <a:schemeClr val="tx1"/>
+              </a:solidFill>
+              <a:latin typeface="+mn-lt"/>
+              <a:ea typeface="+mn-ea"/>
+              <a:cs typeface="+mn-cs"/>
+            </a:endParaRPr>
+          </a:p>
+          <a:p>
+            <a:r>
+              <a:rPr lang="en-US" sz="1200" b="0" i="0" kern="1200" dirty="0" smtClean="0">
+                <a:solidFill>
+                  <a:schemeClr val="tx1"/>
+                </a:solidFill>
+                <a:latin typeface="+mn-lt"/>
+                <a:ea typeface="+mn-ea"/>
+                <a:cs typeface="+mn-cs"/>
+              </a:rPr>
+              <a:t>Currently </a:t>
+            </a:r>
+            <a:r>
+              <a:rPr lang="en-US" sz="1200" b="0" i="0" kern="1200" dirty="0" err="1" smtClean="0">
+                <a:solidFill>
+                  <a:schemeClr val="tx1"/>
+                </a:solidFill>
+                <a:latin typeface="+mn-lt"/>
+                <a:ea typeface="+mn-ea"/>
+                <a:cs typeface="+mn-cs"/>
+              </a:rPr>
+              <a:t>testcases</a:t>
+            </a:r>
+            <a:r>
+              <a:rPr lang="en-US" sz="1200" b="0" i="0" kern="1200" dirty="0" smtClean="0">
+                <a:solidFill>
+                  <a:schemeClr val="tx1"/>
+                </a:solidFill>
+                <a:latin typeface="+mn-lt"/>
+                <a:ea typeface="+mn-ea"/>
+                <a:cs typeface="+mn-cs"/>
+              </a:rPr>
+              <a:t> are categorized into types like PDF, XPS, PS, PCL, etc..</a:t>
+            </a:r>
+          </a:p>
+          <a:p>
+            <a:r>
+              <a:rPr lang="en-US" sz="1200" b="0" i="0" kern="1200" dirty="0" smtClean="0">
+                <a:solidFill>
+                  <a:schemeClr val="tx1"/>
+                </a:solidFill>
+                <a:latin typeface="+mn-lt"/>
+                <a:ea typeface="+mn-ea"/>
+                <a:cs typeface="+mn-cs"/>
+              </a:rPr>
+              <a:t>Each type is furthermore broken down to version and features. for example pdfv1.7, annotation, images, or fonts.</a:t>
+            </a:r>
+          </a:p>
+          <a:p>
+            <a:r>
+              <a:rPr lang="en-US" sz="1200" b="0" i="0" kern="1200" dirty="0" smtClean="0">
+                <a:solidFill>
+                  <a:schemeClr val="tx1"/>
+                </a:solidFill>
+                <a:latin typeface="+mn-lt"/>
+                <a:ea typeface="+mn-ea"/>
+                <a:cs typeface="+mn-cs"/>
+              </a:rPr>
+              <a:t>Even with these categorization each section still contains a few hundreds or even thousands </a:t>
+            </a:r>
+            <a:r>
+              <a:rPr lang="en-US" sz="1200" b="0" i="0" kern="1200" dirty="0" err="1" smtClean="0">
+                <a:solidFill>
+                  <a:schemeClr val="tx1"/>
+                </a:solidFill>
+                <a:latin typeface="+mn-lt"/>
+                <a:ea typeface="+mn-ea"/>
+                <a:cs typeface="+mn-cs"/>
+              </a:rPr>
+              <a:t>testcases</a:t>
+            </a:r>
+            <a:r>
+              <a:rPr lang="en-US" sz="1200" b="0" i="0" kern="1200" dirty="0" smtClean="0">
+                <a:solidFill>
+                  <a:schemeClr val="tx1"/>
+                </a:solidFill>
+                <a:latin typeface="+mn-lt"/>
+                <a:ea typeface="+mn-ea"/>
+                <a:cs typeface="+mn-cs"/>
+              </a:rPr>
+              <a:t>.</a:t>
+            </a:r>
+          </a:p>
+          <a:p>
+            <a:r>
+              <a:rPr lang="en-US" sz="1200" b="0" i="0" kern="1200" dirty="0" smtClean="0">
+                <a:solidFill>
+                  <a:schemeClr val="tx1"/>
+                </a:solidFill>
+                <a:latin typeface="+mn-lt"/>
+                <a:ea typeface="+mn-ea"/>
+                <a:cs typeface="+mn-cs"/>
+              </a:rPr>
+              <a:t>Finding the right </a:t>
+            </a:r>
+            <a:r>
+              <a:rPr lang="en-US" sz="1200" b="0" i="0" kern="1200" dirty="0" err="1" smtClean="0">
+                <a:solidFill>
+                  <a:schemeClr val="tx1"/>
+                </a:solidFill>
+                <a:latin typeface="+mn-lt"/>
+                <a:ea typeface="+mn-ea"/>
+                <a:cs typeface="+mn-cs"/>
+              </a:rPr>
+              <a:t>testcase</a:t>
+            </a:r>
+            <a:r>
+              <a:rPr lang="en-US" sz="1200" b="0" i="0" kern="1200" dirty="0" smtClean="0">
+                <a:solidFill>
+                  <a:schemeClr val="tx1"/>
+                </a:solidFill>
+                <a:latin typeface="+mn-lt"/>
+                <a:ea typeface="+mn-ea"/>
+                <a:cs typeface="+mn-cs"/>
+              </a:rPr>
+              <a:t> manually is very </a:t>
+            </a:r>
+            <a:r>
+              <a:rPr lang="en-US" sz="1200" b="0" i="0" kern="1200" dirty="0" err="1" smtClean="0">
+                <a:solidFill>
+                  <a:schemeClr val="tx1"/>
+                </a:solidFill>
+                <a:latin typeface="+mn-lt"/>
+                <a:ea typeface="+mn-ea"/>
+                <a:cs typeface="+mn-cs"/>
+              </a:rPr>
+              <a:t>tedius</a:t>
+            </a:r>
+            <a:r>
+              <a:rPr lang="en-US" sz="1200" b="0" i="0" kern="1200" dirty="0" smtClean="0">
+                <a:solidFill>
+                  <a:schemeClr val="tx1"/>
+                </a:solidFill>
+                <a:latin typeface="+mn-lt"/>
+                <a:ea typeface="+mn-ea"/>
+                <a:cs typeface="+mn-cs"/>
+              </a:rPr>
+              <a:t> and time consuming!</a:t>
+            </a:r>
+          </a:p>
+          <a:p>
+            <a:endParaRPr lang="en-US" sz="1200" b="0" i="0" kern="1200" dirty="0" smtClean="0">
+              <a:solidFill>
+                <a:schemeClr val="tx1"/>
+              </a:solidFill>
+              <a:latin typeface="+mn-lt"/>
+              <a:ea typeface="+mn-ea"/>
+              <a:cs typeface="+mn-cs"/>
+            </a:endParaRPr>
+          </a:p>
+          <a:p>
+            <a:r>
+              <a:rPr lang="en-US" sz="1200" b="0" i="0" kern="1200" dirty="0" smtClean="0">
+                <a:solidFill>
+                  <a:schemeClr val="tx1"/>
+                </a:solidFill>
+                <a:latin typeface="+mn-lt"/>
+                <a:ea typeface="+mn-ea"/>
+                <a:cs typeface="+mn-cs"/>
+              </a:rPr>
+              <a:t>About a year ago we made changes on the firmware PDF embedded type 42 font handling and requested FTL to do regression tests.</a:t>
+            </a:r>
+          </a:p>
+          <a:p>
+            <a:r>
+              <a:rPr lang="en-US" sz="1200" b="0" i="0" kern="1200" dirty="0" smtClean="0">
+                <a:solidFill>
+                  <a:schemeClr val="tx1"/>
+                </a:solidFill>
+                <a:latin typeface="+mn-lt"/>
+                <a:ea typeface="+mn-ea"/>
+                <a:cs typeface="+mn-cs"/>
+              </a:rPr>
+              <a:t>Got feedback that it will last from few days up</a:t>
+            </a:r>
+            <a:r>
+              <a:rPr lang="en-US" sz="1200" b="0" i="0" kern="1200" baseline="0" dirty="0" smtClean="0">
+                <a:solidFill>
+                  <a:schemeClr val="tx1"/>
+                </a:solidFill>
+                <a:latin typeface="+mn-lt"/>
+                <a:ea typeface="+mn-ea"/>
+                <a:cs typeface="+mn-cs"/>
+              </a:rPr>
+              <a:t> to </a:t>
+            </a:r>
+            <a:r>
+              <a:rPr lang="en-US" sz="1200" b="0" i="0" kern="1200" dirty="0" smtClean="0">
+                <a:solidFill>
+                  <a:schemeClr val="tx1"/>
+                </a:solidFill>
+                <a:latin typeface="+mn-lt"/>
+                <a:ea typeface="+mn-ea"/>
+                <a:cs typeface="+mn-cs"/>
+              </a:rPr>
+              <a:t>a week.</a:t>
+            </a:r>
+          </a:p>
+          <a:p>
+            <a:r>
+              <a:rPr lang="en-US" sz="1200" b="0" i="0" kern="1200" dirty="0" smtClean="0">
+                <a:solidFill>
+                  <a:schemeClr val="tx1"/>
+                </a:solidFill>
+                <a:latin typeface="+mn-lt"/>
+                <a:ea typeface="+mn-ea"/>
+                <a:cs typeface="+mn-cs"/>
+              </a:rPr>
+              <a:t>As we don't have PDFfont_type42 category yet they needed to run all test suites related to PDF fonts.</a:t>
+            </a:r>
+          </a:p>
+          <a:p>
+            <a:r>
+              <a:rPr lang="en-US" sz="1200" b="0" i="0" kern="1200" dirty="0" smtClean="0">
+                <a:solidFill>
+                  <a:schemeClr val="tx1"/>
+                </a:solidFill>
+                <a:latin typeface="+mn-lt"/>
+                <a:ea typeface="+mn-ea"/>
+                <a:cs typeface="+mn-cs"/>
+              </a:rPr>
+              <a:t>Of all the PDF font related </a:t>
+            </a:r>
+            <a:r>
+              <a:rPr lang="en-US" sz="1200" b="0" i="0" kern="1200" dirty="0" err="1" smtClean="0">
+                <a:solidFill>
+                  <a:schemeClr val="tx1"/>
+                </a:solidFill>
+                <a:latin typeface="+mn-lt"/>
+                <a:ea typeface="+mn-ea"/>
+                <a:cs typeface="+mn-cs"/>
+              </a:rPr>
+              <a:t>testcases</a:t>
+            </a:r>
+            <a:r>
+              <a:rPr lang="en-US" sz="1200" b="0" i="0" kern="1200" dirty="0" smtClean="0">
+                <a:solidFill>
+                  <a:schemeClr val="tx1"/>
+                </a:solidFill>
+                <a:latin typeface="+mn-lt"/>
+                <a:ea typeface="+mn-ea"/>
+                <a:cs typeface="+mn-cs"/>
+              </a:rPr>
+              <a:t> it maybe that  10% of it is font type 42 and if only there's a way to get those </a:t>
+            </a:r>
+            <a:r>
+              <a:rPr lang="en-US" sz="1200" b="0" i="0" kern="1200" dirty="0" err="1" smtClean="0">
+                <a:solidFill>
+                  <a:schemeClr val="tx1"/>
+                </a:solidFill>
+                <a:latin typeface="+mn-lt"/>
+                <a:ea typeface="+mn-ea"/>
+                <a:cs typeface="+mn-cs"/>
+              </a:rPr>
+              <a:t>testcases</a:t>
+            </a:r>
+            <a:r>
+              <a:rPr lang="en-US" sz="1200" b="0" i="0" kern="1200" dirty="0" smtClean="0">
+                <a:solidFill>
+                  <a:schemeClr val="tx1"/>
+                </a:solidFill>
+                <a:latin typeface="+mn-lt"/>
+                <a:ea typeface="+mn-ea"/>
+                <a:cs typeface="+mn-cs"/>
+              </a:rPr>
+              <a:t> </a:t>
+            </a:r>
+          </a:p>
+          <a:p>
+            <a:r>
+              <a:rPr lang="en-US" sz="1200" b="0" i="0" kern="1200" dirty="0" smtClean="0">
+                <a:solidFill>
+                  <a:schemeClr val="tx1"/>
+                </a:solidFill>
+                <a:latin typeface="+mn-lt"/>
+                <a:ea typeface="+mn-ea"/>
+                <a:cs typeface="+mn-cs"/>
+              </a:rPr>
+              <a:t>accurately and only run those then we could have save time, effort, resources, and money.</a:t>
+            </a:r>
+          </a:p>
+          <a:p>
+            <a:endParaRPr lang="en-US" sz="1200" b="0" i="0" kern="1200" dirty="0" smtClean="0">
+              <a:solidFill>
+                <a:schemeClr val="tx1"/>
+              </a:solidFill>
+              <a:latin typeface="+mn-lt"/>
+              <a:ea typeface="+mn-ea"/>
+              <a:cs typeface="+mn-cs"/>
+            </a:endParaRPr>
+          </a:p>
+          <a:p>
+            <a:r>
+              <a:rPr lang="en-US" sz="1200" b="0" i="0" kern="1200" dirty="0" smtClean="0">
+                <a:solidFill>
+                  <a:schemeClr val="tx1"/>
+                </a:solidFill>
+                <a:latin typeface="+mn-lt"/>
+                <a:ea typeface="+mn-ea"/>
+                <a:cs typeface="+mn-cs"/>
+              </a:rPr>
+              <a:t>I made few attempts to address this process bottleneck problem.</a:t>
+            </a:r>
+          </a:p>
+          <a:p>
+            <a:r>
+              <a:rPr lang="en-US" sz="1200" b="0" i="0" kern="1200" dirty="0" smtClean="0">
+                <a:solidFill>
+                  <a:schemeClr val="tx1"/>
+                </a:solidFill>
+                <a:latin typeface="+mn-lt"/>
+                <a:ea typeface="+mn-ea"/>
+                <a:cs typeface="+mn-cs"/>
+              </a:rPr>
+              <a:t>First I made a script to scan all </a:t>
+            </a:r>
+            <a:r>
+              <a:rPr lang="en-US" sz="1200" b="0" i="0" kern="1200" dirty="0" err="1" smtClean="0">
+                <a:solidFill>
+                  <a:schemeClr val="tx1"/>
+                </a:solidFill>
+                <a:latin typeface="+mn-lt"/>
+                <a:ea typeface="+mn-ea"/>
+                <a:cs typeface="+mn-cs"/>
+              </a:rPr>
+              <a:t>testcases</a:t>
+            </a:r>
+            <a:r>
+              <a:rPr lang="en-US" sz="1200" b="0" i="0" kern="1200" dirty="0" smtClean="0">
+                <a:solidFill>
+                  <a:schemeClr val="tx1"/>
+                </a:solidFill>
+                <a:latin typeface="+mn-lt"/>
+                <a:ea typeface="+mn-ea"/>
+                <a:cs typeface="+mn-cs"/>
+              </a:rPr>
+              <a:t> containing certain keywords it worked but not in all </a:t>
+            </a:r>
+            <a:r>
+              <a:rPr lang="en-US" sz="1200" b="0" i="0" kern="1200" dirty="0" err="1" smtClean="0">
+                <a:solidFill>
+                  <a:schemeClr val="tx1"/>
+                </a:solidFill>
+                <a:latin typeface="+mn-lt"/>
+                <a:ea typeface="+mn-ea"/>
+                <a:cs typeface="+mn-cs"/>
+              </a:rPr>
+              <a:t>testcases</a:t>
+            </a:r>
+            <a:r>
+              <a:rPr lang="en-US" sz="1200" b="0" i="0" kern="1200" dirty="0" smtClean="0">
+                <a:solidFill>
+                  <a:schemeClr val="tx1"/>
+                </a:solidFill>
+                <a:latin typeface="+mn-lt"/>
+                <a:ea typeface="+mn-ea"/>
+                <a:cs typeface="+mn-cs"/>
+              </a:rPr>
+              <a:t> as some are not in plain-text and</a:t>
+            </a:r>
+          </a:p>
+          <a:p>
+            <a:r>
+              <a:rPr lang="en-US" sz="1200" b="0" i="0" kern="1200" dirty="0" smtClean="0">
+                <a:solidFill>
+                  <a:schemeClr val="tx1"/>
+                </a:solidFill>
+                <a:latin typeface="+mn-lt"/>
+                <a:ea typeface="+mn-ea"/>
+                <a:cs typeface="+mn-cs"/>
+              </a:rPr>
+              <a:t>it needed to be run </a:t>
+            </a:r>
+            <a:r>
+              <a:rPr lang="en-US" sz="1200" b="0" i="0" kern="1200" dirty="0" err="1" smtClean="0">
+                <a:solidFill>
+                  <a:schemeClr val="tx1"/>
+                </a:solidFill>
+                <a:latin typeface="+mn-lt"/>
+                <a:ea typeface="+mn-ea"/>
+                <a:cs typeface="+mn-cs"/>
+              </a:rPr>
+              <a:t>everytime</a:t>
+            </a:r>
+            <a:r>
+              <a:rPr lang="en-US" sz="1200" b="0" i="0" kern="1200" dirty="0" smtClean="0">
+                <a:solidFill>
+                  <a:schemeClr val="tx1"/>
+                </a:solidFill>
+                <a:latin typeface="+mn-lt"/>
+                <a:ea typeface="+mn-ea"/>
+                <a:cs typeface="+mn-cs"/>
+              </a:rPr>
+              <a:t>. </a:t>
+            </a:r>
+          </a:p>
+          <a:p>
+            <a:r>
+              <a:rPr lang="en-US" sz="1200" b="0" i="0" kern="1200" dirty="0" smtClean="0">
+                <a:solidFill>
+                  <a:schemeClr val="tx1"/>
+                </a:solidFill>
+                <a:latin typeface="+mn-lt"/>
+                <a:ea typeface="+mn-ea"/>
+                <a:cs typeface="+mn-cs"/>
+              </a:rPr>
+              <a:t>A better approach is for the information to be persistent and readily available by just a mouse click.</a:t>
+            </a:r>
+          </a:p>
+          <a:p>
+            <a:r>
+              <a:rPr lang="en-US" sz="1200" b="0" i="0" kern="1200" dirty="0" smtClean="0">
+                <a:solidFill>
+                  <a:schemeClr val="tx1"/>
+                </a:solidFill>
+                <a:latin typeface="+mn-lt"/>
+                <a:ea typeface="+mn-ea"/>
+                <a:cs typeface="+mn-cs"/>
+              </a:rPr>
+              <a:t>#to have a database full with classified </a:t>
+            </a:r>
+            <a:r>
+              <a:rPr lang="en-US" sz="1200" b="0" i="0" kern="1200" dirty="0" err="1" smtClean="0">
+                <a:solidFill>
+                  <a:schemeClr val="tx1"/>
+                </a:solidFill>
+                <a:latin typeface="+mn-lt"/>
+                <a:ea typeface="+mn-ea"/>
+                <a:cs typeface="+mn-cs"/>
+              </a:rPr>
+              <a:t>testcases</a:t>
+            </a:r>
+            <a:r>
+              <a:rPr lang="en-US" sz="1200" b="0" i="0" kern="1200" dirty="0" smtClean="0">
+                <a:solidFill>
+                  <a:schemeClr val="tx1"/>
+                </a:solidFill>
+                <a:latin typeface="+mn-lt"/>
+                <a:ea typeface="+mn-ea"/>
+                <a:cs typeface="+mn-cs"/>
+              </a:rPr>
+              <a:t>, there could be many application/benefit that we can get out of it.</a:t>
+            </a:r>
           </a:p>
         </p:txBody>
       </p:sp>
@@ -793,213 +1738,9 @@
           </a:bodyPr>
           <a:lstStyle/>
           <a:p>
-            <a:pPr marL="228600" indent="-228600">
-              <a:buFont typeface="+mj-lt"/>
-              <a:buAutoNum type="arabicPeriod"/>
-            </a:pPr>
-            <a:r>
-              <a:rPr lang="en-US" dirty="0" err="1" smtClean="0"/>
-              <a:t>PDLsapp</a:t>
-            </a:r>
             <a:r>
               <a:rPr lang="en-US" dirty="0" smtClean="0"/>
-              <a:t> (–</a:t>
-            </a:r>
-            <a:r>
-              <a:rPr lang="en-US" dirty="0" err="1" smtClean="0"/>
-              <a:t>finstrument</a:t>
-            </a:r>
-            <a:r>
-              <a:rPr lang="en-US" dirty="0" smtClean="0"/>
-              <a:t>-functions compile flag)</a:t>
-            </a:r>
-          </a:p>
-          <a:p>
-            <a:pPr marL="228600" indent="-228600">
-              <a:buFont typeface="+mj-lt"/>
-              <a:buAutoNum type="arabicPeriod"/>
-            </a:pPr>
-            <a:r>
-              <a:rPr lang="en-US" dirty="0" smtClean="0"/>
-              <a:t>Scripts (turtle.sh and etrace.pl)</a:t>
-            </a:r>
-          </a:p>
-          <a:p>
-            <a:pPr marL="228600" indent="-228600">
-              <a:buFont typeface="+mj-lt"/>
-              <a:buAutoNum type="arabicPeriod"/>
-            </a:pPr>
-            <a:r>
-              <a:rPr lang="en-US" dirty="0" smtClean="0"/>
-              <a:t>Log parser (DB importer)</a:t>
-            </a:r>
-          </a:p>
-          <a:p>
-            <a:pPr marL="228600" indent="-228600">
-              <a:buFont typeface="+mj-lt"/>
-              <a:buAutoNum type="arabicPeriod"/>
-            </a:pPr>
-            <a:r>
-              <a:rPr lang="en-US" dirty="0" smtClean="0"/>
-              <a:t>Front-end UI (web-system)</a:t>
-            </a:r>
-          </a:p>
-          <a:p>
-            <a:endParaRPr lang="en-US" dirty="0" smtClean="0"/>
-          </a:p>
-          <a:p>
-            <a:r>
-              <a:rPr lang="en-US" dirty="0" smtClean="0"/>
-              <a:t>nm</a:t>
-            </a:r>
-            <a:r>
-              <a:rPr lang="en-US" sz="1200" b="0" i="0" kern="1200" dirty="0" smtClean="0">
-                <a:solidFill>
-                  <a:schemeClr val="tx1"/>
-                </a:solidFill>
-                <a:latin typeface="+mn-lt"/>
-                <a:ea typeface="+mn-ea"/>
-                <a:cs typeface="+mn-cs"/>
-              </a:rPr>
-              <a:t> is used to examine </a:t>
-            </a:r>
-            <a:r>
-              <a:rPr lang="en-US" sz="1200" b="0" i="0" u="none" strike="noStrike" kern="1200" dirty="0" smtClean="0">
-                <a:solidFill>
-                  <a:schemeClr val="tx1"/>
-                </a:solidFill>
-                <a:latin typeface="+mn-lt"/>
-                <a:ea typeface="+mn-ea"/>
-                <a:cs typeface="+mn-cs"/>
-                <a:hlinkClick r:id="rId3" tooltip="Binary file"/>
-              </a:rPr>
-              <a:t>binary files</a:t>
-            </a:r>
-            <a:r>
-              <a:rPr lang="en-US" sz="1200" b="0" i="0" kern="1200" dirty="0" smtClean="0">
-                <a:solidFill>
-                  <a:schemeClr val="tx1"/>
-                </a:solidFill>
-                <a:latin typeface="+mn-lt"/>
-                <a:ea typeface="+mn-ea"/>
-                <a:cs typeface="+mn-cs"/>
-              </a:rPr>
-              <a:t> (including </a:t>
-            </a:r>
-            <a:r>
-              <a:rPr lang="en-US" sz="1200" b="0" i="0" u="none" strike="noStrike" kern="1200" dirty="0" smtClean="0">
-                <a:solidFill>
-                  <a:schemeClr val="tx1"/>
-                </a:solidFill>
-                <a:latin typeface="+mn-lt"/>
-                <a:ea typeface="+mn-ea"/>
-                <a:cs typeface="+mn-cs"/>
-                <a:hlinkClick r:id="rId4" tooltip="Library (computing)"/>
-              </a:rPr>
-              <a:t>libraries</a:t>
-            </a:r>
-            <a:r>
-              <a:rPr lang="en-US" sz="1200" b="0" i="0" kern="1200" dirty="0" smtClean="0">
-                <a:solidFill>
-                  <a:schemeClr val="tx1"/>
-                </a:solidFill>
-                <a:latin typeface="+mn-lt"/>
-                <a:ea typeface="+mn-ea"/>
-                <a:cs typeface="+mn-cs"/>
-              </a:rPr>
-              <a:t>, compiled </a:t>
-            </a:r>
-            <a:r>
-              <a:rPr lang="en-US" sz="1200" b="0" i="0" u="none" strike="noStrike" kern="1200" dirty="0" smtClean="0">
-                <a:solidFill>
-                  <a:schemeClr val="tx1"/>
-                </a:solidFill>
-                <a:latin typeface="+mn-lt"/>
-                <a:ea typeface="+mn-ea"/>
-                <a:cs typeface="+mn-cs"/>
-                <a:hlinkClick r:id="rId5" tooltip="Object file"/>
-              </a:rPr>
-              <a:t>object modules</a:t>
-            </a:r>
-            <a:r>
-              <a:rPr lang="en-US" sz="1200" b="0" i="0" kern="1200" dirty="0" smtClean="0">
-                <a:solidFill>
-                  <a:schemeClr val="tx1"/>
-                </a:solidFill>
-                <a:latin typeface="+mn-lt"/>
-                <a:ea typeface="+mn-ea"/>
-                <a:cs typeface="+mn-cs"/>
-              </a:rPr>
-              <a:t>, shared-object files, and standalone </a:t>
-            </a:r>
-            <a:r>
-              <a:rPr lang="en-US" sz="1200" b="0" i="0" u="none" strike="noStrike" kern="1200" dirty="0" smtClean="0">
-                <a:solidFill>
-                  <a:schemeClr val="tx1"/>
-                </a:solidFill>
-                <a:latin typeface="+mn-lt"/>
-                <a:ea typeface="+mn-ea"/>
-                <a:cs typeface="+mn-cs"/>
-                <a:hlinkClick r:id="rId6" tooltip="Executable"/>
-              </a:rPr>
-              <a:t>executables</a:t>
-            </a:r>
-            <a:r>
-              <a:rPr lang="en-US" sz="1200" b="0" i="0" kern="1200" dirty="0" smtClean="0">
-                <a:solidFill>
-                  <a:schemeClr val="tx1"/>
-                </a:solidFill>
-                <a:latin typeface="+mn-lt"/>
-                <a:ea typeface="+mn-ea"/>
-                <a:cs typeface="+mn-cs"/>
-              </a:rPr>
-              <a:t>) and to display the contents of those files, or </a:t>
-            </a:r>
-            <a:r>
-              <a:rPr lang="en-US" sz="1200" b="0" i="0" u="none" strike="noStrike" kern="1200" dirty="0" smtClean="0">
-                <a:solidFill>
-                  <a:schemeClr val="tx1"/>
-                </a:solidFill>
-                <a:latin typeface="+mn-lt"/>
-                <a:ea typeface="+mn-ea"/>
-                <a:cs typeface="+mn-cs"/>
-                <a:hlinkClick r:id="rId7" tooltip="Metadata"/>
-              </a:rPr>
-              <a:t>meta information</a:t>
-            </a:r>
-            <a:r>
-              <a:rPr lang="en-US" sz="1200" b="0" i="0" kern="1200" dirty="0" smtClean="0">
-                <a:solidFill>
-                  <a:schemeClr val="tx1"/>
-                </a:solidFill>
-                <a:latin typeface="+mn-lt"/>
-                <a:ea typeface="+mn-ea"/>
-                <a:cs typeface="+mn-cs"/>
-              </a:rPr>
-              <a:t> stored in them, specifically the </a:t>
-            </a:r>
-            <a:r>
-              <a:rPr lang="en-US" sz="1200" b="0" i="0" u="none" strike="noStrike" kern="1200" dirty="0" smtClean="0">
-                <a:solidFill>
-                  <a:schemeClr val="tx1"/>
-                </a:solidFill>
-                <a:latin typeface="+mn-lt"/>
-                <a:ea typeface="+mn-ea"/>
-                <a:cs typeface="+mn-cs"/>
-                <a:hlinkClick r:id="rId8" tooltip="Symbol table"/>
-              </a:rPr>
-              <a:t>symbol table</a:t>
-            </a:r>
-            <a:r>
-              <a:rPr lang="en-US" sz="1200" b="0" i="0" kern="1200" dirty="0" smtClean="0">
-                <a:solidFill>
-                  <a:schemeClr val="tx1"/>
-                </a:solidFill>
-                <a:latin typeface="+mn-lt"/>
-                <a:ea typeface="+mn-ea"/>
-                <a:cs typeface="+mn-cs"/>
-              </a:rPr>
-              <a:t>.</a:t>
+              <a:t>Connecting the dots!</a:t>
             </a:r>
           </a:p>
           <a:p>
@@ -1014,22 +1755,404 @@
           </a:p>
           <a:p>
             <a:r>
-              <a:rPr lang="en-US" dirty="0" err="1" smtClean="0"/>
+              <a:rPr lang="en-US" sz="1200" b="0" i="0" kern="1200" dirty="0" smtClean="0">
+                <a:solidFill>
+                  <a:schemeClr val="tx1"/>
+                </a:solidFill>
+                <a:latin typeface="+mn-lt"/>
+                <a:ea typeface="+mn-ea"/>
+                <a:cs typeface="+mn-cs"/>
+              </a:rPr>
+              <a:t>Second, was while I was working with profiler tools like </a:t>
+            </a:r>
+            <a:r>
+              <a:rPr lang="en-US" sz="1200" b="0" i="0" kern="1200" dirty="0" err="1" smtClean="0">
+                <a:solidFill>
+                  <a:schemeClr val="tx1"/>
+                </a:solidFill>
+                <a:latin typeface="+mn-lt"/>
+                <a:ea typeface="+mn-ea"/>
+                <a:cs typeface="+mn-cs"/>
+              </a:rPr>
+              <a:t>valgrind</a:t>
+            </a:r>
+            <a:r>
+              <a:rPr lang="en-US" sz="1200" b="0" i="0" kern="1200" dirty="0" smtClean="0">
+                <a:solidFill>
+                  <a:schemeClr val="tx1"/>
+                </a:solidFill>
+                <a:latin typeface="+mn-lt"/>
+                <a:ea typeface="+mn-ea"/>
+                <a:cs typeface="+mn-cs"/>
+              </a:rPr>
+              <a:t>, etc.. it makes me wonder...</a:t>
+            </a:r>
+          </a:p>
+          <a:p>
+            <a:r>
+              <a:rPr lang="en-US" sz="1200" b="0" i="0" kern="1200" dirty="0" smtClean="0">
+                <a:solidFill>
+                  <a:schemeClr val="tx1"/>
+                </a:solidFill>
+                <a:latin typeface="+mn-lt"/>
+                <a:ea typeface="+mn-ea"/>
+                <a:cs typeface="+mn-cs"/>
+              </a:rPr>
+              <a:t>how can it provide the program function usage and performance statistic reports? there must be a way to monitor all function calls taken...</a:t>
+            </a:r>
+          </a:p>
+          <a:p>
+            <a:endParaRPr lang="en-US" sz="1200" b="0" i="0" kern="1200" dirty="0" smtClean="0">
+              <a:solidFill>
+                <a:schemeClr val="tx1"/>
+              </a:solidFill>
+              <a:latin typeface="+mn-lt"/>
+              <a:ea typeface="+mn-ea"/>
+              <a:cs typeface="+mn-cs"/>
+            </a:endParaRPr>
+          </a:p>
+          <a:p>
+            <a:r>
+              <a:rPr lang="en-US" sz="1200" b="0" i="0" kern="1200" dirty="0" err="1" smtClean="0">
+                <a:solidFill>
+                  <a:schemeClr val="tx1"/>
+                </a:solidFill>
+                <a:latin typeface="+mn-lt"/>
+                <a:ea typeface="+mn-ea"/>
+                <a:cs typeface="+mn-cs"/>
+              </a:rPr>
+              <a:t>i</a:t>
+            </a:r>
+            <a:r>
+              <a:rPr lang="en-US" sz="1200" b="0" i="0" kern="1200" dirty="0" smtClean="0">
+                <a:solidFill>
+                  <a:schemeClr val="tx1"/>
+                </a:solidFill>
+                <a:latin typeface="+mn-lt"/>
+                <a:ea typeface="+mn-ea"/>
+                <a:cs typeface="+mn-cs"/>
+              </a:rPr>
+              <a:t> figured that if </a:t>
+            </a:r>
+            <a:r>
+              <a:rPr lang="en-US" sz="1200" b="0" i="0" kern="1200" dirty="0" err="1" smtClean="0">
+                <a:solidFill>
+                  <a:schemeClr val="tx1"/>
+                </a:solidFill>
+                <a:latin typeface="+mn-lt"/>
+                <a:ea typeface="+mn-ea"/>
+                <a:cs typeface="+mn-cs"/>
+              </a:rPr>
+              <a:t>i</a:t>
+            </a:r>
+            <a:r>
+              <a:rPr lang="en-US" sz="1200" b="0" i="0" kern="1200" dirty="0" smtClean="0">
+                <a:solidFill>
+                  <a:schemeClr val="tx1"/>
+                </a:solidFill>
+                <a:latin typeface="+mn-lt"/>
+                <a:ea typeface="+mn-ea"/>
+                <a:cs typeface="+mn-cs"/>
+              </a:rPr>
+              <a:t> can get the same information out of </a:t>
+            </a:r>
+            <a:r>
+              <a:rPr lang="en-US" sz="1200" b="0" i="0" kern="1200" dirty="0" err="1" smtClean="0">
+                <a:solidFill>
+                  <a:schemeClr val="tx1"/>
+                </a:solidFill>
+                <a:latin typeface="+mn-lt"/>
+                <a:ea typeface="+mn-ea"/>
+                <a:cs typeface="+mn-cs"/>
+              </a:rPr>
+              <a:t>pdlsapp</a:t>
+            </a:r>
+            <a:r>
+              <a:rPr lang="en-US" sz="1200" b="0" i="0" kern="1200" dirty="0" smtClean="0">
+                <a:solidFill>
+                  <a:schemeClr val="tx1"/>
+                </a:solidFill>
+                <a:latin typeface="+mn-lt"/>
+                <a:ea typeface="+mn-ea"/>
+                <a:cs typeface="+mn-cs"/>
+              </a:rPr>
+              <a:t> then </a:t>
+            </a:r>
+            <a:r>
+              <a:rPr lang="en-US" sz="1200" b="0" i="0" kern="1200" dirty="0" err="1" smtClean="0">
+                <a:solidFill>
+                  <a:schemeClr val="tx1"/>
+                </a:solidFill>
+                <a:latin typeface="+mn-lt"/>
+                <a:ea typeface="+mn-ea"/>
+                <a:cs typeface="+mn-cs"/>
+              </a:rPr>
+              <a:t>i</a:t>
+            </a:r>
+            <a:r>
+              <a:rPr lang="en-US" sz="1200" b="0" i="0" kern="1200" dirty="0" smtClean="0">
+                <a:solidFill>
+                  <a:schemeClr val="tx1"/>
+                </a:solidFill>
+                <a:latin typeface="+mn-lt"/>
+                <a:ea typeface="+mn-ea"/>
+                <a:cs typeface="+mn-cs"/>
+              </a:rPr>
+              <a:t> can create a function call map or code route/path taken of each run.</a:t>
+            </a:r>
+          </a:p>
+          <a:p>
+            <a:r>
+              <a:rPr lang="en-US" sz="1200" b="0" i="0" kern="1200" dirty="0" smtClean="0">
+                <a:solidFill>
+                  <a:schemeClr val="tx1"/>
+                </a:solidFill>
+                <a:latin typeface="+mn-lt"/>
+                <a:ea typeface="+mn-ea"/>
+                <a:cs typeface="+mn-cs"/>
+              </a:rPr>
+              <a:t>having this in mind, it came to me that </a:t>
+            </a:r>
+            <a:r>
+              <a:rPr lang="en-US" sz="1200" b="0" i="0" kern="1200" dirty="0" err="1" smtClean="0">
+                <a:solidFill>
+                  <a:schemeClr val="tx1"/>
+                </a:solidFill>
+                <a:latin typeface="+mn-lt"/>
+                <a:ea typeface="+mn-ea"/>
+                <a:cs typeface="+mn-cs"/>
+              </a:rPr>
+              <a:t>i</a:t>
+            </a:r>
+            <a:r>
+              <a:rPr lang="en-US" sz="1200" b="0" i="0" kern="1200" dirty="0" smtClean="0">
+                <a:solidFill>
+                  <a:schemeClr val="tx1"/>
+                </a:solidFill>
+                <a:latin typeface="+mn-lt"/>
+                <a:ea typeface="+mn-ea"/>
+                <a:cs typeface="+mn-cs"/>
+              </a:rPr>
+              <a:t> can use that information to catalog/classify </a:t>
+            </a:r>
+            <a:r>
+              <a:rPr lang="en-US" sz="1200" b="0" i="0" kern="1200" dirty="0" err="1" smtClean="0">
+                <a:solidFill>
+                  <a:schemeClr val="tx1"/>
+                </a:solidFill>
+                <a:latin typeface="+mn-lt"/>
+                <a:ea typeface="+mn-ea"/>
+                <a:cs typeface="+mn-cs"/>
+              </a:rPr>
+              <a:t>testcases</a:t>
+            </a:r>
+            <a:r>
+              <a:rPr lang="en-US" sz="1200" b="0" i="0" kern="1200" dirty="0" smtClean="0">
+                <a:solidFill>
+                  <a:schemeClr val="tx1"/>
+                </a:solidFill>
+                <a:latin typeface="+mn-lt"/>
+                <a:ea typeface="+mn-ea"/>
+                <a:cs typeface="+mn-cs"/>
+              </a:rPr>
+              <a:t> accurately. </a:t>
+            </a:r>
+          </a:p>
+          <a:p>
+            <a:endParaRPr lang="en-US" sz="1200" b="0" i="0" kern="1200" dirty="0" smtClean="0">
+              <a:solidFill>
+                <a:schemeClr val="tx1"/>
+              </a:solidFill>
+              <a:latin typeface="+mn-lt"/>
+              <a:ea typeface="+mn-ea"/>
+              <a:cs typeface="+mn-cs"/>
+            </a:endParaRPr>
+          </a:p>
+          <a:p>
+            <a:r>
+              <a:rPr lang="en-US" sz="1200" b="0" i="0" kern="1200" dirty="0" smtClean="0">
+                <a:solidFill>
+                  <a:schemeClr val="tx1"/>
+                </a:solidFill>
+                <a:latin typeface="+mn-lt"/>
+                <a:ea typeface="+mn-ea"/>
+                <a:cs typeface="+mn-cs"/>
+              </a:rPr>
+              <a:t>armed with this knowledge </a:t>
+            </a:r>
+            <a:r>
+              <a:rPr lang="en-US" sz="1200" b="0" i="0" kern="1200" dirty="0" err="1" smtClean="0">
+                <a:solidFill>
+                  <a:schemeClr val="tx1"/>
+                </a:solidFill>
+                <a:latin typeface="+mn-lt"/>
+                <a:ea typeface="+mn-ea"/>
+                <a:cs typeface="+mn-cs"/>
+              </a:rPr>
+              <a:t>i</a:t>
+            </a:r>
+            <a:r>
+              <a:rPr lang="en-US" sz="1200" b="0" i="0" kern="1200" dirty="0" smtClean="0">
+                <a:solidFill>
+                  <a:schemeClr val="tx1"/>
+                </a:solidFill>
+                <a:latin typeface="+mn-lt"/>
+                <a:ea typeface="+mn-ea"/>
+                <a:cs typeface="+mn-cs"/>
+              </a:rPr>
+              <a:t> set out to the world(internet) and did research after all if </a:t>
+            </a:r>
+            <a:r>
+              <a:rPr lang="en-US" sz="1200" b="0" i="0" kern="1200" dirty="0" err="1" smtClean="0">
+                <a:solidFill>
+                  <a:schemeClr val="tx1"/>
+                </a:solidFill>
+                <a:latin typeface="+mn-lt"/>
+                <a:ea typeface="+mn-ea"/>
+                <a:cs typeface="+mn-cs"/>
+              </a:rPr>
+              <a:t>valgrind</a:t>
+            </a:r>
+            <a:r>
+              <a:rPr lang="en-US" sz="1200" b="0" i="0" kern="1200" dirty="0" smtClean="0">
+                <a:solidFill>
+                  <a:schemeClr val="tx1"/>
+                </a:solidFill>
+                <a:latin typeface="+mn-lt"/>
+                <a:ea typeface="+mn-ea"/>
+                <a:cs typeface="+mn-cs"/>
+              </a:rPr>
+              <a:t> can do it so can I!</a:t>
+            </a:r>
+          </a:p>
+          <a:p>
+            <a:r>
+              <a:rPr lang="en-US" sz="1200" b="0" i="0" kern="1200" dirty="0" smtClean="0">
+                <a:solidFill>
+                  <a:schemeClr val="tx1"/>
+                </a:solidFill>
+                <a:latin typeface="+mn-lt"/>
+                <a:ea typeface="+mn-ea"/>
+                <a:cs typeface="+mn-cs"/>
+              </a:rPr>
+              <a:t>After lots of mouse clicks I finally found the solution.</a:t>
+            </a:r>
+          </a:p>
+          <a:p>
+            <a:r>
+              <a:rPr lang="en-US" sz="1200" b="0" i="0" kern="1200" dirty="0" smtClean="0">
+                <a:solidFill>
+                  <a:schemeClr val="tx1"/>
+                </a:solidFill>
+                <a:latin typeface="+mn-lt"/>
+                <a:ea typeface="+mn-ea"/>
+                <a:cs typeface="+mn-cs"/>
+              </a:rPr>
+              <a:t>   -</a:t>
+            </a:r>
+            <a:r>
+              <a:rPr lang="en-US" sz="1200" b="0" i="0" kern="1200" dirty="0" err="1" smtClean="0">
+                <a:solidFill>
+                  <a:schemeClr val="tx1"/>
+                </a:solidFill>
+                <a:latin typeface="+mn-lt"/>
+                <a:ea typeface="+mn-ea"/>
+                <a:cs typeface="+mn-cs"/>
+              </a:rPr>
               <a:t>finstrument</a:t>
             </a:r>
             <a:r>
-              <a:rPr lang="en-US" dirty="0" smtClean="0"/>
-              <a:t>-functions:</a:t>
-            </a:r>
-          </a:p>
-          <a:p>
-            <a:r>
-              <a:rPr lang="en-US" dirty="0" smtClean="0"/>
-              <a:t>     https://gcc.gnu.org/onlinedocs/gcc-4.3.4/gcc/Code-Gen-Options.html </a:t>
-            </a:r>
-          </a:p>
-          <a:p>
-            <a:endParaRPr lang="en-US" dirty="0" smtClean="0"/>
+              <a:rPr lang="en-US" sz="1200" b="0" i="0" kern="1200" dirty="0" smtClean="0">
+                <a:solidFill>
+                  <a:schemeClr val="tx1"/>
+                </a:solidFill>
+                <a:latin typeface="+mn-lt"/>
+                <a:ea typeface="+mn-ea"/>
+                <a:cs typeface="+mn-cs"/>
+              </a:rPr>
+              <a:t> functions </a:t>
+            </a:r>
+            <a:r>
+              <a:rPr lang="en-US" sz="1200" b="0" i="0" kern="1200" dirty="0" err="1" smtClean="0">
+                <a:solidFill>
+                  <a:schemeClr val="tx1"/>
+                </a:solidFill>
+                <a:latin typeface="+mn-lt"/>
+                <a:ea typeface="+mn-ea"/>
+                <a:cs typeface="+mn-cs"/>
+              </a:rPr>
+              <a:t>gcc</a:t>
+            </a:r>
+            <a:r>
+              <a:rPr lang="en-US" sz="1200" b="0" i="0" kern="1200" dirty="0" smtClean="0">
+                <a:solidFill>
+                  <a:schemeClr val="tx1"/>
+                </a:solidFill>
+                <a:latin typeface="+mn-lt"/>
+                <a:ea typeface="+mn-ea"/>
+                <a:cs typeface="+mn-cs"/>
+              </a:rPr>
+              <a:t> compiler flag let us to monitor all the function invoke in a program.</a:t>
+            </a:r>
+          </a:p>
+          <a:p>
+            <a:endParaRPr lang="en-US" sz="1200" b="0" i="0" kern="1200" dirty="0" smtClean="0">
+              <a:solidFill>
+                <a:schemeClr val="tx1"/>
+              </a:solidFill>
+              <a:latin typeface="+mn-lt"/>
+              <a:ea typeface="+mn-ea"/>
+              <a:cs typeface="+mn-cs"/>
+            </a:endParaRPr>
+          </a:p>
+          <a:p>
+            <a:r>
+              <a:rPr lang="en-US" sz="1200" b="0" i="0" kern="1200" dirty="0" smtClean="0">
+                <a:solidFill>
+                  <a:schemeClr val="tx1"/>
+                </a:solidFill>
+                <a:latin typeface="+mn-lt"/>
+                <a:ea typeface="+mn-ea"/>
+                <a:cs typeface="+mn-cs"/>
+              </a:rPr>
+              <a:t>- Q/A</a:t>
+            </a:r>
+          </a:p>
+          <a:p>
+            <a:r>
+              <a:rPr lang="en-US" sz="1200" b="0" i="0" kern="1200" dirty="0" smtClean="0">
+                <a:solidFill>
+                  <a:schemeClr val="tx1"/>
+                </a:solidFill>
+                <a:latin typeface="+mn-lt"/>
+                <a:ea typeface="+mn-ea"/>
+                <a:cs typeface="+mn-cs"/>
+              </a:rPr>
+              <a:t>- Demo time!</a:t>
+            </a:r>
+          </a:p>
+          <a:p>
+            <a:endParaRPr lang="en-US" sz="1200" b="0" i="0" kern="1200" dirty="0" smtClean="0">
+              <a:solidFill>
+                <a:schemeClr val="tx1"/>
+              </a:solidFill>
+              <a:latin typeface="+mn-lt"/>
+              <a:ea typeface="+mn-ea"/>
+              <a:cs typeface="+mn-cs"/>
+            </a:endParaRPr>
+          </a:p>
+          <a:p>
+            <a:r>
+              <a:rPr lang="en-US" sz="1200" b="0" i="0" kern="1200" dirty="0" smtClean="0">
+                <a:solidFill>
+                  <a:schemeClr val="tx1"/>
+                </a:solidFill>
+                <a:latin typeface="+mn-lt"/>
+                <a:ea typeface="+mn-ea"/>
+                <a:cs typeface="+mn-cs"/>
+              </a:rPr>
+              <a:t>as you may already know a function in a program does a specific task that only will be taken if certain condition is met. </a:t>
+            </a:r>
           </a:p>
           <a:p>
             <a:endParaRPr lang="en-US" dirty="0"/>
@@ -1055,6 +2178,609 @@
               <a:rPr lang="en-US" smtClean="0"/>
               <a:pPr/>
               <a:t>3</a:t>
+            </a:fld>
+            <a:endParaRPr lang="en-US"/>
+          </a:p>
+        </p:txBody>
+      </p:sp>
+    </p:spTree>
+  </p:cSld>
+  <p:clrMapOvr>
+    <a:masterClrMapping/>
+  </p:clrMapOvr>
+</p:notes>
+</file>
+
+<file path=ppt/notesSlides/notesSlide4.xml><?xml version="1.0" encoding="utf-8"?>
+<p:notes xmlns:a="http://schemas.openxmlformats.org/drawingml/2006/main" xmlns:r="http://schemas.openxmlformats.org/officeDocument/2006/relationships" xmlns:p="http://schemas.openxmlformats.org/presentationml/2006/main">
+  <p:cSld>
+    <p:spTree>
+      <p:nvGrpSpPr>
+        <p:cNvPr id="1" name=""/>
+        <p:cNvGrpSpPr/>
+        <p:nvPr/>
+      </p:nvGrpSpPr>
+      <p:grpSpPr>
+        <a:xfrm>
+          <a:off x="0" y="0"/>
+          <a:ext cx="0" cy="0"/>
+          <a:chOff x="0" y="0"/>
+          <a:chExt cx="0" cy="0"/>
+        </a:xfrm>
+      </p:grpSpPr>
+      <p:sp>
+        <p:nvSpPr>
+          <p:cNvPr id="2" name="Slide Image Placeholder 1"/>
+          <p:cNvSpPr>
+            <a:spLocks noGrp="1" noRot="1" noChangeAspect="1"/>
+          </p:cNvSpPr>
+          <p:nvPr>
+            <p:ph type="sldImg"/>
+          </p:nvPr>
+        </p:nvSpPr>
+        <p:spPr/>
+      </p:sp>
+      <p:sp>
+        <p:nvSpPr>
+          <p:cNvPr id="3" name="Notes Placeholder 2"/>
+          <p:cNvSpPr>
+            <a:spLocks noGrp="1"/>
+          </p:cNvSpPr>
+          <p:nvPr>
+            <p:ph type="body" idx="1"/>
+          </p:nvPr>
+        </p:nvSpPr>
+        <p:spPr/>
+        <p:txBody>
+          <a:bodyPr>
+            <a:normAutofit/>
+          </a:bodyPr>
+          <a:lstStyle/>
+          <a:p>
+            <a:r>
+              <a:rPr lang="en-US" dirty="0" smtClean="0"/>
+              <a:t>Main function is to accurately lookup test-cases</a:t>
+            </a:r>
+            <a:r>
+              <a:rPr lang="en-US" baseline="0" dirty="0" smtClean="0"/>
+              <a:t> filtered by a given keyword. </a:t>
+            </a:r>
+          </a:p>
+          <a:p>
+            <a:r>
+              <a:rPr lang="en-US" baseline="0" dirty="0" smtClean="0"/>
+              <a:t>Saves us time, resources, and ultimately money!</a:t>
+            </a:r>
+          </a:p>
+          <a:p>
+            <a:r>
+              <a:rPr lang="en-US" baseline="0" dirty="0" smtClean="0"/>
+              <a:t>Influence by the fact that FTL tests takes up to 1 week and its not guaranteed that all test-case are covered.</a:t>
+            </a:r>
+          </a:p>
+          <a:p>
+            <a:r>
+              <a:rPr lang="en-US" dirty="0" smtClean="0"/>
+              <a:t>Walk-through</a:t>
+            </a:r>
+            <a:r>
+              <a:rPr lang="en-US" baseline="0" dirty="0" smtClean="0"/>
+              <a:t> behind the scene on how the tool works.</a:t>
+            </a:r>
+          </a:p>
+          <a:p>
+            <a:r>
+              <a:rPr lang="en-US" baseline="0" dirty="0" smtClean="0"/>
+              <a:t>Keyword </a:t>
+            </a:r>
+          </a:p>
+          <a:p>
+            <a:pPr lvl="1">
+              <a:buFont typeface="Arial" pitchFamily="34" charset="0"/>
+              <a:buChar char="•"/>
+            </a:pPr>
+            <a:r>
+              <a:rPr lang="en-US" baseline="0" dirty="0" smtClean="0"/>
+              <a:t> Category</a:t>
+            </a:r>
+          </a:p>
+          <a:p>
+            <a:pPr lvl="1">
+              <a:buFont typeface="Arial" pitchFamily="34" charset="0"/>
+              <a:buChar char="•"/>
+            </a:pPr>
+            <a:r>
+              <a:rPr lang="en-US" baseline="0" dirty="0" smtClean="0"/>
+              <a:t> Feature</a:t>
+            </a:r>
+          </a:p>
+          <a:p>
+            <a:pPr lvl="1">
+              <a:buFont typeface="Arial" pitchFamily="34" charset="0"/>
+              <a:buChar char="•"/>
+            </a:pPr>
+            <a:r>
+              <a:rPr lang="en-US" baseline="0" dirty="0" smtClean="0"/>
+              <a:t> Tag</a:t>
+            </a:r>
+          </a:p>
+          <a:p>
+            <a:pPr lvl="1">
+              <a:buFont typeface="Arial" pitchFamily="34" charset="0"/>
+              <a:buChar char="•"/>
+            </a:pPr>
+            <a:r>
+              <a:rPr lang="en-US" baseline="0" dirty="0" smtClean="0"/>
+              <a:t> File Type</a:t>
+            </a:r>
+          </a:p>
+          <a:p>
+            <a:pPr lvl="1">
+              <a:buFont typeface="Arial" pitchFamily="34" charset="0"/>
+              <a:buChar char="•"/>
+            </a:pPr>
+            <a:r>
+              <a:rPr lang="en-US" baseline="0" dirty="0" smtClean="0"/>
+              <a:t> Source code function name</a:t>
+            </a:r>
+          </a:p>
+          <a:p>
+            <a:r>
+              <a:rPr lang="en-US" baseline="0" dirty="0" smtClean="0"/>
+              <a:t>Sample values:</a:t>
+            </a:r>
+          </a:p>
+          <a:p>
+            <a:pPr lvl="1">
+              <a:buFont typeface="Arial" pitchFamily="34" charset="0"/>
+              <a:buChar char="•"/>
+            </a:pPr>
+            <a:r>
+              <a:rPr lang="en-US" baseline="0" dirty="0" smtClean="0"/>
+              <a:t> PDF annotation </a:t>
+            </a:r>
+          </a:p>
+          <a:p>
+            <a:pPr lvl="1">
+              <a:buFont typeface="Arial" pitchFamily="34" charset="0"/>
+              <a:buChar char="•"/>
+            </a:pPr>
+            <a:r>
+              <a:rPr lang="en-US" baseline="0" dirty="0" smtClean="0"/>
+              <a:t> JP2K</a:t>
+            </a:r>
+          </a:p>
+          <a:p>
+            <a:pPr lvl="1">
+              <a:buFont typeface="Arial" pitchFamily="34" charset="0"/>
+              <a:buChar char="•"/>
+            </a:pPr>
+            <a:r>
+              <a:rPr lang="en-US" baseline="0" dirty="0" smtClean="0"/>
+              <a:t> PS Type 42 font</a:t>
+            </a:r>
+          </a:p>
+          <a:p>
+            <a:pPr lvl="1">
+              <a:buFont typeface="Arial" pitchFamily="34" charset="0"/>
+              <a:buChar char="•"/>
+            </a:pPr>
+            <a:r>
+              <a:rPr lang="en-US" baseline="0" dirty="0" smtClean="0"/>
+              <a:t> HD photo</a:t>
+            </a:r>
+          </a:p>
+          <a:p>
+            <a:pPr>
+              <a:buFontTx/>
+              <a:buChar char="-"/>
+            </a:pPr>
+            <a:endParaRPr lang="en-US" dirty="0" smtClean="0"/>
+          </a:p>
+          <a:p>
+            <a:pPr>
+              <a:buFontTx/>
+              <a:buChar char="-"/>
+            </a:pPr>
+            <a:endParaRPr lang="en-US" dirty="0" smtClean="0"/>
+          </a:p>
+          <a:p>
+            <a:pPr>
+              <a:buFontTx/>
+              <a:buChar char="-"/>
+            </a:pPr>
+            <a:r>
+              <a:rPr lang="en-US" dirty="0" smtClean="0"/>
+              <a:t> pdfObjFontDefineFont_T42</a:t>
+            </a:r>
+          </a:p>
+          <a:p>
+            <a:pPr>
+              <a:buFontTx/>
+              <a:buChar char="-"/>
+            </a:pPr>
+            <a:r>
+              <a:rPr lang="en-US" dirty="0" smtClean="0"/>
+              <a:t> </a:t>
+            </a:r>
+            <a:r>
+              <a:rPr lang="en-US" dirty="0" err="1" smtClean="0"/>
+              <a:t>jpxdecode</a:t>
+            </a:r>
+            <a:endParaRPr lang="en-US" dirty="0" smtClean="0"/>
+          </a:p>
+          <a:p>
+            <a:pPr>
+              <a:buFontTx/>
+              <a:buChar char="-"/>
+            </a:pPr>
+            <a:r>
+              <a:rPr lang="en-US" dirty="0" smtClean="0"/>
+              <a:t> </a:t>
+            </a:r>
+            <a:r>
+              <a:rPr lang="en-US" dirty="0" err="1" smtClean="0"/>
+              <a:t>gef_wmphoto_read</a:t>
+            </a:r>
+            <a:endParaRPr lang="en-US" dirty="0" smtClean="0"/>
+          </a:p>
+          <a:p>
+            <a:pPr>
+              <a:buFontTx/>
+              <a:buChar char="-"/>
+            </a:pPr>
+            <a:r>
+              <a:rPr lang="en-US" dirty="0" smtClean="0"/>
+              <a:t> </a:t>
+            </a:r>
+            <a:r>
+              <a:rPr lang="en-US" dirty="0" err="1" smtClean="0"/>
+              <a:t>pdfObjAnnotsDoApStream</a:t>
+            </a:r>
+            <a:endParaRPr lang="en-US" dirty="0"/>
+          </a:p>
+        </p:txBody>
+      </p:sp>
+      <p:sp>
+        <p:nvSpPr>
+          <p:cNvPr id="4" name="Slide Number Placeholder 3"/>
+          <p:cNvSpPr>
+            <a:spLocks noGrp="1"/>
+          </p:cNvSpPr>
+          <p:nvPr>
+            <p:ph type="sldNum" sz="quarter" idx="10"/>
+          </p:nvPr>
+        </p:nvSpPr>
+        <p:spPr/>
+        <p:txBody>
+          <a:bodyPr/>
+          <a:lstStyle/>
+          <a:p>
+            <a:fld id="{9EAAA47A-7438-4B28-A78E-7057BF42F615}" type="slidenum">
+              <a:rPr lang="en-US" smtClean="0"/>
+              <a:pPr/>
+              <a:t>4</a:t>
+            </a:fld>
+            <a:endParaRPr lang="en-US"/>
+          </a:p>
+        </p:txBody>
+      </p:sp>
+    </p:spTree>
+  </p:cSld>
+  <p:clrMapOvr>
+    <a:masterClrMapping/>
+  </p:clrMapOvr>
+</p:notes>
+</file>
+
+<file path=ppt/notesSlides/notesSlide5.xml><?xml version="1.0" encoding="utf-8"?>
+<p:notes xmlns:a="http://schemas.openxmlformats.org/drawingml/2006/main" xmlns:r="http://schemas.openxmlformats.org/officeDocument/2006/relationships" xmlns:p="http://schemas.openxmlformats.org/presentationml/2006/main">
+  <p:cSld>
+    <p:spTree>
+      <p:nvGrpSpPr>
+        <p:cNvPr id="1" name=""/>
+        <p:cNvGrpSpPr/>
+        <p:nvPr/>
+      </p:nvGrpSpPr>
+      <p:grpSpPr>
+        <a:xfrm>
+          <a:off x="0" y="0"/>
+          <a:ext cx="0" cy="0"/>
+          <a:chOff x="0" y="0"/>
+          <a:chExt cx="0" cy="0"/>
+        </a:xfrm>
+      </p:grpSpPr>
+      <p:sp>
+        <p:nvSpPr>
+          <p:cNvPr id="2" name="Slide Image Placeholder 1"/>
+          <p:cNvSpPr>
+            <a:spLocks noGrp="1" noRot="1" noChangeAspect="1"/>
+          </p:cNvSpPr>
+          <p:nvPr>
+            <p:ph type="sldImg"/>
+          </p:nvPr>
+        </p:nvSpPr>
+        <p:spPr/>
+      </p:sp>
+      <p:sp>
+        <p:nvSpPr>
+          <p:cNvPr id="3" name="Notes Placeholder 2"/>
+          <p:cNvSpPr>
+            <a:spLocks noGrp="1"/>
+          </p:cNvSpPr>
+          <p:nvPr>
+            <p:ph type="body" idx="1"/>
+          </p:nvPr>
+        </p:nvSpPr>
+        <p:spPr/>
+        <p:txBody>
+          <a:bodyPr>
+            <a:normAutofit/>
+          </a:bodyPr>
+          <a:lstStyle/>
+          <a:p>
+            <a:pPr marL="228600" indent="-228600">
+              <a:buFont typeface="+mj-lt"/>
+              <a:buAutoNum type="arabicPeriod"/>
+            </a:pPr>
+            <a:r>
+              <a:rPr lang="en-US" dirty="0" err="1" smtClean="0"/>
+              <a:t>PDLsapp</a:t>
+            </a:r>
+            <a:r>
+              <a:rPr lang="en-US" dirty="0" smtClean="0"/>
+              <a:t> (–</a:t>
+            </a:r>
+            <a:r>
+              <a:rPr lang="en-US" dirty="0" err="1" smtClean="0"/>
+              <a:t>finstrument</a:t>
+            </a:r>
+            <a:r>
+              <a:rPr lang="en-US" dirty="0" smtClean="0"/>
+              <a:t>-functions compile flag)</a:t>
+            </a:r>
+          </a:p>
+          <a:p>
+            <a:pPr marL="228600" indent="-228600">
+              <a:buFont typeface="+mj-lt"/>
+              <a:buAutoNum type="arabicPeriod"/>
+            </a:pPr>
+            <a:r>
+              <a:rPr lang="en-US" dirty="0" smtClean="0"/>
+              <a:t>Scripts (turtle.sh and etrace.pl)</a:t>
+            </a:r>
+          </a:p>
+          <a:p>
+            <a:pPr marL="228600" indent="-228600">
+              <a:buFont typeface="+mj-lt"/>
+              <a:buAutoNum type="arabicPeriod"/>
+            </a:pPr>
+            <a:r>
+              <a:rPr lang="en-US" dirty="0" smtClean="0"/>
+              <a:t>Log parser (DB importer)</a:t>
+            </a:r>
+          </a:p>
+          <a:p>
+            <a:pPr marL="228600" indent="-228600">
+              <a:buFont typeface="+mj-lt"/>
+              <a:buAutoNum type="arabicPeriod"/>
+            </a:pPr>
+            <a:r>
+              <a:rPr lang="en-US" dirty="0" smtClean="0"/>
+              <a:t>Front-end UI (web-system)</a:t>
+            </a:r>
+          </a:p>
+          <a:p>
+            <a:endParaRPr lang="en-US" dirty="0" smtClean="0"/>
+          </a:p>
+          <a:p>
+            <a:r>
+              <a:rPr lang="en-US" dirty="0" smtClean="0"/>
+              <a:t>nm</a:t>
+            </a:r>
+            <a:r>
+              <a:rPr lang="en-US" sz="1200" b="0" i="0" kern="1200" dirty="0" smtClean="0">
+                <a:solidFill>
+                  <a:schemeClr val="tx1"/>
+                </a:solidFill>
+                <a:latin typeface="+mn-lt"/>
+                <a:ea typeface="+mn-ea"/>
+                <a:cs typeface="+mn-cs"/>
+              </a:rPr>
+              <a:t> is used to examine </a:t>
+            </a:r>
+            <a:r>
+              <a:rPr lang="en-US" sz="1200" b="0" i="0" u="none" strike="noStrike" kern="1200" dirty="0" smtClean="0">
+                <a:solidFill>
+                  <a:schemeClr val="tx1"/>
+                </a:solidFill>
+                <a:latin typeface="+mn-lt"/>
+                <a:ea typeface="+mn-ea"/>
+                <a:cs typeface="+mn-cs"/>
+                <a:hlinkClick r:id="rId3" tooltip="Binary file"/>
+              </a:rPr>
+              <a:t>binary files</a:t>
+            </a:r>
+            <a:r>
+              <a:rPr lang="en-US" sz="1200" b="0" i="0" kern="1200" dirty="0" smtClean="0">
+                <a:solidFill>
+                  <a:schemeClr val="tx1"/>
+                </a:solidFill>
+                <a:latin typeface="+mn-lt"/>
+                <a:ea typeface="+mn-ea"/>
+                <a:cs typeface="+mn-cs"/>
+              </a:rPr>
+              <a:t> (including </a:t>
+            </a:r>
+            <a:r>
+              <a:rPr lang="en-US" sz="1200" b="0" i="0" u="none" strike="noStrike" kern="1200" dirty="0" smtClean="0">
+                <a:solidFill>
+                  <a:schemeClr val="tx1"/>
+                </a:solidFill>
+                <a:latin typeface="+mn-lt"/>
+                <a:ea typeface="+mn-ea"/>
+                <a:cs typeface="+mn-cs"/>
+                <a:hlinkClick r:id="rId4" tooltip="Library (computing)"/>
+              </a:rPr>
+              <a:t>libraries</a:t>
+            </a:r>
+            <a:r>
+              <a:rPr lang="en-US" sz="1200" b="0" i="0" kern="1200" dirty="0" smtClean="0">
+                <a:solidFill>
+                  <a:schemeClr val="tx1"/>
+                </a:solidFill>
+                <a:latin typeface="+mn-lt"/>
+                <a:ea typeface="+mn-ea"/>
+                <a:cs typeface="+mn-cs"/>
+              </a:rPr>
+              <a:t>, compiled </a:t>
+            </a:r>
+            <a:r>
+              <a:rPr lang="en-US" sz="1200" b="0" i="0" u="none" strike="noStrike" kern="1200" dirty="0" smtClean="0">
+                <a:solidFill>
+                  <a:schemeClr val="tx1"/>
+                </a:solidFill>
+                <a:latin typeface="+mn-lt"/>
+                <a:ea typeface="+mn-ea"/>
+                <a:cs typeface="+mn-cs"/>
+                <a:hlinkClick r:id="rId5" tooltip="Object file"/>
+              </a:rPr>
+              <a:t>object modules</a:t>
+            </a:r>
+            <a:r>
+              <a:rPr lang="en-US" sz="1200" b="0" i="0" kern="1200" dirty="0" smtClean="0">
+                <a:solidFill>
+                  <a:schemeClr val="tx1"/>
+                </a:solidFill>
+                <a:latin typeface="+mn-lt"/>
+                <a:ea typeface="+mn-ea"/>
+                <a:cs typeface="+mn-cs"/>
+              </a:rPr>
+              <a:t>, shared-object files, and standalone </a:t>
+            </a:r>
+            <a:r>
+              <a:rPr lang="en-US" sz="1200" b="0" i="0" u="none" strike="noStrike" kern="1200" dirty="0" smtClean="0">
+                <a:solidFill>
+                  <a:schemeClr val="tx1"/>
+                </a:solidFill>
+                <a:latin typeface="+mn-lt"/>
+                <a:ea typeface="+mn-ea"/>
+                <a:cs typeface="+mn-cs"/>
+                <a:hlinkClick r:id="rId6" tooltip="Executable"/>
+              </a:rPr>
+              <a:t>executables</a:t>
+            </a:r>
+            <a:r>
+              <a:rPr lang="en-US" sz="1200" b="0" i="0" kern="1200" dirty="0" smtClean="0">
+                <a:solidFill>
+                  <a:schemeClr val="tx1"/>
+                </a:solidFill>
+                <a:latin typeface="+mn-lt"/>
+                <a:ea typeface="+mn-ea"/>
+                <a:cs typeface="+mn-cs"/>
+              </a:rPr>
+              <a:t>) and to display the contents of those files, or </a:t>
+            </a:r>
+            <a:r>
+              <a:rPr lang="en-US" sz="1200" b="0" i="0" u="none" strike="noStrike" kern="1200" dirty="0" smtClean="0">
+                <a:solidFill>
+                  <a:schemeClr val="tx1"/>
+                </a:solidFill>
+                <a:latin typeface="+mn-lt"/>
+                <a:ea typeface="+mn-ea"/>
+                <a:cs typeface="+mn-cs"/>
+                <a:hlinkClick r:id="rId7" tooltip="Metadata"/>
+              </a:rPr>
+              <a:t>meta information</a:t>
+            </a:r>
+            <a:r>
+              <a:rPr lang="en-US" sz="1200" b="0" i="0" kern="1200" dirty="0" smtClean="0">
+                <a:solidFill>
+                  <a:schemeClr val="tx1"/>
+                </a:solidFill>
+                <a:latin typeface="+mn-lt"/>
+                <a:ea typeface="+mn-ea"/>
+                <a:cs typeface="+mn-cs"/>
+              </a:rPr>
+              <a:t> stored in them, specifically the </a:t>
+            </a:r>
+            <a:r>
+              <a:rPr lang="en-US" sz="1200" b="0" i="0" u="none" strike="noStrike" kern="1200" dirty="0" smtClean="0">
+                <a:solidFill>
+                  <a:schemeClr val="tx1"/>
+                </a:solidFill>
+                <a:latin typeface="+mn-lt"/>
+                <a:ea typeface="+mn-ea"/>
+                <a:cs typeface="+mn-cs"/>
+                <a:hlinkClick r:id="rId8" tooltip="Symbol table"/>
+              </a:rPr>
+              <a:t>symbol table</a:t>
+            </a:r>
+            <a:r>
+              <a:rPr lang="en-US" sz="1200" b="0" i="0" kern="1200" dirty="0" smtClean="0">
+                <a:solidFill>
+                  <a:schemeClr val="tx1"/>
+                </a:solidFill>
+                <a:latin typeface="+mn-lt"/>
+                <a:ea typeface="+mn-ea"/>
+                <a:cs typeface="+mn-cs"/>
+              </a:rPr>
+              <a:t>.</a:t>
+            </a:r>
+          </a:p>
+          <a:p>
+            <a:endParaRPr lang="en-US" sz="1200" b="0" i="0" kern="1200" dirty="0" smtClean="0">
+              <a:solidFill>
+                <a:schemeClr val="tx1"/>
+              </a:solidFill>
+              <a:latin typeface="+mn-lt"/>
+              <a:ea typeface="+mn-ea"/>
+              <a:cs typeface="+mn-cs"/>
+            </a:endParaRPr>
+          </a:p>
+          <a:p>
+            <a:r>
+              <a:rPr lang="en-US" dirty="0" err="1" smtClean="0"/>
+              <a:t>finstrument</a:t>
+            </a:r>
+            <a:r>
+              <a:rPr lang="en-US" dirty="0" smtClean="0"/>
+              <a:t>-functions:</a:t>
+            </a:r>
+          </a:p>
+          <a:p>
+            <a:r>
+              <a:rPr lang="en-US" dirty="0" smtClean="0"/>
+              <a:t>     https://gcc.gnu.org/onlinedocs/gcc-4.3.4/gcc/Code-Gen-Options.html </a:t>
+            </a:r>
+          </a:p>
+          <a:p>
+            <a:endParaRPr lang="en-US" dirty="0" smtClean="0"/>
+          </a:p>
+          <a:p>
+            <a:endParaRPr lang="en-US" dirty="0"/>
+          </a:p>
+        </p:txBody>
+      </p:sp>
+      <p:sp>
+        <p:nvSpPr>
+          <p:cNvPr id="4" name="Slide Number Placeholder 3"/>
+          <p:cNvSpPr>
+            <a:spLocks noGrp="1"/>
+          </p:cNvSpPr>
+          <p:nvPr>
+            <p:ph type="sldNum" sz="quarter" idx="10"/>
+          </p:nvPr>
+        </p:nvSpPr>
+        <p:spPr/>
+        <p:txBody>
+          <a:bodyPr/>
+          <a:lstStyle/>
+          <a:p>
+            <a:fld id="{9EAAA47A-7438-4B28-A78E-7057BF42F615}" type="slidenum">
+              <a:rPr lang="en-US" smtClean="0"/>
+              <a:pPr/>
+              <a:t>5</a:t>
             </a:fld>
             <a:endParaRPr lang="en-US"/>
           </a:p>
@@ -1250,7 +2976,7 @@
             <a:fld id="{A2977C27-B067-41C3-A134-2EEC22F52C6D}" type="datetimeFigureOut">
               <a:rPr lang="en-US" smtClean="0"/>
               <a:pPr/>
-              <a:t>3/4/2016</a:t>
+              <a:t>11/6/2016</a:t>
             </a:fld>
             <a:endParaRPr lang="en-US"/>
           </a:p>
@@ -1417,7 +3143,7 @@
             <a:fld id="{A2977C27-B067-41C3-A134-2EEC22F52C6D}" type="datetimeFigureOut">
               <a:rPr lang="en-US" smtClean="0"/>
               <a:pPr/>
-              <a:t>3/4/2016</a:t>
+              <a:t>11/6/2016</a:t>
             </a:fld>
             <a:endParaRPr lang="en-US"/>
           </a:p>
@@ -1594,7 +3320,7 @@
             <a:fld id="{A2977C27-B067-41C3-A134-2EEC22F52C6D}" type="datetimeFigureOut">
               <a:rPr lang="en-US" smtClean="0"/>
               <a:pPr/>
-              <a:t>3/4/2016</a:t>
+              <a:t>11/6/2016</a:t>
             </a:fld>
             <a:endParaRPr lang="en-US"/>
           </a:p>
@@ -1761,7 +3487,7 @@
             <a:fld id="{A2977C27-B067-41C3-A134-2EEC22F52C6D}" type="datetimeFigureOut">
               <a:rPr lang="en-US" smtClean="0"/>
               <a:pPr/>
-              <a:t>3/4/2016</a:t>
+              <a:t>11/6/2016</a:t>
             </a:fld>
             <a:endParaRPr lang="en-US"/>
           </a:p>
@@ -2004,7 +3730,7 @@
             <a:fld id="{A2977C27-B067-41C3-A134-2EEC22F52C6D}" type="datetimeFigureOut">
               <a:rPr lang="en-US" smtClean="0"/>
               <a:pPr/>
-              <a:t>3/4/2016</a:t>
+              <a:t>11/6/2016</a:t>
             </a:fld>
             <a:endParaRPr lang="en-US"/>
           </a:p>
@@ -2289,7 +4015,7 @@
             <a:fld id="{A2977C27-B067-41C3-A134-2EEC22F52C6D}" type="datetimeFigureOut">
               <a:rPr lang="en-US" smtClean="0"/>
               <a:pPr/>
-              <a:t>3/4/2016</a:t>
+              <a:t>11/6/2016</a:t>
             </a:fld>
             <a:endParaRPr lang="en-US"/>
           </a:p>
@@ -2708,7 +4434,7 @@
             <a:fld id="{A2977C27-B067-41C3-A134-2EEC22F52C6D}" type="datetimeFigureOut">
               <a:rPr lang="en-US" smtClean="0"/>
               <a:pPr/>
-              <a:t>3/4/2016</a:t>
+              <a:t>11/6/2016</a:t>
             </a:fld>
             <a:endParaRPr lang="en-US"/>
           </a:p>
@@ -2823,7 +4549,7 @@
             <a:fld id="{A2977C27-B067-41C3-A134-2EEC22F52C6D}" type="datetimeFigureOut">
               <a:rPr lang="en-US" smtClean="0"/>
               <a:pPr/>
-              <a:t>3/4/2016</a:t>
+              <a:t>11/6/2016</a:t>
             </a:fld>
             <a:endParaRPr lang="en-US"/>
           </a:p>
@@ -2915,7 +4641,7 @@
             <a:fld id="{A2977C27-B067-41C3-A134-2EEC22F52C6D}" type="datetimeFigureOut">
               <a:rPr lang="en-US" smtClean="0"/>
               <a:pPr/>
-              <a:t>3/4/2016</a:t>
+              <a:t>11/6/2016</a:t>
             </a:fld>
             <a:endParaRPr lang="en-US"/>
           </a:p>
@@ -3189,7 +4915,7 @@
             <a:fld id="{A2977C27-B067-41C3-A134-2EEC22F52C6D}" type="datetimeFigureOut">
               <a:rPr lang="en-US" smtClean="0"/>
               <a:pPr/>
-              <a:t>3/4/2016</a:t>
+              <a:t>11/6/2016</a:t>
             </a:fld>
             <a:endParaRPr lang="en-US"/>
           </a:p>
@@ -3439,7 +5165,7 @@
             <a:fld id="{A2977C27-B067-41C3-A134-2EEC22F52C6D}" type="datetimeFigureOut">
               <a:rPr lang="en-US" smtClean="0"/>
               <a:pPr/>
-              <a:t>3/4/2016</a:t>
+              <a:t>11/6/2016</a:t>
             </a:fld>
             <a:endParaRPr lang="en-US"/>
           </a:p>
@@ -3649,7 +5375,7 @@
             <a:fld id="{A2977C27-B067-41C3-A134-2EEC22F52C6D}" type="datetimeFigureOut">
               <a:rPr lang="en-US" smtClean="0"/>
               <a:pPr/>
-              <a:t>3/4/2016</a:t>
+              <a:t>11/6/2016</a:t>
             </a:fld>
             <a:endParaRPr lang="en-US"/>
           </a:p>
@@ -4020,6 +5746,30 @@
           <a:chExt cx="0" cy="0"/>
         </a:xfrm>
       </p:grpSpPr>
+      <p:pic>
+        <p:nvPicPr>
+          <p:cNvPr id="4" name="Picture 3" descr="turtle.jpg"/>
+          <p:cNvPicPr>
+            <a:picLocks noChangeAspect="1"/>
+          </p:cNvPicPr>
+          <p:nvPr/>
+        </p:nvPicPr>
+        <p:blipFill>
+          <a:blip r:embed="rId3" cstate="print"/>
+          <a:stretch>
+            <a:fillRect/>
+          </a:stretch>
+        </p:blipFill>
+        <p:spPr>
+          <a:xfrm>
+            <a:off x="3429000" y="1066800"/>
+            <a:ext cx="2057400" cy="1234440"/>
+          </a:xfrm>
+          <a:prstGeom prst="rect">
+            <a:avLst/>
+          </a:prstGeom>
+        </p:spPr>
+      </p:pic>
       <p:sp>
         <p:nvSpPr>
           <p:cNvPr id="2" name="Title 1"/>
@@ -4040,8 +5790,8 @@
               <a:t>Turtle [</a:t>
             </a:r>
             <a:r>
-              <a:rPr lang="en-US" b="1" dirty="0" err="1" smtClean="0"/>
-              <a:t>tur</a:t>
+              <a:rPr lang="en-US" b="1" dirty="0" smtClean="0"/>
+              <a:t>tor</a:t>
             </a:r>
             <a:r>
               <a:rPr lang="en-US" dirty="0" smtClean="0"/>
@@ -4123,7 +5873,7 @@
           <a:p>
             <a:r>
               <a:rPr lang="en-US" dirty="0" smtClean="0"/>
-              <a:t>Features</a:t>
+              <a:t>Motivator</a:t>
             </a:r>
             <a:endParaRPr lang="en-US" dirty="0"/>
           </a:p>
@@ -4142,7 +5892,7 @@
         <p:spPr/>
         <p:txBody>
           <a:bodyPr>
-            <a:normAutofit fontScale="92500" lnSpcReduction="10000"/>
+            <a:normAutofit/>
           </a:bodyPr>
           <a:lstStyle/>
           <a:p>
@@ -4152,7 +5902,7 @@
             </a:pPr>
             <a:r>
               <a:rPr lang="en-US" dirty="0" smtClean="0"/>
-              <a:t>Lookup test-cases based on keyword/function name.</a:t>
+              <a:t>Code breakages</a:t>
             </a:r>
           </a:p>
           <a:p>
@@ -4162,44 +5912,13 @@
             </a:pPr>
             <a:r>
               <a:rPr lang="en-US" dirty="0" smtClean="0"/>
-              <a:t>Test-case profile summary report</a:t>
-            </a:r>
-          </a:p>
-          <a:p>
-            <a:pPr marL="971550" lvl="1" indent="-514350"/>
-            <a:r>
-              <a:rPr lang="en-US" dirty="0" smtClean="0"/>
-              <a:t>Page checksums</a:t>
-            </a:r>
-          </a:p>
-          <a:p>
-            <a:pPr marL="971550" lvl="1" indent="-514350"/>
-            <a:r>
-              <a:rPr lang="en-US" dirty="0" smtClean="0"/>
-              <a:t>Location</a:t>
-            </a:r>
-          </a:p>
-          <a:p>
-            <a:pPr marL="971550" lvl="1" indent="-514350"/>
-            <a:r>
-              <a:rPr lang="en-US" dirty="0" smtClean="0"/>
-              <a:t>Elapse time</a:t>
-            </a:r>
-          </a:p>
-          <a:p>
-            <a:pPr marL="971550" lvl="1" indent="-514350"/>
+              <a:t>Difficulty in finding the right test cases to use for </a:t>
+            </a:r>
             <a:r>
               <a:rPr lang="en-US" smtClean="0"/>
-              <a:t>Code </a:t>
-            </a:r>
-            <a:r>
-              <a:rPr lang="en-US" smtClean="0"/>
-              <a:t>path/route </a:t>
-            </a:r>
-            <a:r>
-              <a:rPr lang="en-US" dirty="0" smtClean="0"/>
-              <a:t>(function invocation map)</a:t>
-            </a:r>
+              <a:t>unit testing.</a:t>
+            </a:r>
+            <a:endParaRPr lang="en-US" dirty="0" smtClean="0"/>
           </a:p>
           <a:p>
             <a:pPr marL="514350" indent="-514350">
@@ -4208,18 +5927,20 @@
             </a:pPr>
             <a:r>
               <a:rPr lang="en-US" dirty="0" smtClean="0"/>
-              <a:t>Test-case performance history (graph report)</a:t>
+              <a:t>Inefficient unit testing (“shoot in the dark and hope we hit the target”)</a:t>
             </a:r>
           </a:p>
           <a:p>
             <a:pPr marL="514350" indent="-514350">
-              <a:buFont typeface="+mj-lt"/>
-              <a:buAutoNum type="arabicPeriod"/>
+              <a:buNone/>
             </a:pPr>
-            <a:r>
-              <a:rPr lang="en-US" dirty="0" smtClean="0"/>
-              <a:t>Unit test automation (detect test-case breakage)</a:t>
-            </a:r>
+            <a:endParaRPr lang="en-US" dirty="0" smtClean="0">
+              <a:solidFill>
+                <a:schemeClr val="bg1">
+                  <a:lumMod val="50000"/>
+                </a:schemeClr>
+              </a:solidFill>
+            </a:endParaRPr>
           </a:p>
         </p:txBody>
       </p:sp>
@@ -4272,7 +5993,7 @@
           <a:p>
             <a:r>
               <a:rPr lang="en-US" dirty="0" smtClean="0"/>
-              <a:t>System Components</a:t>
+              <a:t>Connecting…</a:t>
             </a:r>
             <a:endParaRPr lang="en-US" dirty="0"/>
           </a:p>
@@ -4280,20 +6001,20 @@
       </p:sp>
       <p:sp>
         <p:nvSpPr>
-          <p:cNvPr id="11" name="Rectangle 10"/>
+          <p:cNvPr id="7" name="Flowchart: Connector 6"/>
           <p:cNvSpPr/>
           <p:nvPr/>
         </p:nvSpPr>
         <p:spPr>
           <a:xfrm>
-            <a:off x="1828800" y="4572000"/>
-            <a:ext cx="1905000" cy="1066800"/>
-          </a:xfrm>
-          <a:prstGeom prst="rect">
+            <a:off x="2209800" y="4114800"/>
+            <a:ext cx="304800" cy="304800"/>
+          </a:xfrm>
+          <a:prstGeom prst="flowChartConnector">
             <a:avLst/>
           </a:prstGeom>
           <a:solidFill>
-            <a:schemeClr val="bg1"/>
+            <a:srgbClr val="FF0000"/>
           </a:solidFill>
         </p:spPr>
         <p:style>
@@ -4313,42 +6034,30 @@
           </a:fontRef>
         </p:style>
         <p:txBody>
-          <a:bodyPr rtlCol="0" anchor="ctr" anchorCtr="1"/>
+          <a:bodyPr rtlCol="0" anchor="ctr"/>
           <a:lstStyle/>
           <a:p>
             <a:pPr algn="ctr"/>
-            <a:r>
-              <a:rPr lang="en-US" b="1" dirty="0" err="1" smtClean="0">
-                <a:solidFill>
-                  <a:schemeClr val="tx1"/>
-                </a:solidFill>
-              </a:rPr>
-              <a:t>PDLsapp</a:t>
-            </a:r>
-            <a:endParaRPr lang="en-US" b="1" dirty="0">
-              <a:solidFill>
-                <a:schemeClr val="tx1"/>
-              </a:solidFill>
-            </a:endParaRPr>
-          </a:p>
-        </p:txBody>
-      </p:sp>
-      <p:sp>
-        <p:nvSpPr>
-          <p:cNvPr id="12" name="Rectangle 11"/>
+            <a:endParaRPr lang="en-US"/>
+          </a:p>
+        </p:txBody>
+      </p:sp>
+      <p:sp>
+        <p:nvSpPr>
+          <p:cNvPr id="8" name="Flowchart: Connector 7"/>
           <p:cNvSpPr/>
           <p:nvPr/>
         </p:nvSpPr>
         <p:spPr>
           <a:xfrm>
-            <a:off x="1752600" y="1600200"/>
-            <a:ext cx="1905000" cy="1143000"/>
-          </a:xfrm>
-          <a:prstGeom prst="rect">
+            <a:off x="2667000" y="2133600"/>
+            <a:ext cx="304800" cy="304800"/>
+          </a:xfrm>
+          <a:prstGeom prst="flowChartConnector">
             <a:avLst/>
           </a:prstGeom>
           <a:solidFill>
-            <a:schemeClr val="bg1"/>
+            <a:srgbClr val="0070C0"/>
           </a:solidFill>
         </p:spPr>
         <p:style>
@@ -4368,38 +6077,26 @@
           </a:fontRef>
         </p:style>
         <p:txBody>
-          <a:bodyPr rtlCol="0" anchor="ctr" anchorCtr="1"/>
+          <a:bodyPr rtlCol="0" anchor="ctr"/>
           <a:lstStyle/>
           <a:p>
             <a:pPr algn="ctr"/>
-            <a:r>
-              <a:rPr lang="en-US" b="1" dirty="0" smtClean="0">
-                <a:solidFill>
-                  <a:schemeClr val="tx1"/>
-                </a:solidFill>
-              </a:rPr>
-              <a:t>Scripts</a:t>
-            </a:r>
-            <a:endParaRPr lang="en-US" b="1" dirty="0">
-              <a:solidFill>
-                <a:schemeClr val="tx1"/>
-              </a:solidFill>
-            </a:endParaRPr>
-          </a:p>
-        </p:txBody>
-      </p:sp>
-      <p:sp>
-        <p:nvSpPr>
-          <p:cNvPr id="13" name="Rectangle 12"/>
+            <a:endParaRPr lang="en-US"/>
+          </a:p>
+        </p:txBody>
+      </p:sp>
+      <p:sp>
+        <p:nvSpPr>
+          <p:cNvPr id="9" name="Flowchart: Connector 8"/>
           <p:cNvSpPr/>
           <p:nvPr/>
         </p:nvSpPr>
         <p:spPr>
           <a:xfrm>
-            <a:off x="5562600" y="1600200"/>
-            <a:ext cx="1905000" cy="1066800"/>
-          </a:xfrm>
-          <a:prstGeom prst="rect">
+            <a:off x="3124200" y="3505200"/>
+            <a:ext cx="304800" cy="304800"/>
+          </a:xfrm>
+          <a:prstGeom prst="flowChartConnector">
             <a:avLst/>
           </a:prstGeom>
           <a:solidFill>
@@ -4423,42 +6120,30 @@
           </a:fontRef>
         </p:style>
         <p:txBody>
-          <a:bodyPr rtlCol="0" anchor="ctr" anchorCtr="1"/>
+          <a:bodyPr rtlCol="0" anchor="ctr"/>
           <a:lstStyle/>
           <a:p>
             <a:pPr algn="ctr"/>
-            <a:r>
-              <a:rPr lang="en-US" b="1" dirty="0" smtClean="0">
-                <a:solidFill>
-                  <a:schemeClr val="tx1"/>
-                </a:solidFill>
-              </a:rPr>
-              <a:t>Log Parser</a:t>
-            </a:r>
-            <a:endParaRPr lang="en-US" b="1" dirty="0">
-              <a:solidFill>
-                <a:schemeClr val="tx1"/>
-              </a:solidFill>
-            </a:endParaRPr>
-          </a:p>
-        </p:txBody>
-      </p:sp>
-      <p:sp>
-        <p:nvSpPr>
-          <p:cNvPr id="14" name="Rectangle 13"/>
+            <a:endParaRPr lang="en-US"/>
+          </a:p>
+        </p:txBody>
+      </p:sp>
+      <p:sp>
+        <p:nvSpPr>
+          <p:cNvPr id="10" name="Flowchart: Connector 9"/>
           <p:cNvSpPr/>
           <p:nvPr/>
         </p:nvSpPr>
         <p:spPr>
           <a:xfrm>
-            <a:off x="5562600" y="4648200"/>
-            <a:ext cx="1981200" cy="1066800"/>
-          </a:xfrm>
-          <a:prstGeom prst="rect">
+            <a:off x="4114800" y="2286000"/>
+            <a:ext cx="304800" cy="304800"/>
+          </a:xfrm>
+          <a:prstGeom prst="flowChartConnector">
             <a:avLst/>
           </a:prstGeom>
           <a:solidFill>
-            <a:schemeClr val="bg1"/>
+            <a:srgbClr val="00B050"/>
           </a:solidFill>
         </p:spPr>
         <p:style>
@@ -4478,53 +6163,30 @@
           </a:fontRef>
         </p:style>
         <p:txBody>
-          <a:bodyPr rtlCol="0" anchor="ctr" anchorCtr="1"/>
+          <a:bodyPr rtlCol="0" anchor="ctr"/>
           <a:lstStyle/>
           <a:p>
             <a:pPr algn="ctr"/>
-            <a:r>
-              <a:rPr lang="en-US" b="1" dirty="0" smtClean="0">
-                <a:solidFill>
-                  <a:schemeClr val="tx1"/>
-                </a:solidFill>
-              </a:rPr>
-              <a:t>Front-End</a:t>
-            </a:r>
-          </a:p>
-          <a:p>
-            <a:pPr algn="ctr"/>
-            <a:r>
-              <a:rPr lang="en-US" b="1" dirty="0" smtClean="0">
-                <a:solidFill>
-                  <a:schemeClr val="tx1"/>
-                </a:solidFill>
-              </a:rPr>
-              <a:t>User Interface</a:t>
-            </a:r>
-            <a:endParaRPr lang="en-US" b="1" dirty="0">
-              <a:solidFill>
-                <a:schemeClr val="tx1"/>
-              </a:solidFill>
-            </a:endParaRPr>
-          </a:p>
-        </p:txBody>
-      </p:sp>
-      <p:sp>
-        <p:nvSpPr>
-          <p:cNvPr id="15" name="Up-Down Arrow 14"/>
+            <a:endParaRPr lang="en-US"/>
+          </a:p>
+        </p:txBody>
+      </p:sp>
+      <p:sp>
+        <p:nvSpPr>
+          <p:cNvPr id="11" name="Flowchart: Connector 10"/>
           <p:cNvSpPr/>
           <p:nvPr/>
         </p:nvSpPr>
         <p:spPr>
           <a:xfrm>
-            <a:off x="2514600" y="3048000"/>
-            <a:ext cx="484632" cy="1216152"/>
-          </a:xfrm>
-          <a:prstGeom prst="upDownArrow">
+            <a:off x="4419600" y="3810000"/>
+            <a:ext cx="304800" cy="304800"/>
+          </a:xfrm>
+          <a:prstGeom prst="flowChartConnector">
             <a:avLst/>
           </a:prstGeom>
           <a:solidFill>
-            <a:schemeClr val="accent3"/>
+            <a:schemeClr val="bg1"/>
           </a:solidFill>
         </p:spPr>
         <p:style>
@@ -4554,20 +6216,20 @@
       </p:sp>
       <p:sp>
         <p:nvSpPr>
-          <p:cNvPr id="16" name="Striped Right Arrow 15"/>
+          <p:cNvPr id="14" name="Flowchart: Connector 13"/>
           <p:cNvSpPr/>
           <p:nvPr/>
         </p:nvSpPr>
         <p:spPr>
           <a:xfrm>
-            <a:off x="4038600" y="1905000"/>
-            <a:ext cx="978408" cy="484632"/>
-          </a:xfrm>
-          <a:prstGeom prst="stripedRightArrow">
+            <a:off x="5181600" y="2895600"/>
+            <a:ext cx="304800" cy="304800"/>
+          </a:xfrm>
+          <a:prstGeom prst="flowChartConnector">
             <a:avLst/>
           </a:prstGeom>
           <a:solidFill>
-            <a:schemeClr val="accent3"/>
+            <a:schemeClr val="bg1"/>
           </a:solidFill>
         </p:spPr>
         <p:style>
@@ -4597,20 +6259,20 @@
       </p:sp>
       <p:sp>
         <p:nvSpPr>
-          <p:cNvPr id="17" name="Flowchart: Magnetic Disk 16"/>
+          <p:cNvPr id="15" name="Flowchart: Connector 14"/>
           <p:cNvSpPr/>
           <p:nvPr/>
         </p:nvSpPr>
         <p:spPr>
           <a:xfrm>
-            <a:off x="6096000" y="3349752"/>
-            <a:ext cx="914400" cy="612648"/>
-          </a:xfrm>
-          <a:prstGeom prst="flowChartMagneticDisk">
+            <a:off x="6172200" y="4267200"/>
+            <a:ext cx="304800" cy="304800"/>
+          </a:xfrm>
+          <a:prstGeom prst="flowChartConnector">
             <a:avLst/>
           </a:prstGeom>
           <a:solidFill>
-            <a:schemeClr val="bg2"/>
+            <a:schemeClr val="bg1"/>
           </a:solidFill>
         </p:spPr>
         <p:style>
@@ -4634,39 +6296,25 @@
           <a:lstStyle/>
           <a:p>
             <a:pPr algn="ctr"/>
-            <a:r>
-              <a:rPr lang="en-US" b="1" dirty="0" smtClean="0">
-                <a:solidFill>
-                  <a:schemeClr val="tx1"/>
-                </a:solidFill>
-              </a:rPr>
-              <a:t>DB</a:t>
-            </a:r>
-            <a:endParaRPr lang="en-US" b="1" dirty="0">
-              <a:solidFill>
-                <a:schemeClr val="tx1"/>
-              </a:solidFill>
-            </a:endParaRPr>
-          </a:p>
-        </p:txBody>
-      </p:sp>
-      <p:sp>
-        <p:nvSpPr>
-          <p:cNvPr id="18" name="Striped Right Arrow 17"/>
+            <a:endParaRPr lang="en-US"/>
+          </a:p>
+        </p:txBody>
+      </p:sp>
+      <p:sp>
+        <p:nvSpPr>
+          <p:cNvPr id="16" name="Flowchart: Connector 15"/>
           <p:cNvSpPr/>
           <p:nvPr/>
         </p:nvSpPr>
         <p:spPr>
-          <a:xfrm rot="5400000">
-            <a:off x="6268212" y="2799588"/>
-            <a:ext cx="551688" cy="438912"/>
-          </a:xfrm>
-          <a:prstGeom prst="stripedRightArrow">
+          <a:xfrm>
+            <a:off x="6477000" y="2362200"/>
+            <a:ext cx="304800" cy="304800"/>
+          </a:xfrm>
+          <a:prstGeom prst="flowChartConnector">
             <a:avLst/>
           </a:prstGeom>
-          <a:solidFill>
-            <a:schemeClr val="accent3"/>
-          </a:solidFill>
+          <a:noFill/>
         </p:spPr>
         <p:style>
           <a:lnRef idx="2">
@@ -4693,22 +6341,373 @@
           </a:p>
         </p:txBody>
       </p:sp>
-      <p:sp>
-        <p:nvSpPr>
-          <p:cNvPr id="19" name="Striped Right Arrow 18"/>
+      <p:cxnSp>
+        <p:nvCxnSpPr>
+          <p:cNvPr id="18" name="Straight Connector 17"/>
+          <p:cNvCxnSpPr>
+            <a:stCxn id="52" idx="0"/>
+            <a:endCxn id="8" idx="2"/>
+          </p:cNvCxnSpPr>
+          <p:nvPr/>
+        </p:nvCxnSpPr>
+        <p:spPr>
+          <a:xfrm flipV="1">
+            <a:off x="1063752" y="2286000"/>
+            <a:ext cx="1603248" cy="685800"/>
+          </a:xfrm>
+          <a:prstGeom prst="line">
+            <a:avLst/>
+          </a:prstGeom>
+          <a:ln w="38100">
+            <a:solidFill>
+              <a:srgbClr val="0070C0"/>
+            </a:solidFill>
+            <a:tailEnd type="triangle"/>
+          </a:ln>
+        </p:spPr>
+        <p:style>
+          <a:lnRef idx="1">
+            <a:schemeClr val="accent1"/>
+          </a:lnRef>
+          <a:fillRef idx="0">
+            <a:schemeClr val="accent1"/>
+          </a:fillRef>
+          <a:effectRef idx="0">
+            <a:schemeClr val="accent1"/>
+          </a:effectRef>
+          <a:fontRef idx="minor">
+            <a:schemeClr val="tx1"/>
+          </a:fontRef>
+        </p:style>
+      </p:cxnSp>
+      <p:cxnSp>
+        <p:nvCxnSpPr>
+          <p:cNvPr id="21" name="Straight Connector 20"/>
+          <p:cNvCxnSpPr>
+            <a:stCxn id="8" idx="6"/>
+            <a:endCxn id="11" idx="1"/>
+          </p:cNvCxnSpPr>
+          <p:nvPr/>
+        </p:nvCxnSpPr>
+        <p:spPr>
+          <a:xfrm>
+            <a:off x="2971800" y="2286000"/>
+            <a:ext cx="1492437" cy="1568637"/>
+          </a:xfrm>
+          <a:prstGeom prst="line">
+            <a:avLst/>
+          </a:prstGeom>
+          <a:ln w="38100">
+            <a:solidFill>
+              <a:srgbClr val="0070C0"/>
+            </a:solidFill>
+            <a:tailEnd type="triangle"/>
+          </a:ln>
+        </p:spPr>
+        <p:style>
+          <a:lnRef idx="1">
+            <a:schemeClr val="accent1"/>
+          </a:lnRef>
+          <a:fillRef idx="0">
+            <a:schemeClr val="accent1"/>
+          </a:fillRef>
+          <a:effectRef idx="0">
+            <a:schemeClr val="accent1"/>
+          </a:effectRef>
+          <a:fontRef idx="minor">
+            <a:schemeClr val="tx1"/>
+          </a:fontRef>
+        </p:style>
+      </p:cxnSp>
+      <p:cxnSp>
+        <p:nvCxnSpPr>
+          <p:cNvPr id="26" name="Straight Connector 25"/>
+          <p:cNvCxnSpPr>
+            <a:stCxn id="11" idx="6"/>
+            <a:endCxn id="14" idx="3"/>
+          </p:cNvCxnSpPr>
+          <p:nvPr/>
+        </p:nvCxnSpPr>
+        <p:spPr>
+          <a:xfrm flipV="1">
+            <a:off x="4724400" y="3155763"/>
+            <a:ext cx="501837" cy="806637"/>
+          </a:xfrm>
+          <a:prstGeom prst="line">
+            <a:avLst/>
+          </a:prstGeom>
+          <a:ln w="38100">
+            <a:solidFill>
+              <a:srgbClr val="0070C0"/>
+            </a:solidFill>
+            <a:tailEnd type="triangle"/>
+          </a:ln>
+        </p:spPr>
+        <p:style>
+          <a:lnRef idx="1">
+            <a:schemeClr val="accent1"/>
+          </a:lnRef>
+          <a:fillRef idx="0">
+            <a:schemeClr val="accent1"/>
+          </a:fillRef>
+          <a:effectRef idx="0">
+            <a:schemeClr val="accent1"/>
+          </a:effectRef>
+          <a:fontRef idx="minor">
+            <a:schemeClr val="tx1"/>
+          </a:fontRef>
+        </p:style>
+      </p:cxnSp>
+      <p:cxnSp>
+        <p:nvCxnSpPr>
+          <p:cNvPr id="29" name="Straight Connector 28"/>
+          <p:cNvCxnSpPr>
+            <a:stCxn id="14" idx="6"/>
+            <a:endCxn id="50" idx="1"/>
+          </p:cNvCxnSpPr>
+          <p:nvPr/>
+        </p:nvCxnSpPr>
+        <p:spPr>
+          <a:xfrm>
+            <a:off x="5486400" y="3048000"/>
+            <a:ext cx="1828800" cy="0"/>
+          </a:xfrm>
+          <a:prstGeom prst="line">
+            <a:avLst/>
+          </a:prstGeom>
+          <a:ln w="38100">
+            <a:solidFill>
+              <a:srgbClr val="0070C0"/>
+            </a:solidFill>
+            <a:tailEnd type="triangle"/>
+          </a:ln>
+        </p:spPr>
+        <p:style>
+          <a:lnRef idx="1">
+            <a:schemeClr val="accent1"/>
+          </a:lnRef>
+          <a:fillRef idx="0">
+            <a:schemeClr val="accent1"/>
+          </a:fillRef>
+          <a:effectRef idx="0">
+            <a:schemeClr val="accent1"/>
+          </a:effectRef>
+          <a:fontRef idx="minor">
+            <a:schemeClr val="tx1"/>
+          </a:fontRef>
+        </p:style>
+      </p:cxnSp>
+      <p:cxnSp>
+        <p:nvCxnSpPr>
+          <p:cNvPr id="33" name="Straight Connector 32"/>
+          <p:cNvCxnSpPr>
+            <a:stCxn id="52" idx="2"/>
+            <a:endCxn id="7" idx="1"/>
+          </p:cNvCxnSpPr>
+          <p:nvPr/>
+        </p:nvCxnSpPr>
+        <p:spPr>
+          <a:xfrm>
+            <a:off x="1063752" y="3584448"/>
+            <a:ext cx="1190685" cy="574989"/>
+          </a:xfrm>
+          <a:prstGeom prst="line">
+            <a:avLst/>
+          </a:prstGeom>
+          <a:ln w="38100">
+            <a:solidFill>
+              <a:srgbClr val="FF0000"/>
+            </a:solidFill>
+            <a:tailEnd type="triangle"/>
+          </a:ln>
+        </p:spPr>
+        <p:style>
+          <a:lnRef idx="1">
+            <a:schemeClr val="accent1"/>
+          </a:lnRef>
+          <a:fillRef idx="0">
+            <a:schemeClr val="accent1"/>
+          </a:fillRef>
+          <a:effectRef idx="0">
+            <a:schemeClr val="accent1"/>
+          </a:effectRef>
+          <a:fontRef idx="minor">
+            <a:schemeClr val="tx1"/>
+          </a:fontRef>
+        </p:style>
+      </p:cxnSp>
+      <p:cxnSp>
+        <p:nvCxnSpPr>
+          <p:cNvPr id="36" name="Straight Connector 35"/>
+          <p:cNvCxnSpPr>
+            <a:stCxn id="7" idx="6"/>
+            <a:endCxn id="9" idx="3"/>
+          </p:cNvCxnSpPr>
+          <p:nvPr/>
+        </p:nvCxnSpPr>
+        <p:spPr>
+          <a:xfrm flipV="1">
+            <a:off x="2514600" y="3765363"/>
+            <a:ext cx="654237" cy="501837"/>
+          </a:xfrm>
+          <a:prstGeom prst="line">
+            <a:avLst/>
+          </a:prstGeom>
+          <a:ln w="38100">
+            <a:solidFill>
+              <a:srgbClr val="FF0000"/>
+            </a:solidFill>
+            <a:tailEnd type="triangle"/>
+          </a:ln>
+        </p:spPr>
+        <p:style>
+          <a:lnRef idx="1">
+            <a:schemeClr val="accent1"/>
+          </a:lnRef>
+          <a:fillRef idx="0">
+            <a:schemeClr val="accent1"/>
+          </a:fillRef>
+          <a:effectRef idx="0">
+            <a:schemeClr val="accent1"/>
+          </a:effectRef>
+          <a:fontRef idx="minor">
+            <a:schemeClr val="tx1"/>
+          </a:fontRef>
+        </p:style>
+      </p:cxnSp>
+      <p:cxnSp>
+        <p:nvCxnSpPr>
+          <p:cNvPr id="40" name="Straight Connector 39"/>
+          <p:cNvCxnSpPr>
+            <a:stCxn id="9" idx="5"/>
+            <a:endCxn id="11" idx="2"/>
+          </p:cNvCxnSpPr>
+          <p:nvPr/>
+        </p:nvCxnSpPr>
+        <p:spPr>
+          <a:xfrm>
+            <a:off x="3384363" y="3765363"/>
+            <a:ext cx="1035237" cy="197037"/>
+          </a:xfrm>
+          <a:prstGeom prst="line">
+            <a:avLst/>
+          </a:prstGeom>
+          <a:ln w="38100">
+            <a:solidFill>
+              <a:srgbClr val="FF0000"/>
+            </a:solidFill>
+            <a:tailEnd type="triangle"/>
+          </a:ln>
+        </p:spPr>
+        <p:style>
+          <a:lnRef idx="1">
+            <a:schemeClr val="accent1"/>
+          </a:lnRef>
+          <a:fillRef idx="0">
+            <a:schemeClr val="accent1"/>
+          </a:fillRef>
+          <a:effectRef idx="0">
+            <a:schemeClr val="accent1"/>
+          </a:effectRef>
+          <a:fontRef idx="minor">
+            <a:schemeClr val="tx1"/>
+          </a:fontRef>
+        </p:style>
+      </p:cxnSp>
+      <p:cxnSp>
+        <p:nvCxnSpPr>
+          <p:cNvPr id="43" name="Straight Connector 42"/>
+          <p:cNvCxnSpPr>
+            <a:stCxn id="11" idx="0"/>
+            <a:endCxn id="10" idx="4"/>
+          </p:cNvCxnSpPr>
+          <p:nvPr/>
+        </p:nvCxnSpPr>
+        <p:spPr>
+          <a:xfrm flipH="1" flipV="1">
+            <a:off x="4267200" y="2590800"/>
+            <a:ext cx="304800" cy="1219200"/>
+          </a:xfrm>
+          <a:prstGeom prst="line">
+            <a:avLst/>
+          </a:prstGeom>
+          <a:ln w="38100">
+            <a:solidFill>
+              <a:srgbClr val="FF0000"/>
+            </a:solidFill>
+            <a:tailEnd type="triangle"/>
+          </a:ln>
+        </p:spPr>
+        <p:style>
+          <a:lnRef idx="1">
+            <a:schemeClr val="accent1"/>
+          </a:lnRef>
+          <a:fillRef idx="0">
+            <a:schemeClr val="accent1"/>
+          </a:fillRef>
+          <a:effectRef idx="0">
+            <a:schemeClr val="accent1"/>
+          </a:effectRef>
+          <a:fontRef idx="minor">
+            <a:schemeClr val="tx1"/>
+          </a:fontRef>
+        </p:style>
+      </p:cxnSp>
+      <p:cxnSp>
+        <p:nvCxnSpPr>
+          <p:cNvPr id="46" name="Straight Connector 45"/>
+          <p:cNvCxnSpPr>
+            <a:stCxn id="10" idx="6"/>
+            <a:endCxn id="16" idx="2"/>
+          </p:cNvCxnSpPr>
+          <p:nvPr/>
+        </p:nvCxnSpPr>
+        <p:spPr>
+          <a:xfrm>
+            <a:off x="4419600" y="2438400"/>
+            <a:ext cx="2057400" cy="76200"/>
+          </a:xfrm>
+          <a:prstGeom prst="line">
+            <a:avLst/>
+          </a:prstGeom>
+          <a:ln w="38100">
+            <a:solidFill>
+              <a:srgbClr val="FF0000"/>
+            </a:solidFill>
+            <a:tailEnd type="triangle"/>
+          </a:ln>
+        </p:spPr>
+        <p:style>
+          <a:lnRef idx="1">
+            <a:schemeClr val="accent1"/>
+          </a:lnRef>
+          <a:fillRef idx="0">
+            <a:schemeClr val="accent1"/>
+          </a:fillRef>
+          <a:effectRef idx="0">
+            <a:schemeClr val="accent1"/>
+          </a:effectRef>
+          <a:fontRef idx="minor">
+            <a:schemeClr val="tx1"/>
+          </a:fontRef>
+        </p:style>
+      </p:cxnSp>
+      <p:sp>
+        <p:nvSpPr>
+          <p:cNvPr id="50" name="Flowchart: Terminator 49"/>
           <p:cNvSpPr/>
           <p:nvPr/>
         </p:nvSpPr>
         <p:spPr>
-          <a:xfrm rot="5400000">
-            <a:off x="6268212" y="4094988"/>
-            <a:ext cx="551688" cy="438912"/>
-          </a:xfrm>
-          <a:prstGeom prst="stripedRightArrow">
+          <a:xfrm>
+            <a:off x="7315200" y="2743200"/>
+            <a:ext cx="990600" cy="609600"/>
+          </a:xfrm>
+          <a:prstGeom prst="flowChartTerminator">
             <a:avLst/>
           </a:prstGeom>
           <a:solidFill>
-            <a:schemeClr val="accent3"/>
+            <a:schemeClr val="bg1"/>
           </a:solidFill>
         </p:spPr>
         <p:style>
@@ -4732,6 +6731,2703 @@
           <a:lstStyle/>
           <a:p>
             <a:pPr algn="ctr"/>
+            <a:r>
+              <a:rPr lang="en-US" dirty="0" smtClean="0">
+                <a:solidFill>
+                  <a:schemeClr val="tx1"/>
+                </a:solidFill>
+              </a:rPr>
+              <a:t>end</a:t>
+            </a:r>
+            <a:endParaRPr lang="en-US" dirty="0">
+              <a:solidFill>
+                <a:schemeClr val="tx1"/>
+              </a:solidFill>
+            </a:endParaRPr>
+          </a:p>
+        </p:txBody>
+      </p:sp>
+      <p:sp>
+        <p:nvSpPr>
+          <p:cNvPr id="52" name="Flowchart: Preparation 51"/>
+          <p:cNvSpPr/>
+          <p:nvPr/>
+        </p:nvSpPr>
+        <p:spPr>
+          <a:xfrm>
+            <a:off x="533400" y="2971800"/>
+            <a:ext cx="1060704" cy="612648"/>
+          </a:xfrm>
+          <a:prstGeom prst="flowChartPreparation">
+            <a:avLst/>
+          </a:prstGeom>
+          <a:solidFill>
+            <a:schemeClr val="bg1"/>
+          </a:solidFill>
+        </p:spPr>
+        <p:style>
+          <a:lnRef idx="2">
+            <a:schemeClr val="accent1">
+              <a:shade val="50000"/>
+            </a:schemeClr>
+          </a:lnRef>
+          <a:fillRef idx="1">
+            <a:schemeClr val="accent1"/>
+          </a:fillRef>
+          <a:effectRef idx="0">
+            <a:schemeClr val="accent1"/>
+          </a:effectRef>
+          <a:fontRef idx="minor">
+            <a:schemeClr val="lt1"/>
+          </a:fontRef>
+        </p:style>
+        <p:txBody>
+          <a:bodyPr rtlCol="0" anchor="ctr"/>
+          <a:lstStyle/>
+          <a:p>
+            <a:pPr algn="ctr"/>
+            <a:r>
+              <a:rPr lang="en-US" dirty="0" smtClean="0">
+                <a:solidFill>
+                  <a:schemeClr val="tx1"/>
+                </a:solidFill>
+              </a:rPr>
+              <a:t>start</a:t>
+            </a:r>
+            <a:endParaRPr lang="en-US" dirty="0">
+              <a:solidFill>
+                <a:schemeClr val="tx1"/>
+              </a:solidFill>
+            </a:endParaRPr>
+          </a:p>
+        </p:txBody>
+      </p:sp>
+      <p:cxnSp>
+        <p:nvCxnSpPr>
+          <p:cNvPr id="71" name="Straight Arrow Connector 70"/>
+          <p:cNvCxnSpPr>
+            <a:stCxn id="52" idx="3"/>
+            <a:endCxn id="10" idx="2"/>
+          </p:cNvCxnSpPr>
+          <p:nvPr/>
+        </p:nvCxnSpPr>
+        <p:spPr>
+          <a:xfrm flipV="1">
+            <a:off x="1594104" y="2438400"/>
+            <a:ext cx="2520696" cy="839724"/>
+          </a:xfrm>
+          <a:prstGeom prst="straightConnector1">
+            <a:avLst/>
+          </a:prstGeom>
+          <a:ln w="38100">
+            <a:solidFill>
+              <a:srgbClr val="00B050"/>
+            </a:solidFill>
+            <a:tailEnd type="arrow"/>
+          </a:ln>
+        </p:spPr>
+        <p:style>
+          <a:lnRef idx="1">
+            <a:schemeClr val="accent1"/>
+          </a:lnRef>
+          <a:fillRef idx="0">
+            <a:schemeClr val="accent1"/>
+          </a:fillRef>
+          <a:effectRef idx="0">
+            <a:schemeClr val="accent1"/>
+          </a:effectRef>
+          <a:fontRef idx="minor">
+            <a:schemeClr val="tx1"/>
+          </a:fontRef>
+        </p:style>
+      </p:cxnSp>
+      <p:cxnSp>
+        <p:nvCxnSpPr>
+          <p:cNvPr id="72" name="Straight Arrow Connector 71"/>
+          <p:cNvCxnSpPr>
+            <a:stCxn id="10" idx="5"/>
+            <a:endCxn id="14" idx="2"/>
+          </p:cNvCxnSpPr>
+          <p:nvPr/>
+        </p:nvCxnSpPr>
+        <p:spPr>
+          <a:xfrm>
+            <a:off x="4374963" y="2546163"/>
+            <a:ext cx="806637" cy="501837"/>
+          </a:xfrm>
+          <a:prstGeom prst="straightConnector1">
+            <a:avLst/>
+          </a:prstGeom>
+          <a:ln w="38100">
+            <a:solidFill>
+              <a:srgbClr val="00B050"/>
+            </a:solidFill>
+            <a:tailEnd type="arrow"/>
+          </a:ln>
+        </p:spPr>
+        <p:style>
+          <a:lnRef idx="1">
+            <a:schemeClr val="accent1"/>
+          </a:lnRef>
+          <a:fillRef idx="0">
+            <a:schemeClr val="accent1"/>
+          </a:fillRef>
+          <a:effectRef idx="0">
+            <a:schemeClr val="accent1"/>
+          </a:effectRef>
+          <a:fontRef idx="minor">
+            <a:schemeClr val="tx1"/>
+          </a:fontRef>
+        </p:style>
+      </p:cxnSp>
+      <p:cxnSp>
+        <p:nvCxnSpPr>
+          <p:cNvPr id="75" name="Straight Arrow Connector 74"/>
+          <p:cNvCxnSpPr>
+            <a:stCxn id="14" idx="7"/>
+            <a:endCxn id="16" idx="2"/>
+          </p:cNvCxnSpPr>
+          <p:nvPr/>
+        </p:nvCxnSpPr>
+        <p:spPr>
+          <a:xfrm flipV="1">
+            <a:off x="5441763" y="2514600"/>
+            <a:ext cx="1035237" cy="425637"/>
+          </a:xfrm>
+          <a:prstGeom prst="straightConnector1">
+            <a:avLst/>
+          </a:prstGeom>
+          <a:ln w="38100">
+            <a:solidFill>
+              <a:srgbClr val="00B050"/>
+            </a:solidFill>
+            <a:tailEnd type="arrow"/>
+          </a:ln>
+        </p:spPr>
+        <p:style>
+          <a:lnRef idx="1">
+            <a:schemeClr val="accent1"/>
+          </a:lnRef>
+          <a:fillRef idx="0">
+            <a:schemeClr val="accent1"/>
+          </a:fillRef>
+          <a:effectRef idx="0">
+            <a:schemeClr val="accent1"/>
+          </a:effectRef>
+          <a:fontRef idx="minor">
+            <a:schemeClr val="tx1"/>
+          </a:fontRef>
+        </p:style>
+      </p:cxnSp>
+      <p:cxnSp>
+        <p:nvCxnSpPr>
+          <p:cNvPr id="78" name="Straight Arrow Connector 77"/>
+          <p:cNvCxnSpPr>
+            <a:stCxn id="16" idx="6"/>
+            <a:endCxn id="50" idx="1"/>
+          </p:cNvCxnSpPr>
+          <p:nvPr/>
+        </p:nvCxnSpPr>
+        <p:spPr>
+          <a:xfrm>
+            <a:off x="6781800" y="2514600"/>
+            <a:ext cx="533400" cy="533400"/>
+          </a:xfrm>
+          <a:prstGeom prst="straightConnector1">
+            <a:avLst/>
+          </a:prstGeom>
+          <a:ln w="38100">
+            <a:solidFill>
+              <a:srgbClr val="00B050"/>
+            </a:solidFill>
+            <a:tailEnd type="arrow"/>
+          </a:ln>
+        </p:spPr>
+        <p:style>
+          <a:lnRef idx="1">
+            <a:schemeClr val="accent1"/>
+          </a:lnRef>
+          <a:fillRef idx="0">
+            <a:schemeClr val="accent1"/>
+          </a:fillRef>
+          <a:effectRef idx="0">
+            <a:schemeClr val="accent1"/>
+          </a:effectRef>
+          <a:fontRef idx="minor">
+            <a:schemeClr val="tx1"/>
+          </a:fontRef>
+        </p:style>
+      </p:cxnSp>
+      <p:cxnSp>
+        <p:nvCxnSpPr>
+          <p:cNvPr id="82" name="Straight Arrow Connector 81"/>
+          <p:cNvCxnSpPr>
+            <a:stCxn id="52" idx="3"/>
+            <a:endCxn id="9" idx="2"/>
+          </p:cNvCxnSpPr>
+          <p:nvPr/>
+        </p:nvCxnSpPr>
+        <p:spPr>
+          <a:xfrm>
+            <a:off x="1594104" y="3278124"/>
+            <a:ext cx="1530096" cy="379476"/>
+          </a:xfrm>
+          <a:prstGeom prst="straightConnector1">
+            <a:avLst/>
+          </a:prstGeom>
+          <a:ln w="38100">
+            <a:solidFill>
+              <a:srgbClr val="CDC800"/>
+            </a:solidFill>
+            <a:tailEnd type="arrow"/>
+          </a:ln>
+        </p:spPr>
+        <p:style>
+          <a:lnRef idx="1">
+            <a:schemeClr val="accent1"/>
+          </a:lnRef>
+          <a:fillRef idx="0">
+            <a:schemeClr val="accent1"/>
+          </a:fillRef>
+          <a:effectRef idx="0">
+            <a:schemeClr val="accent1"/>
+          </a:effectRef>
+          <a:fontRef idx="minor">
+            <a:schemeClr val="tx1"/>
+          </a:fontRef>
+        </p:style>
+      </p:cxnSp>
+      <p:cxnSp>
+        <p:nvCxnSpPr>
+          <p:cNvPr id="87" name="Straight Arrow Connector 86"/>
+          <p:cNvCxnSpPr>
+            <a:stCxn id="9" idx="7"/>
+            <a:endCxn id="10" idx="3"/>
+          </p:cNvCxnSpPr>
+          <p:nvPr/>
+        </p:nvCxnSpPr>
+        <p:spPr>
+          <a:xfrm flipV="1">
+            <a:off x="3384363" y="2546163"/>
+            <a:ext cx="775074" cy="1003674"/>
+          </a:xfrm>
+          <a:prstGeom prst="straightConnector1">
+            <a:avLst/>
+          </a:prstGeom>
+          <a:ln w="38100">
+            <a:solidFill>
+              <a:srgbClr val="CDC800"/>
+            </a:solidFill>
+            <a:tailEnd type="arrow"/>
+          </a:ln>
+        </p:spPr>
+        <p:style>
+          <a:lnRef idx="1">
+            <a:schemeClr val="accent1"/>
+          </a:lnRef>
+          <a:fillRef idx="0">
+            <a:schemeClr val="accent1"/>
+          </a:fillRef>
+          <a:effectRef idx="0">
+            <a:schemeClr val="accent1"/>
+          </a:effectRef>
+          <a:fontRef idx="minor">
+            <a:schemeClr val="tx1"/>
+          </a:fontRef>
+        </p:style>
+      </p:cxnSp>
+      <p:cxnSp>
+        <p:nvCxnSpPr>
+          <p:cNvPr id="91" name="Straight Arrow Connector 90"/>
+          <p:cNvCxnSpPr>
+            <a:stCxn id="10" idx="5"/>
+            <a:endCxn id="15" idx="2"/>
+          </p:cNvCxnSpPr>
+          <p:nvPr/>
+        </p:nvCxnSpPr>
+        <p:spPr>
+          <a:xfrm>
+            <a:off x="4374963" y="2546163"/>
+            <a:ext cx="1797237" cy="1873437"/>
+          </a:xfrm>
+          <a:prstGeom prst="straightConnector1">
+            <a:avLst/>
+          </a:prstGeom>
+          <a:ln w="38100">
+            <a:solidFill>
+              <a:srgbClr val="CDC800"/>
+            </a:solidFill>
+            <a:tailEnd type="arrow"/>
+          </a:ln>
+        </p:spPr>
+        <p:style>
+          <a:lnRef idx="1">
+            <a:schemeClr val="accent1"/>
+          </a:lnRef>
+          <a:fillRef idx="0">
+            <a:schemeClr val="accent1"/>
+          </a:fillRef>
+          <a:effectRef idx="0">
+            <a:schemeClr val="accent1"/>
+          </a:effectRef>
+          <a:fontRef idx="minor">
+            <a:schemeClr val="tx1"/>
+          </a:fontRef>
+        </p:style>
+      </p:cxnSp>
+      <p:cxnSp>
+        <p:nvCxnSpPr>
+          <p:cNvPr id="97" name="Straight Arrow Connector 96"/>
+          <p:cNvCxnSpPr>
+            <a:stCxn id="15" idx="7"/>
+            <a:endCxn id="50" idx="1"/>
+          </p:cNvCxnSpPr>
+          <p:nvPr/>
+        </p:nvCxnSpPr>
+        <p:spPr>
+          <a:xfrm flipV="1">
+            <a:off x="6432363" y="3048000"/>
+            <a:ext cx="882837" cy="1263837"/>
+          </a:xfrm>
+          <a:prstGeom prst="straightConnector1">
+            <a:avLst/>
+          </a:prstGeom>
+          <a:ln w="38100">
+            <a:solidFill>
+              <a:srgbClr val="CDC800"/>
+            </a:solidFill>
+            <a:tailEnd type="arrow"/>
+          </a:ln>
+        </p:spPr>
+        <p:style>
+          <a:lnRef idx="1">
+            <a:schemeClr val="accent1"/>
+          </a:lnRef>
+          <a:fillRef idx="0">
+            <a:schemeClr val="accent1"/>
+          </a:fillRef>
+          <a:effectRef idx="0">
+            <a:schemeClr val="accent1"/>
+          </a:effectRef>
+          <a:fontRef idx="minor">
+            <a:schemeClr val="tx1"/>
+          </a:fontRef>
+        </p:style>
+      </p:cxnSp>
+      <p:cxnSp>
+        <p:nvCxnSpPr>
+          <p:cNvPr id="100" name="Straight Connector 99"/>
+          <p:cNvCxnSpPr>
+            <a:stCxn id="16" idx="5"/>
+            <a:endCxn id="50" idx="1"/>
+          </p:cNvCxnSpPr>
+          <p:nvPr/>
+        </p:nvCxnSpPr>
+        <p:spPr>
+          <a:xfrm>
+            <a:off x="6737163" y="2622363"/>
+            <a:ext cx="578037" cy="425637"/>
+          </a:xfrm>
+          <a:prstGeom prst="line">
+            <a:avLst/>
+          </a:prstGeom>
+          <a:ln w="38100">
+            <a:solidFill>
+              <a:srgbClr val="FF0000"/>
+            </a:solidFill>
+            <a:tailEnd type="triangle"/>
+          </a:ln>
+        </p:spPr>
+        <p:style>
+          <a:lnRef idx="1">
+            <a:schemeClr val="accent1"/>
+          </a:lnRef>
+          <a:fillRef idx="0">
+            <a:schemeClr val="accent1"/>
+          </a:fillRef>
+          <a:effectRef idx="0">
+            <a:schemeClr val="accent1"/>
+          </a:effectRef>
+          <a:fontRef idx="minor">
+            <a:schemeClr val="tx1"/>
+          </a:fontRef>
+        </p:style>
+      </p:cxnSp>
+      <p:cxnSp>
+        <p:nvCxnSpPr>
+          <p:cNvPr id="104" name="Straight Arrow Connector 103"/>
+          <p:cNvCxnSpPr>
+            <a:stCxn id="52" idx="3"/>
+            <a:endCxn id="8" idx="4"/>
+          </p:cNvCxnSpPr>
+          <p:nvPr/>
+        </p:nvCxnSpPr>
+        <p:spPr>
+          <a:xfrm flipV="1">
+            <a:off x="1594104" y="2438400"/>
+            <a:ext cx="1225296" cy="839724"/>
+          </a:xfrm>
+          <a:prstGeom prst="straightConnector1">
+            <a:avLst/>
+          </a:prstGeom>
+          <a:ln w="38100">
+            <a:solidFill>
+              <a:srgbClr val="C00000"/>
+            </a:solidFill>
+            <a:tailEnd type="arrow"/>
+          </a:ln>
+        </p:spPr>
+        <p:style>
+          <a:lnRef idx="1">
+            <a:schemeClr val="accent1"/>
+          </a:lnRef>
+          <a:fillRef idx="0">
+            <a:schemeClr val="accent1"/>
+          </a:fillRef>
+          <a:effectRef idx="0">
+            <a:schemeClr val="accent1"/>
+          </a:effectRef>
+          <a:fontRef idx="minor">
+            <a:schemeClr val="tx1"/>
+          </a:fontRef>
+        </p:style>
+      </p:cxnSp>
+      <p:cxnSp>
+        <p:nvCxnSpPr>
+          <p:cNvPr id="105" name="Straight Arrow Connector 104"/>
+          <p:cNvCxnSpPr>
+            <a:stCxn id="8" idx="6"/>
+            <a:endCxn id="10" idx="1"/>
+          </p:cNvCxnSpPr>
+          <p:nvPr/>
+        </p:nvCxnSpPr>
+        <p:spPr>
+          <a:xfrm>
+            <a:off x="2971800" y="2286000"/>
+            <a:ext cx="1187637" cy="44637"/>
+          </a:xfrm>
+          <a:prstGeom prst="straightConnector1">
+            <a:avLst/>
+          </a:prstGeom>
+          <a:ln w="38100">
+            <a:solidFill>
+              <a:srgbClr val="C00000"/>
+            </a:solidFill>
+            <a:tailEnd type="arrow"/>
+          </a:ln>
+        </p:spPr>
+        <p:style>
+          <a:lnRef idx="1">
+            <a:schemeClr val="accent1"/>
+          </a:lnRef>
+          <a:fillRef idx="0">
+            <a:schemeClr val="accent1"/>
+          </a:fillRef>
+          <a:effectRef idx="0">
+            <a:schemeClr val="accent1"/>
+          </a:effectRef>
+          <a:fontRef idx="minor">
+            <a:schemeClr val="tx1"/>
+          </a:fontRef>
+        </p:style>
+      </p:cxnSp>
+      <p:cxnSp>
+        <p:nvCxnSpPr>
+          <p:cNvPr id="111" name="Straight Arrow Connector 110"/>
+          <p:cNvCxnSpPr>
+            <a:stCxn id="14" idx="7"/>
+            <a:endCxn id="16" idx="3"/>
+          </p:cNvCxnSpPr>
+          <p:nvPr/>
+        </p:nvCxnSpPr>
+        <p:spPr>
+          <a:xfrm flipV="1">
+            <a:off x="5441763" y="2622363"/>
+            <a:ext cx="1079874" cy="317874"/>
+          </a:xfrm>
+          <a:prstGeom prst="straightConnector1">
+            <a:avLst/>
+          </a:prstGeom>
+          <a:ln>
+            <a:solidFill>
+              <a:srgbClr val="C00000"/>
+            </a:solidFill>
+            <a:tailEnd type="arrow"/>
+          </a:ln>
+        </p:spPr>
+        <p:style>
+          <a:lnRef idx="1">
+            <a:schemeClr val="accent1"/>
+          </a:lnRef>
+          <a:fillRef idx="0">
+            <a:schemeClr val="accent1"/>
+          </a:fillRef>
+          <a:effectRef idx="0">
+            <a:schemeClr val="accent1"/>
+          </a:effectRef>
+          <a:fontRef idx="minor">
+            <a:schemeClr val="tx1"/>
+          </a:fontRef>
+        </p:style>
+      </p:cxnSp>
+      <p:cxnSp>
+        <p:nvCxnSpPr>
+          <p:cNvPr id="114" name="Straight Arrow Connector 113"/>
+          <p:cNvCxnSpPr>
+            <a:stCxn id="16" idx="3"/>
+            <a:endCxn id="15" idx="0"/>
+          </p:cNvCxnSpPr>
+          <p:nvPr/>
+        </p:nvCxnSpPr>
+        <p:spPr>
+          <a:xfrm flipH="1">
+            <a:off x="6324600" y="2622363"/>
+            <a:ext cx="197037" cy="1644837"/>
+          </a:xfrm>
+          <a:prstGeom prst="straightConnector1">
+            <a:avLst/>
+          </a:prstGeom>
+          <a:ln w="38100">
+            <a:solidFill>
+              <a:srgbClr val="C00000"/>
+            </a:solidFill>
+            <a:tailEnd type="arrow"/>
+          </a:ln>
+        </p:spPr>
+        <p:style>
+          <a:lnRef idx="1">
+            <a:schemeClr val="accent1"/>
+          </a:lnRef>
+          <a:fillRef idx="0">
+            <a:schemeClr val="accent1"/>
+          </a:fillRef>
+          <a:effectRef idx="0">
+            <a:schemeClr val="accent1"/>
+          </a:effectRef>
+          <a:fontRef idx="minor">
+            <a:schemeClr val="tx1"/>
+          </a:fontRef>
+        </p:style>
+      </p:cxnSp>
+      <p:cxnSp>
+        <p:nvCxnSpPr>
+          <p:cNvPr id="118" name="Straight Arrow Connector 117"/>
+          <p:cNvCxnSpPr>
+            <a:stCxn id="15" idx="5"/>
+            <a:endCxn id="50" idx="1"/>
+          </p:cNvCxnSpPr>
+          <p:nvPr/>
+        </p:nvCxnSpPr>
+        <p:spPr>
+          <a:xfrm flipV="1">
+            <a:off x="6432363" y="3048000"/>
+            <a:ext cx="882837" cy="1479363"/>
+          </a:xfrm>
+          <a:prstGeom prst="straightConnector1">
+            <a:avLst/>
+          </a:prstGeom>
+          <a:ln w="38100">
+            <a:solidFill>
+              <a:srgbClr val="C00000"/>
+            </a:solidFill>
+            <a:tailEnd type="arrow"/>
+          </a:ln>
+        </p:spPr>
+        <p:style>
+          <a:lnRef idx="1">
+            <a:schemeClr val="accent1"/>
+          </a:lnRef>
+          <a:fillRef idx="0">
+            <a:schemeClr val="accent1"/>
+          </a:fillRef>
+          <a:effectRef idx="0">
+            <a:schemeClr val="accent1"/>
+          </a:effectRef>
+          <a:fontRef idx="minor">
+            <a:schemeClr val="tx1"/>
+          </a:fontRef>
+        </p:style>
+      </p:cxnSp>
+      <p:sp>
+        <p:nvSpPr>
+          <p:cNvPr id="122" name="Rectangle 121"/>
+          <p:cNvSpPr/>
+          <p:nvPr/>
+        </p:nvSpPr>
+        <p:spPr>
+          <a:xfrm>
+            <a:off x="457200" y="5181600"/>
+            <a:ext cx="457200" cy="152400"/>
+          </a:xfrm>
+          <a:prstGeom prst="rect">
+            <a:avLst/>
+          </a:prstGeom>
+          <a:solidFill>
+            <a:srgbClr val="FF0000"/>
+          </a:solidFill>
+        </p:spPr>
+        <p:style>
+          <a:lnRef idx="2">
+            <a:schemeClr val="accent1">
+              <a:shade val="50000"/>
+            </a:schemeClr>
+          </a:lnRef>
+          <a:fillRef idx="1">
+            <a:schemeClr val="accent1"/>
+          </a:fillRef>
+          <a:effectRef idx="0">
+            <a:schemeClr val="accent1"/>
+          </a:effectRef>
+          <a:fontRef idx="minor">
+            <a:schemeClr val="lt1"/>
+          </a:fontRef>
+        </p:style>
+        <p:txBody>
+          <a:bodyPr rtlCol="0" anchor="ctr"/>
+          <a:lstStyle/>
+          <a:p>
+            <a:pPr algn="ctr"/>
+            <a:endParaRPr lang="en-US"/>
+          </a:p>
+        </p:txBody>
+      </p:sp>
+      <p:sp>
+        <p:nvSpPr>
+          <p:cNvPr id="123" name="Rectangle 122"/>
+          <p:cNvSpPr/>
+          <p:nvPr/>
+        </p:nvSpPr>
+        <p:spPr>
+          <a:xfrm>
+            <a:off x="457200" y="5562600"/>
+            <a:ext cx="457200" cy="152400"/>
+          </a:xfrm>
+          <a:prstGeom prst="rect">
+            <a:avLst/>
+          </a:prstGeom>
+          <a:solidFill>
+            <a:srgbClr val="00B050"/>
+          </a:solidFill>
+        </p:spPr>
+        <p:style>
+          <a:lnRef idx="2">
+            <a:schemeClr val="accent1">
+              <a:shade val="50000"/>
+            </a:schemeClr>
+          </a:lnRef>
+          <a:fillRef idx="1">
+            <a:schemeClr val="accent1"/>
+          </a:fillRef>
+          <a:effectRef idx="0">
+            <a:schemeClr val="accent1"/>
+          </a:effectRef>
+          <a:fontRef idx="minor">
+            <a:schemeClr val="lt1"/>
+          </a:fontRef>
+        </p:style>
+        <p:txBody>
+          <a:bodyPr rtlCol="0" anchor="ctr"/>
+          <a:lstStyle/>
+          <a:p>
+            <a:pPr algn="ctr"/>
+            <a:endParaRPr lang="en-US"/>
+          </a:p>
+        </p:txBody>
+      </p:sp>
+      <p:sp>
+        <p:nvSpPr>
+          <p:cNvPr id="124" name="Rectangle 123"/>
+          <p:cNvSpPr/>
+          <p:nvPr/>
+        </p:nvSpPr>
+        <p:spPr>
+          <a:xfrm>
+            <a:off x="457200" y="5943600"/>
+            <a:ext cx="457200" cy="152400"/>
+          </a:xfrm>
+          <a:prstGeom prst="rect">
+            <a:avLst/>
+          </a:prstGeom>
+          <a:solidFill>
+            <a:srgbClr val="0070C0"/>
+          </a:solidFill>
+        </p:spPr>
+        <p:style>
+          <a:lnRef idx="2">
+            <a:schemeClr val="accent1">
+              <a:shade val="50000"/>
+            </a:schemeClr>
+          </a:lnRef>
+          <a:fillRef idx="1">
+            <a:schemeClr val="accent1"/>
+          </a:fillRef>
+          <a:effectRef idx="0">
+            <a:schemeClr val="accent1"/>
+          </a:effectRef>
+          <a:fontRef idx="minor">
+            <a:schemeClr val="lt1"/>
+          </a:fontRef>
+        </p:style>
+        <p:txBody>
+          <a:bodyPr rtlCol="0" anchor="ctr"/>
+          <a:lstStyle/>
+          <a:p>
+            <a:pPr algn="ctr"/>
+            <a:endParaRPr lang="en-US"/>
+          </a:p>
+        </p:txBody>
+      </p:sp>
+      <p:sp>
+        <p:nvSpPr>
+          <p:cNvPr id="125" name="Rectangle 124"/>
+          <p:cNvSpPr/>
+          <p:nvPr/>
+        </p:nvSpPr>
+        <p:spPr>
+          <a:xfrm>
+            <a:off x="457200" y="6324600"/>
+            <a:ext cx="457200" cy="152400"/>
+          </a:xfrm>
+          <a:prstGeom prst="rect">
+            <a:avLst/>
+          </a:prstGeom>
+          <a:solidFill>
+            <a:srgbClr val="C00000"/>
+          </a:solidFill>
+        </p:spPr>
+        <p:style>
+          <a:lnRef idx="2">
+            <a:schemeClr val="accent1">
+              <a:shade val="50000"/>
+            </a:schemeClr>
+          </a:lnRef>
+          <a:fillRef idx="1">
+            <a:schemeClr val="accent1"/>
+          </a:fillRef>
+          <a:effectRef idx="0">
+            <a:schemeClr val="accent1"/>
+          </a:effectRef>
+          <a:fontRef idx="minor">
+            <a:schemeClr val="lt1"/>
+          </a:fontRef>
+        </p:style>
+        <p:txBody>
+          <a:bodyPr rtlCol="0" anchor="ctr"/>
+          <a:lstStyle/>
+          <a:p>
+            <a:pPr algn="ctr"/>
+            <a:endParaRPr lang="en-US"/>
+          </a:p>
+        </p:txBody>
+      </p:sp>
+      <p:sp>
+        <p:nvSpPr>
+          <p:cNvPr id="126" name="TextBox 125"/>
+          <p:cNvSpPr txBox="1"/>
+          <p:nvPr/>
+        </p:nvSpPr>
+        <p:spPr>
+          <a:xfrm>
+            <a:off x="1219200" y="5105400"/>
+            <a:ext cx="1143000" cy="369332"/>
+          </a:xfrm>
+          <a:prstGeom prst="rect">
+            <a:avLst/>
+          </a:prstGeom>
+          <a:noFill/>
+        </p:spPr>
+        <p:txBody>
+          <a:bodyPr wrap="square" rtlCol="0">
+            <a:spAutoFit/>
+          </a:bodyPr>
+          <a:lstStyle/>
+          <a:p>
+            <a:r>
+              <a:rPr lang="en-US" dirty="0" smtClean="0"/>
+              <a:t>XPS</a:t>
+            </a:r>
+            <a:endParaRPr lang="en-US" dirty="0"/>
+          </a:p>
+        </p:txBody>
+      </p:sp>
+      <p:sp>
+        <p:nvSpPr>
+          <p:cNvPr id="127" name="TextBox 126"/>
+          <p:cNvSpPr txBox="1"/>
+          <p:nvPr/>
+        </p:nvSpPr>
+        <p:spPr>
+          <a:xfrm>
+            <a:off x="1219200" y="5410200"/>
+            <a:ext cx="1143000" cy="369332"/>
+          </a:xfrm>
+          <a:prstGeom prst="rect">
+            <a:avLst/>
+          </a:prstGeom>
+          <a:noFill/>
+        </p:spPr>
+        <p:txBody>
+          <a:bodyPr wrap="square" rtlCol="0">
+            <a:spAutoFit/>
+          </a:bodyPr>
+          <a:lstStyle/>
+          <a:p>
+            <a:r>
+              <a:rPr lang="en-US" dirty="0" smtClean="0"/>
+              <a:t>PDF</a:t>
+            </a:r>
+            <a:endParaRPr lang="en-US" dirty="0"/>
+          </a:p>
+        </p:txBody>
+      </p:sp>
+      <p:sp>
+        <p:nvSpPr>
+          <p:cNvPr id="128" name="TextBox 127"/>
+          <p:cNvSpPr txBox="1"/>
+          <p:nvPr/>
+        </p:nvSpPr>
+        <p:spPr>
+          <a:xfrm>
+            <a:off x="1219200" y="5791200"/>
+            <a:ext cx="1143000" cy="369332"/>
+          </a:xfrm>
+          <a:prstGeom prst="rect">
+            <a:avLst/>
+          </a:prstGeom>
+          <a:noFill/>
+        </p:spPr>
+        <p:txBody>
+          <a:bodyPr wrap="square" rtlCol="0">
+            <a:spAutoFit/>
+          </a:bodyPr>
+          <a:lstStyle/>
+          <a:p>
+            <a:r>
+              <a:rPr lang="en-US" dirty="0" smtClean="0"/>
+              <a:t>PS</a:t>
+            </a:r>
+            <a:endParaRPr lang="en-US" dirty="0"/>
+          </a:p>
+        </p:txBody>
+      </p:sp>
+      <p:sp>
+        <p:nvSpPr>
+          <p:cNvPr id="129" name="TextBox 128"/>
+          <p:cNvSpPr txBox="1"/>
+          <p:nvPr/>
+        </p:nvSpPr>
+        <p:spPr>
+          <a:xfrm>
+            <a:off x="1219200" y="6172200"/>
+            <a:ext cx="1143000" cy="369332"/>
+          </a:xfrm>
+          <a:prstGeom prst="rect">
+            <a:avLst/>
+          </a:prstGeom>
+          <a:noFill/>
+        </p:spPr>
+        <p:txBody>
+          <a:bodyPr wrap="square" rtlCol="0">
+            <a:spAutoFit/>
+          </a:bodyPr>
+          <a:lstStyle/>
+          <a:p>
+            <a:r>
+              <a:rPr lang="en-US" dirty="0" smtClean="0"/>
+              <a:t>PDF v1.7</a:t>
+            </a:r>
+            <a:endParaRPr lang="en-US" dirty="0"/>
+          </a:p>
+        </p:txBody>
+      </p:sp>
+      <p:sp>
+        <p:nvSpPr>
+          <p:cNvPr id="131" name="Flowchart: Connector 130"/>
+          <p:cNvSpPr/>
+          <p:nvPr/>
+        </p:nvSpPr>
+        <p:spPr>
+          <a:xfrm>
+            <a:off x="4876800" y="1752600"/>
+            <a:ext cx="304800" cy="304800"/>
+          </a:xfrm>
+          <a:prstGeom prst="flowChartConnector">
+            <a:avLst/>
+          </a:prstGeom>
+          <a:solidFill>
+            <a:schemeClr val="bg1"/>
+          </a:solidFill>
+        </p:spPr>
+        <p:style>
+          <a:lnRef idx="2">
+            <a:schemeClr val="accent1">
+              <a:shade val="50000"/>
+            </a:schemeClr>
+          </a:lnRef>
+          <a:fillRef idx="1">
+            <a:schemeClr val="accent1"/>
+          </a:fillRef>
+          <a:effectRef idx="0">
+            <a:schemeClr val="accent1"/>
+          </a:effectRef>
+          <a:fontRef idx="minor">
+            <a:schemeClr val="lt1"/>
+          </a:fontRef>
+        </p:style>
+        <p:txBody>
+          <a:bodyPr rtlCol="0" anchor="ctr"/>
+          <a:lstStyle/>
+          <a:p>
+            <a:pPr algn="ctr"/>
+            <a:endParaRPr lang="en-US"/>
+          </a:p>
+        </p:txBody>
+      </p:sp>
+      <p:sp>
+        <p:nvSpPr>
+          <p:cNvPr id="132" name="Flowchart: Connector 131"/>
+          <p:cNvSpPr/>
+          <p:nvPr/>
+        </p:nvSpPr>
+        <p:spPr>
+          <a:xfrm>
+            <a:off x="5638800" y="1828800"/>
+            <a:ext cx="304800" cy="304800"/>
+          </a:xfrm>
+          <a:prstGeom prst="flowChartConnector">
+            <a:avLst/>
+          </a:prstGeom>
+          <a:solidFill>
+            <a:schemeClr val="bg1"/>
+          </a:solidFill>
+        </p:spPr>
+        <p:style>
+          <a:lnRef idx="2">
+            <a:schemeClr val="accent1">
+              <a:shade val="50000"/>
+            </a:schemeClr>
+          </a:lnRef>
+          <a:fillRef idx="1">
+            <a:schemeClr val="accent1"/>
+          </a:fillRef>
+          <a:effectRef idx="0">
+            <a:schemeClr val="accent1"/>
+          </a:effectRef>
+          <a:fontRef idx="minor">
+            <a:schemeClr val="lt1"/>
+          </a:fontRef>
+        </p:style>
+        <p:txBody>
+          <a:bodyPr rtlCol="0" anchor="ctr"/>
+          <a:lstStyle/>
+          <a:p>
+            <a:pPr algn="ctr"/>
+            <a:endParaRPr lang="en-US"/>
+          </a:p>
+        </p:txBody>
+      </p:sp>
+      <p:cxnSp>
+        <p:nvCxnSpPr>
+          <p:cNvPr id="136" name="Straight Arrow Connector 135"/>
+          <p:cNvCxnSpPr>
+            <a:stCxn id="131" idx="4"/>
+            <a:endCxn id="14" idx="0"/>
+          </p:cNvCxnSpPr>
+          <p:nvPr/>
+        </p:nvCxnSpPr>
+        <p:spPr>
+          <a:xfrm>
+            <a:off x="5029200" y="2057400"/>
+            <a:ext cx="304800" cy="838200"/>
+          </a:xfrm>
+          <a:prstGeom prst="straightConnector1">
+            <a:avLst/>
+          </a:prstGeom>
+          <a:ln w="38100">
+            <a:solidFill>
+              <a:srgbClr val="C00000"/>
+            </a:solidFill>
+            <a:tailEnd type="arrow"/>
+          </a:ln>
+        </p:spPr>
+        <p:style>
+          <a:lnRef idx="1">
+            <a:schemeClr val="accent1"/>
+          </a:lnRef>
+          <a:fillRef idx="0">
+            <a:schemeClr val="accent1"/>
+          </a:fillRef>
+          <a:effectRef idx="0">
+            <a:schemeClr val="accent1"/>
+          </a:effectRef>
+          <a:fontRef idx="minor">
+            <a:schemeClr val="tx1"/>
+          </a:fontRef>
+        </p:style>
+      </p:cxnSp>
+      <p:sp>
+        <p:nvSpPr>
+          <p:cNvPr id="153" name="Flowchart: Connector 152"/>
+          <p:cNvSpPr/>
+          <p:nvPr/>
+        </p:nvSpPr>
+        <p:spPr>
+          <a:xfrm>
+            <a:off x="4724400" y="4419600"/>
+            <a:ext cx="304800" cy="304800"/>
+          </a:xfrm>
+          <a:prstGeom prst="flowChartConnector">
+            <a:avLst/>
+          </a:prstGeom>
+          <a:solidFill>
+            <a:schemeClr val="bg1"/>
+          </a:solidFill>
+        </p:spPr>
+        <p:style>
+          <a:lnRef idx="2">
+            <a:schemeClr val="accent1">
+              <a:shade val="50000"/>
+            </a:schemeClr>
+          </a:lnRef>
+          <a:fillRef idx="1">
+            <a:schemeClr val="accent1"/>
+          </a:fillRef>
+          <a:effectRef idx="0">
+            <a:schemeClr val="accent1"/>
+          </a:effectRef>
+          <a:fontRef idx="minor">
+            <a:schemeClr val="lt1"/>
+          </a:fontRef>
+        </p:style>
+        <p:txBody>
+          <a:bodyPr rtlCol="0" anchor="ctr"/>
+          <a:lstStyle/>
+          <a:p>
+            <a:pPr algn="ctr"/>
+            <a:endParaRPr lang="en-US"/>
+          </a:p>
+        </p:txBody>
+      </p:sp>
+      <p:sp>
+        <p:nvSpPr>
+          <p:cNvPr id="154" name="Flowchart: Connector 153"/>
+          <p:cNvSpPr/>
+          <p:nvPr/>
+        </p:nvSpPr>
+        <p:spPr>
+          <a:xfrm>
+            <a:off x="1905000" y="1828800"/>
+            <a:ext cx="304800" cy="304800"/>
+          </a:xfrm>
+          <a:prstGeom prst="flowChartConnector">
+            <a:avLst/>
+          </a:prstGeom>
+          <a:solidFill>
+            <a:schemeClr val="bg1"/>
+          </a:solidFill>
+        </p:spPr>
+        <p:style>
+          <a:lnRef idx="2">
+            <a:schemeClr val="accent1">
+              <a:shade val="50000"/>
+            </a:schemeClr>
+          </a:lnRef>
+          <a:fillRef idx="1">
+            <a:schemeClr val="accent1"/>
+          </a:fillRef>
+          <a:effectRef idx="0">
+            <a:schemeClr val="accent1"/>
+          </a:effectRef>
+          <a:fontRef idx="minor">
+            <a:schemeClr val="lt1"/>
+          </a:fontRef>
+        </p:style>
+        <p:txBody>
+          <a:bodyPr rtlCol="0" anchor="ctr"/>
+          <a:lstStyle/>
+          <a:p>
+            <a:pPr algn="ctr"/>
+            <a:endParaRPr lang="en-US"/>
+          </a:p>
+        </p:txBody>
+      </p:sp>
+      <p:sp>
+        <p:nvSpPr>
+          <p:cNvPr id="155" name="Flowchart: Connector 154"/>
+          <p:cNvSpPr/>
+          <p:nvPr/>
+        </p:nvSpPr>
+        <p:spPr>
+          <a:xfrm>
+            <a:off x="6934200" y="4419600"/>
+            <a:ext cx="304800" cy="304800"/>
+          </a:xfrm>
+          <a:prstGeom prst="flowChartConnector">
+            <a:avLst/>
+          </a:prstGeom>
+          <a:solidFill>
+            <a:schemeClr val="bg1"/>
+          </a:solidFill>
+        </p:spPr>
+        <p:style>
+          <a:lnRef idx="2">
+            <a:schemeClr val="accent1">
+              <a:shade val="50000"/>
+            </a:schemeClr>
+          </a:lnRef>
+          <a:fillRef idx="1">
+            <a:schemeClr val="accent1"/>
+          </a:fillRef>
+          <a:effectRef idx="0">
+            <a:schemeClr val="accent1"/>
+          </a:effectRef>
+          <a:fontRef idx="minor">
+            <a:schemeClr val="lt1"/>
+          </a:fontRef>
+        </p:style>
+        <p:txBody>
+          <a:bodyPr rtlCol="0" anchor="ctr"/>
+          <a:lstStyle/>
+          <a:p>
+            <a:pPr algn="ctr"/>
+            <a:endParaRPr lang="en-US"/>
+          </a:p>
+        </p:txBody>
+      </p:sp>
+      <p:sp>
+        <p:nvSpPr>
+          <p:cNvPr id="53" name="Flowchart: Connector 52"/>
+          <p:cNvSpPr/>
+          <p:nvPr/>
+        </p:nvSpPr>
+        <p:spPr>
+          <a:xfrm>
+            <a:off x="2438400" y="3581400"/>
+            <a:ext cx="228600" cy="228600"/>
+          </a:xfrm>
+          <a:prstGeom prst="flowChartConnector">
+            <a:avLst/>
+          </a:prstGeom>
+          <a:solidFill>
+            <a:schemeClr val="bg1"/>
+          </a:solidFill>
+        </p:spPr>
+        <p:style>
+          <a:lnRef idx="2">
+            <a:schemeClr val="accent1">
+              <a:shade val="50000"/>
+            </a:schemeClr>
+          </a:lnRef>
+          <a:fillRef idx="1">
+            <a:schemeClr val="accent1"/>
+          </a:fillRef>
+          <a:effectRef idx="0">
+            <a:schemeClr val="accent1"/>
+          </a:effectRef>
+          <a:fontRef idx="minor">
+            <a:schemeClr val="lt1"/>
+          </a:fontRef>
+        </p:style>
+        <p:txBody>
+          <a:bodyPr rtlCol="0" anchor="ctr"/>
+          <a:lstStyle/>
+          <a:p>
+            <a:pPr algn="ctr"/>
+            <a:endParaRPr lang="en-US"/>
+          </a:p>
+        </p:txBody>
+      </p:sp>
+      <p:sp>
+        <p:nvSpPr>
+          <p:cNvPr id="59" name="Flowchart: Connector 58"/>
+          <p:cNvSpPr/>
+          <p:nvPr/>
+        </p:nvSpPr>
+        <p:spPr>
+          <a:xfrm>
+            <a:off x="1295400" y="3962400"/>
+            <a:ext cx="304800" cy="304800"/>
+          </a:xfrm>
+          <a:prstGeom prst="flowChartConnector">
+            <a:avLst/>
+          </a:prstGeom>
+          <a:solidFill>
+            <a:schemeClr val="bg1"/>
+          </a:solidFill>
+        </p:spPr>
+        <p:style>
+          <a:lnRef idx="2">
+            <a:schemeClr val="accent1">
+              <a:shade val="50000"/>
+            </a:schemeClr>
+          </a:lnRef>
+          <a:fillRef idx="1">
+            <a:schemeClr val="accent1"/>
+          </a:fillRef>
+          <a:effectRef idx="0">
+            <a:schemeClr val="accent1"/>
+          </a:effectRef>
+          <a:fontRef idx="minor">
+            <a:schemeClr val="lt1"/>
+          </a:fontRef>
+        </p:style>
+        <p:txBody>
+          <a:bodyPr rtlCol="0" anchor="ctr"/>
+          <a:lstStyle/>
+          <a:p>
+            <a:pPr algn="ctr"/>
+            <a:endParaRPr lang="en-US"/>
+          </a:p>
+        </p:txBody>
+      </p:sp>
+      <p:sp>
+        <p:nvSpPr>
+          <p:cNvPr id="60" name="Flowchart: Connector 59"/>
+          <p:cNvSpPr/>
+          <p:nvPr/>
+        </p:nvSpPr>
+        <p:spPr>
+          <a:xfrm>
+            <a:off x="2743200" y="3124200"/>
+            <a:ext cx="228600" cy="228600"/>
+          </a:xfrm>
+          <a:prstGeom prst="flowChartConnector">
+            <a:avLst/>
+          </a:prstGeom>
+          <a:solidFill>
+            <a:schemeClr val="bg1"/>
+          </a:solidFill>
+        </p:spPr>
+        <p:style>
+          <a:lnRef idx="2">
+            <a:schemeClr val="accent1">
+              <a:shade val="50000"/>
+            </a:schemeClr>
+          </a:lnRef>
+          <a:fillRef idx="1">
+            <a:schemeClr val="accent1"/>
+          </a:fillRef>
+          <a:effectRef idx="0">
+            <a:schemeClr val="accent1"/>
+          </a:effectRef>
+          <a:fontRef idx="minor">
+            <a:schemeClr val="lt1"/>
+          </a:fontRef>
+        </p:style>
+        <p:txBody>
+          <a:bodyPr rtlCol="0" anchor="ctr"/>
+          <a:lstStyle/>
+          <a:p>
+            <a:pPr algn="ctr"/>
+            <a:endParaRPr lang="en-US"/>
+          </a:p>
+        </p:txBody>
+      </p:sp>
+      <p:sp>
+        <p:nvSpPr>
+          <p:cNvPr id="61" name="Flowchart: Connector 60"/>
+          <p:cNvSpPr/>
+          <p:nvPr/>
+        </p:nvSpPr>
+        <p:spPr>
+          <a:xfrm>
+            <a:off x="3962400" y="2895600"/>
+            <a:ext cx="228600" cy="228600"/>
+          </a:xfrm>
+          <a:prstGeom prst="flowChartConnector">
+            <a:avLst/>
+          </a:prstGeom>
+          <a:solidFill>
+            <a:schemeClr val="bg1"/>
+          </a:solidFill>
+        </p:spPr>
+        <p:style>
+          <a:lnRef idx="2">
+            <a:schemeClr val="accent1">
+              <a:shade val="50000"/>
+            </a:schemeClr>
+          </a:lnRef>
+          <a:fillRef idx="1">
+            <a:schemeClr val="accent1"/>
+          </a:fillRef>
+          <a:effectRef idx="0">
+            <a:schemeClr val="accent1"/>
+          </a:effectRef>
+          <a:fontRef idx="minor">
+            <a:schemeClr val="lt1"/>
+          </a:fontRef>
+        </p:style>
+        <p:txBody>
+          <a:bodyPr rtlCol="0" anchor="ctr"/>
+          <a:lstStyle/>
+          <a:p>
+            <a:pPr algn="ctr"/>
+            <a:endParaRPr lang="en-US"/>
+          </a:p>
+        </p:txBody>
+      </p:sp>
+      <p:sp>
+        <p:nvSpPr>
+          <p:cNvPr id="62" name="Flowchart: Connector 61"/>
+          <p:cNvSpPr/>
+          <p:nvPr/>
+        </p:nvSpPr>
+        <p:spPr>
+          <a:xfrm>
+            <a:off x="4648200" y="3352800"/>
+            <a:ext cx="228600" cy="228600"/>
+          </a:xfrm>
+          <a:prstGeom prst="flowChartConnector">
+            <a:avLst/>
+          </a:prstGeom>
+          <a:solidFill>
+            <a:schemeClr val="bg1"/>
+          </a:solidFill>
+        </p:spPr>
+        <p:style>
+          <a:lnRef idx="2">
+            <a:schemeClr val="accent1">
+              <a:shade val="50000"/>
+            </a:schemeClr>
+          </a:lnRef>
+          <a:fillRef idx="1">
+            <a:schemeClr val="accent1"/>
+          </a:fillRef>
+          <a:effectRef idx="0">
+            <a:schemeClr val="accent1"/>
+          </a:effectRef>
+          <a:fontRef idx="minor">
+            <a:schemeClr val="lt1"/>
+          </a:fontRef>
+        </p:style>
+        <p:txBody>
+          <a:bodyPr rtlCol="0" anchor="ctr"/>
+          <a:lstStyle/>
+          <a:p>
+            <a:pPr algn="ctr"/>
+            <a:endParaRPr lang="en-US"/>
+          </a:p>
+        </p:txBody>
+      </p:sp>
+      <p:sp>
+        <p:nvSpPr>
+          <p:cNvPr id="63" name="Flowchart: Connector 62"/>
+          <p:cNvSpPr/>
+          <p:nvPr/>
+        </p:nvSpPr>
+        <p:spPr>
+          <a:xfrm>
+            <a:off x="3810000" y="4267200"/>
+            <a:ext cx="228600" cy="228600"/>
+          </a:xfrm>
+          <a:prstGeom prst="flowChartConnector">
+            <a:avLst/>
+          </a:prstGeom>
+          <a:solidFill>
+            <a:schemeClr val="bg1"/>
+          </a:solidFill>
+        </p:spPr>
+        <p:style>
+          <a:lnRef idx="2">
+            <a:schemeClr val="accent1">
+              <a:shade val="50000"/>
+            </a:schemeClr>
+          </a:lnRef>
+          <a:fillRef idx="1">
+            <a:schemeClr val="accent1"/>
+          </a:fillRef>
+          <a:effectRef idx="0">
+            <a:schemeClr val="accent1"/>
+          </a:effectRef>
+          <a:fontRef idx="minor">
+            <a:schemeClr val="lt1"/>
+          </a:fontRef>
+        </p:style>
+        <p:txBody>
+          <a:bodyPr rtlCol="0" anchor="ctr"/>
+          <a:lstStyle/>
+          <a:p>
+            <a:pPr algn="ctr"/>
+            <a:endParaRPr lang="en-US"/>
+          </a:p>
+        </p:txBody>
+      </p:sp>
+      <p:sp>
+        <p:nvSpPr>
+          <p:cNvPr id="64" name="Flowchart: Connector 63"/>
+          <p:cNvSpPr/>
+          <p:nvPr/>
+        </p:nvSpPr>
+        <p:spPr>
+          <a:xfrm>
+            <a:off x="3581400" y="1905000"/>
+            <a:ext cx="228600" cy="228600"/>
+          </a:xfrm>
+          <a:prstGeom prst="flowChartConnector">
+            <a:avLst/>
+          </a:prstGeom>
+          <a:solidFill>
+            <a:schemeClr val="bg1"/>
+          </a:solidFill>
+        </p:spPr>
+        <p:style>
+          <a:lnRef idx="2">
+            <a:schemeClr val="accent1">
+              <a:shade val="50000"/>
+            </a:schemeClr>
+          </a:lnRef>
+          <a:fillRef idx="1">
+            <a:schemeClr val="accent1"/>
+          </a:fillRef>
+          <a:effectRef idx="0">
+            <a:schemeClr val="accent1"/>
+          </a:effectRef>
+          <a:fontRef idx="minor">
+            <a:schemeClr val="lt1"/>
+          </a:fontRef>
+        </p:style>
+        <p:txBody>
+          <a:bodyPr rtlCol="0" anchor="ctr"/>
+          <a:lstStyle/>
+          <a:p>
+            <a:pPr algn="ctr"/>
+            <a:endParaRPr lang="en-US"/>
+          </a:p>
+        </p:txBody>
+      </p:sp>
+      <p:sp>
+        <p:nvSpPr>
+          <p:cNvPr id="65" name="Flowchart: Connector 64"/>
+          <p:cNvSpPr/>
+          <p:nvPr/>
+        </p:nvSpPr>
+        <p:spPr>
+          <a:xfrm>
+            <a:off x="5791200" y="3429000"/>
+            <a:ext cx="228600" cy="228600"/>
+          </a:xfrm>
+          <a:prstGeom prst="flowChartConnector">
+            <a:avLst/>
+          </a:prstGeom>
+          <a:solidFill>
+            <a:schemeClr val="bg1"/>
+          </a:solidFill>
+        </p:spPr>
+        <p:style>
+          <a:lnRef idx="2">
+            <a:schemeClr val="accent1">
+              <a:shade val="50000"/>
+            </a:schemeClr>
+          </a:lnRef>
+          <a:fillRef idx="1">
+            <a:schemeClr val="accent1"/>
+          </a:fillRef>
+          <a:effectRef idx="0">
+            <a:schemeClr val="accent1"/>
+          </a:effectRef>
+          <a:fontRef idx="minor">
+            <a:schemeClr val="lt1"/>
+          </a:fontRef>
+        </p:style>
+        <p:txBody>
+          <a:bodyPr rtlCol="0" anchor="ctr"/>
+          <a:lstStyle/>
+          <a:p>
+            <a:pPr algn="ctr"/>
+            <a:endParaRPr lang="en-US"/>
+          </a:p>
+        </p:txBody>
+      </p:sp>
+      <p:sp>
+        <p:nvSpPr>
+          <p:cNvPr id="66" name="Flowchart: Connector 65"/>
+          <p:cNvSpPr/>
+          <p:nvPr/>
+        </p:nvSpPr>
+        <p:spPr>
+          <a:xfrm>
+            <a:off x="6553200" y="3352800"/>
+            <a:ext cx="228600" cy="228600"/>
+          </a:xfrm>
+          <a:prstGeom prst="flowChartConnector">
+            <a:avLst/>
+          </a:prstGeom>
+          <a:solidFill>
+            <a:schemeClr val="bg1"/>
+          </a:solidFill>
+        </p:spPr>
+        <p:style>
+          <a:lnRef idx="2">
+            <a:schemeClr val="accent1">
+              <a:shade val="50000"/>
+            </a:schemeClr>
+          </a:lnRef>
+          <a:fillRef idx="1">
+            <a:schemeClr val="accent1"/>
+          </a:fillRef>
+          <a:effectRef idx="0">
+            <a:schemeClr val="accent1"/>
+          </a:effectRef>
+          <a:fontRef idx="minor">
+            <a:schemeClr val="lt1"/>
+          </a:fontRef>
+        </p:style>
+        <p:txBody>
+          <a:bodyPr rtlCol="0" anchor="ctr"/>
+          <a:lstStyle/>
+          <a:p>
+            <a:pPr algn="ctr"/>
+            <a:endParaRPr lang="en-US"/>
+          </a:p>
+        </p:txBody>
+      </p:sp>
+      <p:sp>
+        <p:nvSpPr>
+          <p:cNvPr id="67" name="Flowchart: Connector 66"/>
+          <p:cNvSpPr/>
+          <p:nvPr/>
+        </p:nvSpPr>
+        <p:spPr>
+          <a:xfrm>
+            <a:off x="5105400" y="3962400"/>
+            <a:ext cx="228600" cy="228600"/>
+          </a:xfrm>
+          <a:prstGeom prst="flowChartConnector">
+            <a:avLst/>
+          </a:prstGeom>
+          <a:solidFill>
+            <a:schemeClr val="bg1"/>
+          </a:solidFill>
+        </p:spPr>
+        <p:style>
+          <a:lnRef idx="2">
+            <a:schemeClr val="accent1">
+              <a:shade val="50000"/>
+            </a:schemeClr>
+          </a:lnRef>
+          <a:fillRef idx="1">
+            <a:schemeClr val="accent1"/>
+          </a:fillRef>
+          <a:effectRef idx="0">
+            <a:schemeClr val="accent1"/>
+          </a:effectRef>
+          <a:fontRef idx="minor">
+            <a:schemeClr val="lt1"/>
+          </a:fontRef>
+        </p:style>
+        <p:txBody>
+          <a:bodyPr rtlCol="0" anchor="ctr"/>
+          <a:lstStyle/>
+          <a:p>
+            <a:pPr algn="ctr"/>
+            <a:endParaRPr lang="en-US"/>
+          </a:p>
+        </p:txBody>
+      </p:sp>
+      <p:sp>
+        <p:nvSpPr>
+          <p:cNvPr id="69" name="Flowchart: Connector 68"/>
+          <p:cNvSpPr/>
+          <p:nvPr/>
+        </p:nvSpPr>
+        <p:spPr>
+          <a:xfrm>
+            <a:off x="5257800" y="4114800"/>
+            <a:ext cx="228600" cy="228600"/>
+          </a:xfrm>
+          <a:prstGeom prst="flowChartConnector">
+            <a:avLst/>
+          </a:prstGeom>
+          <a:solidFill>
+            <a:schemeClr val="bg1"/>
+          </a:solidFill>
+        </p:spPr>
+        <p:style>
+          <a:lnRef idx="2">
+            <a:schemeClr val="accent1">
+              <a:shade val="50000"/>
+            </a:schemeClr>
+          </a:lnRef>
+          <a:fillRef idx="1">
+            <a:schemeClr val="accent1"/>
+          </a:fillRef>
+          <a:effectRef idx="0">
+            <a:schemeClr val="accent1"/>
+          </a:effectRef>
+          <a:fontRef idx="minor">
+            <a:schemeClr val="lt1"/>
+          </a:fontRef>
+        </p:style>
+        <p:txBody>
+          <a:bodyPr rtlCol="0" anchor="ctr"/>
+          <a:lstStyle/>
+          <a:p>
+            <a:pPr algn="ctr"/>
+            <a:endParaRPr lang="en-US"/>
+          </a:p>
+        </p:txBody>
+      </p:sp>
+      <p:sp>
+        <p:nvSpPr>
+          <p:cNvPr id="70" name="Flowchart: Connector 69"/>
+          <p:cNvSpPr/>
+          <p:nvPr/>
+        </p:nvSpPr>
+        <p:spPr>
+          <a:xfrm>
+            <a:off x="2514600" y="2743200"/>
+            <a:ext cx="152400" cy="152400"/>
+          </a:xfrm>
+          <a:prstGeom prst="flowChartConnector">
+            <a:avLst/>
+          </a:prstGeom>
+          <a:solidFill>
+            <a:schemeClr val="bg1">
+              <a:lumMod val="50000"/>
+            </a:schemeClr>
+          </a:solidFill>
+        </p:spPr>
+        <p:style>
+          <a:lnRef idx="2">
+            <a:schemeClr val="accent1">
+              <a:shade val="50000"/>
+            </a:schemeClr>
+          </a:lnRef>
+          <a:fillRef idx="1">
+            <a:schemeClr val="accent1"/>
+          </a:fillRef>
+          <a:effectRef idx="0">
+            <a:schemeClr val="accent1"/>
+          </a:effectRef>
+          <a:fontRef idx="minor">
+            <a:schemeClr val="lt1"/>
+          </a:fontRef>
+        </p:style>
+        <p:txBody>
+          <a:bodyPr rtlCol="0" anchor="ctr"/>
+          <a:lstStyle/>
+          <a:p>
+            <a:pPr algn="ctr"/>
+            <a:endParaRPr lang="en-US"/>
+          </a:p>
+        </p:txBody>
+      </p:sp>
+      <p:sp>
+        <p:nvSpPr>
+          <p:cNvPr id="73" name="Flowchart: Connector 72"/>
+          <p:cNvSpPr/>
+          <p:nvPr/>
+        </p:nvSpPr>
+        <p:spPr>
+          <a:xfrm>
+            <a:off x="2438400" y="2514600"/>
+            <a:ext cx="152400" cy="152400"/>
+          </a:xfrm>
+          <a:prstGeom prst="flowChartConnector">
+            <a:avLst/>
+          </a:prstGeom>
+          <a:solidFill>
+            <a:schemeClr val="bg1">
+              <a:lumMod val="50000"/>
+            </a:schemeClr>
+          </a:solidFill>
+        </p:spPr>
+        <p:style>
+          <a:lnRef idx="2">
+            <a:schemeClr val="accent1">
+              <a:shade val="50000"/>
+            </a:schemeClr>
+          </a:lnRef>
+          <a:fillRef idx="1">
+            <a:schemeClr val="accent1"/>
+          </a:fillRef>
+          <a:effectRef idx="0">
+            <a:schemeClr val="accent1"/>
+          </a:effectRef>
+          <a:fontRef idx="minor">
+            <a:schemeClr val="lt1"/>
+          </a:fontRef>
+        </p:style>
+        <p:txBody>
+          <a:bodyPr rtlCol="0" anchor="ctr"/>
+          <a:lstStyle/>
+          <a:p>
+            <a:pPr algn="ctr"/>
+            <a:endParaRPr lang="en-US"/>
+          </a:p>
+        </p:txBody>
+      </p:sp>
+      <p:sp>
+        <p:nvSpPr>
+          <p:cNvPr id="74" name="Flowchart: Connector 73"/>
+          <p:cNvSpPr/>
+          <p:nvPr/>
+        </p:nvSpPr>
+        <p:spPr>
+          <a:xfrm>
+            <a:off x="1752600" y="2743200"/>
+            <a:ext cx="152400" cy="152400"/>
+          </a:xfrm>
+          <a:prstGeom prst="flowChartConnector">
+            <a:avLst/>
+          </a:prstGeom>
+          <a:solidFill>
+            <a:schemeClr val="bg1">
+              <a:lumMod val="50000"/>
+            </a:schemeClr>
+          </a:solidFill>
+        </p:spPr>
+        <p:style>
+          <a:lnRef idx="2">
+            <a:schemeClr val="accent1">
+              <a:shade val="50000"/>
+            </a:schemeClr>
+          </a:lnRef>
+          <a:fillRef idx="1">
+            <a:schemeClr val="accent1"/>
+          </a:fillRef>
+          <a:effectRef idx="0">
+            <a:schemeClr val="accent1"/>
+          </a:effectRef>
+          <a:fontRef idx="minor">
+            <a:schemeClr val="lt1"/>
+          </a:fontRef>
+        </p:style>
+        <p:txBody>
+          <a:bodyPr rtlCol="0" anchor="ctr"/>
+          <a:lstStyle/>
+          <a:p>
+            <a:pPr algn="ctr"/>
+            <a:endParaRPr lang="en-US"/>
+          </a:p>
+        </p:txBody>
+      </p:sp>
+      <p:sp>
+        <p:nvSpPr>
+          <p:cNvPr id="76" name="Flowchart: Connector 75"/>
+          <p:cNvSpPr/>
+          <p:nvPr/>
+        </p:nvSpPr>
+        <p:spPr>
+          <a:xfrm>
+            <a:off x="1981200" y="3429000"/>
+            <a:ext cx="152400" cy="152400"/>
+          </a:xfrm>
+          <a:prstGeom prst="flowChartConnector">
+            <a:avLst/>
+          </a:prstGeom>
+          <a:solidFill>
+            <a:schemeClr val="bg1">
+              <a:lumMod val="50000"/>
+            </a:schemeClr>
+          </a:solidFill>
+        </p:spPr>
+        <p:style>
+          <a:lnRef idx="2">
+            <a:schemeClr val="accent1">
+              <a:shade val="50000"/>
+            </a:schemeClr>
+          </a:lnRef>
+          <a:fillRef idx="1">
+            <a:schemeClr val="accent1"/>
+          </a:fillRef>
+          <a:effectRef idx="0">
+            <a:schemeClr val="accent1"/>
+          </a:effectRef>
+          <a:fontRef idx="minor">
+            <a:schemeClr val="lt1"/>
+          </a:fontRef>
+        </p:style>
+        <p:txBody>
+          <a:bodyPr rtlCol="0" anchor="ctr"/>
+          <a:lstStyle/>
+          <a:p>
+            <a:pPr algn="ctr"/>
+            <a:endParaRPr lang="en-US"/>
+          </a:p>
+        </p:txBody>
+      </p:sp>
+      <p:sp>
+        <p:nvSpPr>
+          <p:cNvPr id="77" name="Flowchart: Connector 76"/>
+          <p:cNvSpPr/>
+          <p:nvPr/>
+        </p:nvSpPr>
+        <p:spPr>
+          <a:xfrm>
+            <a:off x="5486400" y="2209800"/>
+            <a:ext cx="152400" cy="152400"/>
+          </a:xfrm>
+          <a:prstGeom prst="flowChartConnector">
+            <a:avLst/>
+          </a:prstGeom>
+          <a:solidFill>
+            <a:schemeClr val="bg1">
+              <a:lumMod val="50000"/>
+            </a:schemeClr>
+          </a:solidFill>
+        </p:spPr>
+        <p:style>
+          <a:lnRef idx="2">
+            <a:schemeClr val="accent1">
+              <a:shade val="50000"/>
+            </a:schemeClr>
+          </a:lnRef>
+          <a:fillRef idx="1">
+            <a:schemeClr val="accent1"/>
+          </a:fillRef>
+          <a:effectRef idx="0">
+            <a:schemeClr val="accent1"/>
+          </a:effectRef>
+          <a:fontRef idx="minor">
+            <a:schemeClr val="lt1"/>
+          </a:fontRef>
+        </p:style>
+        <p:txBody>
+          <a:bodyPr rtlCol="0" anchor="ctr"/>
+          <a:lstStyle/>
+          <a:p>
+            <a:pPr algn="ctr"/>
+            <a:endParaRPr lang="en-US"/>
+          </a:p>
+        </p:txBody>
+      </p:sp>
+      <p:sp>
+        <p:nvSpPr>
+          <p:cNvPr id="79" name="Flowchart: Connector 78"/>
+          <p:cNvSpPr/>
+          <p:nvPr/>
+        </p:nvSpPr>
+        <p:spPr>
+          <a:xfrm>
+            <a:off x="5410200" y="3429000"/>
+            <a:ext cx="152400" cy="152400"/>
+          </a:xfrm>
+          <a:prstGeom prst="flowChartConnector">
+            <a:avLst/>
+          </a:prstGeom>
+          <a:solidFill>
+            <a:schemeClr val="bg1">
+              <a:lumMod val="50000"/>
+            </a:schemeClr>
+          </a:solidFill>
+        </p:spPr>
+        <p:style>
+          <a:lnRef idx="2">
+            <a:schemeClr val="accent1">
+              <a:shade val="50000"/>
+            </a:schemeClr>
+          </a:lnRef>
+          <a:fillRef idx="1">
+            <a:schemeClr val="accent1"/>
+          </a:fillRef>
+          <a:effectRef idx="0">
+            <a:schemeClr val="accent1"/>
+          </a:effectRef>
+          <a:fontRef idx="minor">
+            <a:schemeClr val="lt1"/>
+          </a:fontRef>
+        </p:style>
+        <p:txBody>
+          <a:bodyPr rtlCol="0" anchor="ctr"/>
+          <a:lstStyle/>
+          <a:p>
+            <a:pPr algn="ctr"/>
+            <a:endParaRPr lang="en-US"/>
+          </a:p>
+        </p:txBody>
+      </p:sp>
+      <p:cxnSp>
+        <p:nvCxnSpPr>
+          <p:cNvPr id="108" name="Straight Arrow Connector 107"/>
+          <p:cNvCxnSpPr>
+            <a:stCxn id="10" idx="7"/>
+            <a:endCxn id="131" idx="3"/>
+          </p:cNvCxnSpPr>
+          <p:nvPr/>
+        </p:nvCxnSpPr>
+        <p:spPr>
+          <a:xfrm flipV="1">
+            <a:off x="4374963" y="2012763"/>
+            <a:ext cx="546474" cy="317874"/>
+          </a:xfrm>
+          <a:prstGeom prst="straightConnector1">
+            <a:avLst/>
+          </a:prstGeom>
+          <a:ln w="38100">
+            <a:solidFill>
+              <a:srgbClr val="C00000"/>
+            </a:solidFill>
+            <a:tailEnd type="arrow"/>
+          </a:ln>
+        </p:spPr>
+        <p:style>
+          <a:lnRef idx="1">
+            <a:schemeClr val="accent1"/>
+          </a:lnRef>
+          <a:fillRef idx="0">
+            <a:schemeClr val="accent1"/>
+          </a:fillRef>
+          <a:effectRef idx="0">
+            <a:schemeClr val="accent1"/>
+          </a:effectRef>
+          <a:fontRef idx="minor">
+            <a:schemeClr val="tx1"/>
+          </a:fontRef>
+        </p:style>
+      </p:cxnSp>
+    </p:spTree>
+  </p:cSld>
+  <p:clrMapOvr>
+    <a:masterClrMapping/>
+  </p:clrMapOvr>
+  <p:timing>
+    <p:tnLst>
+      <p:par>
+        <p:cTn id="1" dur="indefinite" restart="never" nodeType="tmRoot"/>
+      </p:par>
+    </p:tnLst>
+  </p:timing>
+</p:sld>
+</file>
+
+<file path=ppt/slides/slide4.xml><?xml version="1.0" encoding="utf-8"?>
+<p:sld xmlns:a="http://schemas.openxmlformats.org/drawingml/2006/main" xmlns:r="http://schemas.openxmlformats.org/officeDocument/2006/relationships" xmlns:p="http://schemas.openxmlformats.org/presentationml/2006/main">
+  <p:cSld>
+    <p:spTree>
+      <p:nvGrpSpPr>
+        <p:cNvPr id="1" name=""/>
+        <p:cNvGrpSpPr/>
+        <p:nvPr/>
+      </p:nvGrpSpPr>
+      <p:grpSpPr>
+        <a:xfrm>
+          <a:off x="0" y="0"/>
+          <a:ext cx="0" cy="0"/>
+          <a:chOff x="0" y="0"/>
+          <a:chExt cx="0" cy="0"/>
+        </a:xfrm>
+      </p:grpSpPr>
+      <p:sp>
+        <p:nvSpPr>
+          <p:cNvPr id="2" name="Title 1"/>
+          <p:cNvSpPr>
+            <a:spLocks noGrp="1"/>
+          </p:cNvSpPr>
+          <p:nvPr>
+            <p:ph type="title"/>
+          </p:nvPr>
+        </p:nvSpPr>
+        <p:spPr/>
+        <p:txBody>
+          <a:bodyPr/>
+          <a:lstStyle/>
+          <a:p>
+            <a:r>
+              <a:rPr lang="en-US" dirty="0" smtClean="0"/>
+              <a:t>Features</a:t>
+            </a:r>
+            <a:endParaRPr lang="en-US" dirty="0"/>
+          </a:p>
+        </p:txBody>
+      </p:sp>
+      <p:sp>
+        <p:nvSpPr>
+          <p:cNvPr id="3" name="Content Placeholder 2"/>
+          <p:cNvSpPr>
+            <a:spLocks noGrp="1"/>
+          </p:cNvSpPr>
+          <p:nvPr>
+            <p:ph idx="1"/>
+          </p:nvPr>
+        </p:nvSpPr>
+        <p:spPr/>
+        <p:txBody>
+          <a:bodyPr>
+            <a:normAutofit fontScale="85000" lnSpcReduction="20000"/>
+          </a:bodyPr>
+          <a:lstStyle/>
+          <a:p>
+            <a:pPr marL="514350" indent="-514350">
+              <a:buFont typeface="+mj-lt"/>
+              <a:buAutoNum type="arabicPeriod"/>
+            </a:pPr>
+            <a:r>
+              <a:rPr lang="en-US" dirty="0" smtClean="0"/>
+              <a:t>Lookup test-cases filtered by a given “keyword”.</a:t>
+            </a:r>
+          </a:p>
+          <a:p>
+            <a:pPr marL="514350" indent="-514350">
+              <a:buFont typeface="+mj-lt"/>
+              <a:buAutoNum type="arabicPeriod"/>
+            </a:pPr>
+            <a:r>
+              <a:rPr lang="en-US" dirty="0" smtClean="0"/>
+              <a:t>Test-case profile summary report</a:t>
+            </a:r>
+          </a:p>
+          <a:p>
+            <a:pPr marL="971550" lvl="1" indent="-514350"/>
+            <a:r>
+              <a:rPr lang="en-US" dirty="0" smtClean="0"/>
+              <a:t>Page checksum</a:t>
+            </a:r>
+          </a:p>
+          <a:p>
+            <a:pPr marL="971550" lvl="1" indent="-514350"/>
+            <a:r>
+              <a:rPr lang="en-US" dirty="0" smtClean="0"/>
+              <a:t>Location</a:t>
+            </a:r>
+          </a:p>
+          <a:p>
+            <a:pPr marL="971550" lvl="1" indent="-514350"/>
+            <a:r>
+              <a:rPr lang="en-US" dirty="0" smtClean="0"/>
+              <a:t>Elapse time</a:t>
+            </a:r>
+          </a:p>
+          <a:p>
+            <a:pPr marL="971550" lvl="1" indent="-514350"/>
+            <a:r>
+              <a:rPr lang="en-US" dirty="0" smtClean="0"/>
+              <a:t>Code route (function invocation map)</a:t>
+            </a:r>
+          </a:p>
+          <a:p>
+            <a:pPr marL="514350" indent="-514350">
+              <a:buFont typeface="+mj-lt"/>
+              <a:buAutoNum type="arabicPeriod"/>
+            </a:pPr>
+            <a:r>
+              <a:rPr lang="en-US" dirty="0" smtClean="0">
+                <a:solidFill>
+                  <a:schemeClr val="bg1">
+                    <a:lumMod val="50000"/>
+                  </a:schemeClr>
+                </a:solidFill>
+              </a:rPr>
+              <a:t>Test-case performance history (graph report</a:t>
+            </a:r>
+            <a:r>
+              <a:rPr lang="en-US" dirty="0" smtClean="0">
+                <a:solidFill>
+                  <a:schemeClr val="bg1">
+                    <a:lumMod val="50000"/>
+                  </a:schemeClr>
+                </a:solidFill>
+              </a:rPr>
+              <a:t>)</a:t>
+            </a:r>
+          </a:p>
+          <a:p>
+            <a:pPr marL="914400" lvl="1" indent="-514350"/>
+            <a:r>
+              <a:rPr lang="en-US" smtClean="0">
+                <a:solidFill>
+                  <a:schemeClr val="bg1">
+                    <a:lumMod val="50000"/>
+                  </a:schemeClr>
+                </a:solidFill>
+              </a:rPr>
+              <a:t>Tests </a:t>
+            </a:r>
+            <a:r>
+              <a:rPr lang="en-US" dirty="0" smtClean="0">
+                <a:solidFill>
+                  <a:schemeClr val="bg1">
+                    <a:lumMod val="50000"/>
+                  </a:schemeClr>
+                </a:solidFill>
+              </a:rPr>
+              <a:t>to fail </a:t>
+            </a:r>
+            <a:r>
+              <a:rPr lang="en-US" dirty="0" smtClean="0">
+                <a:solidFill>
+                  <a:schemeClr val="bg1">
+                    <a:lumMod val="50000"/>
+                  </a:schemeClr>
+                </a:solidFill>
+              </a:rPr>
+              <a:t>on </a:t>
+            </a:r>
+            <a:r>
+              <a:rPr lang="en-US" dirty="0" err="1" smtClean="0">
+                <a:solidFill>
+                  <a:schemeClr val="bg1">
+                    <a:lumMod val="50000"/>
+                  </a:schemeClr>
+                </a:solidFill>
+              </a:rPr>
+              <a:t>perf</a:t>
+            </a:r>
+            <a:r>
+              <a:rPr lang="en-US" dirty="0" smtClean="0">
+                <a:solidFill>
+                  <a:schemeClr val="bg1">
+                    <a:lumMod val="50000"/>
+                  </a:schemeClr>
+                </a:solidFill>
+              </a:rPr>
+              <a:t> degradation</a:t>
+            </a:r>
+            <a:endParaRPr lang="en-US" dirty="0" smtClean="0">
+              <a:solidFill>
+                <a:schemeClr val="bg1">
+                  <a:lumMod val="50000"/>
+                </a:schemeClr>
+              </a:solidFill>
+            </a:endParaRPr>
+          </a:p>
+          <a:p>
+            <a:pPr marL="514350" indent="-514350">
+              <a:buFont typeface="+mj-lt"/>
+              <a:buAutoNum type="arabicPeriod"/>
+            </a:pPr>
+            <a:r>
+              <a:rPr lang="en-US" dirty="0" smtClean="0"/>
+              <a:t>Unit test automation (detect test-case breakage)</a:t>
+            </a:r>
+          </a:p>
+          <a:p>
+            <a:pPr marL="514350" indent="-514350">
+              <a:buFont typeface="+mj-lt"/>
+              <a:buAutoNum type="arabicPeriod"/>
+            </a:pPr>
+            <a:r>
+              <a:rPr lang="en-US" dirty="0" smtClean="0"/>
+              <a:t>Export search results (CSV formatted?)</a:t>
+            </a:r>
+          </a:p>
+          <a:p>
+            <a:pPr marL="514350" indent="-514350">
+              <a:buFont typeface="+mj-lt"/>
+              <a:buAutoNum type="arabicPeriod"/>
+            </a:pPr>
+            <a:r>
+              <a:rPr lang="en-US" dirty="0" smtClean="0">
+                <a:solidFill>
+                  <a:schemeClr val="bg1">
+                    <a:lumMod val="50000"/>
+                  </a:schemeClr>
+                </a:solidFill>
+              </a:rPr>
+              <a:t>Tag/keyword management (EV# and US#)</a:t>
+            </a:r>
+          </a:p>
+        </p:txBody>
+      </p:sp>
+    </p:spTree>
+  </p:cSld>
+  <p:clrMapOvr>
+    <a:masterClrMapping/>
+  </p:clrMapOvr>
+  <p:timing>
+    <p:tnLst>
+      <p:par>
+        <p:cTn id="1" dur="indefinite" restart="never" nodeType="tmRoot"/>
+      </p:par>
+    </p:tnLst>
+  </p:timing>
+</p:sld>
+</file>
+
+<file path=ppt/slides/slide5.xml><?xml version="1.0" encoding="utf-8"?>
+<p:sld xmlns:a="http://schemas.openxmlformats.org/drawingml/2006/main" xmlns:r="http://schemas.openxmlformats.org/officeDocument/2006/relationships" xmlns:p="http://schemas.openxmlformats.org/presentationml/2006/main">
+  <p:cSld>
+    <p:spTree>
+      <p:nvGrpSpPr>
+        <p:cNvPr id="1" name=""/>
+        <p:cNvGrpSpPr/>
+        <p:nvPr/>
+      </p:nvGrpSpPr>
+      <p:grpSpPr>
+        <a:xfrm>
+          <a:off x="0" y="0"/>
+          <a:ext cx="0" cy="0"/>
+          <a:chOff x="0" y="0"/>
+          <a:chExt cx="0" cy="0"/>
+        </a:xfrm>
+      </p:grpSpPr>
+      <p:sp>
+        <p:nvSpPr>
+          <p:cNvPr id="2" name="Title 1"/>
+          <p:cNvSpPr>
+            <a:spLocks noGrp="1"/>
+          </p:cNvSpPr>
+          <p:nvPr>
+            <p:ph type="title"/>
+          </p:nvPr>
+        </p:nvSpPr>
+        <p:spPr/>
+        <p:txBody>
+          <a:bodyPr/>
+          <a:lstStyle/>
+          <a:p>
+            <a:r>
+              <a:rPr lang="en-US" dirty="0" smtClean="0"/>
+              <a:t>System Components</a:t>
+            </a:r>
+            <a:endParaRPr lang="en-US" dirty="0"/>
+          </a:p>
+        </p:txBody>
+      </p:sp>
+      <p:sp>
+        <p:nvSpPr>
+          <p:cNvPr id="11" name="Rectangle 10"/>
+          <p:cNvSpPr/>
+          <p:nvPr/>
+        </p:nvSpPr>
+        <p:spPr>
+          <a:xfrm>
+            <a:off x="1752600" y="4419600"/>
+            <a:ext cx="1905000" cy="1066800"/>
+          </a:xfrm>
+          <a:prstGeom prst="rect">
+            <a:avLst/>
+          </a:prstGeom>
+          <a:solidFill>
+            <a:schemeClr val="bg1"/>
+          </a:solidFill>
+        </p:spPr>
+        <p:style>
+          <a:lnRef idx="2">
+            <a:schemeClr val="accent1">
+              <a:shade val="50000"/>
+            </a:schemeClr>
+          </a:lnRef>
+          <a:fillRef idx="1">
+            <a:schemeClr val="accent1"/>
+          </a:fillRef>
+          <a:effectRef idx="0">
+            <a:schemeClr val="accent1"/>
+          </a:effectRef>
+          <a:fontRef idx="minor">
+            <a:schemeClr val="lt1"/>
+          </a:fontRef>
+        </p:style>
+        <p:txBody>
+          <a:bodyPr rtlCol="0" anchor="ctr" anchorCtr="1"/>
+          <a:lstStyle/>
+          <a:p>
+            <a:pPr algn="ctr"/>
+            <a:r>
+              <a:rPr lang="en-US" b="1" dirty="0" err="1" smtClean="0">
+                <a:solidFill>
+                  <a:schemeClr val="tx1"/>
+                </a:solidFill>
+              </a:rPr>
+              <a:t>PDLsapp</a:t>
+            </a:r>
+            <a:endParaRPr lang="en-US" b="1" dirty="0">
+              <a:solidFill>
+                <a:schemeClr val="tx1"/>
+              </a:solidFill>
+            </a:endParaRPr>
+          </a:p>
+        </p:txBody>
+      </p:sp>
+      <p:sp>
+        <p:nvSpPr>
+          <p:cNvPr id="12" name="Rectangle 11"/>
+          <p:cNvSpPr/>
+          <p:nvPr/>
+        </p:nvSpPr>
+        <p:spPr>
+          <a:xfrm>
+            <a:off x="1752600" y="1600200"/>
+            <a:ext cx="1905000" cy="1143000"/>
+          </a:xfrm>
+          <a:prstGeom prst="rect">
+            <a:avLst/>
+          </a:prstGeom>
+          <a:solidFill>
+            <a:schemeClr val="bg1"/>
+          </a:solidFill>
+        </p:spPr>
+        <p:style>
+          <a:lnRef idx="2">
+            <a:schemeClr val="accent1">
+              <a:shade val="50000"/>
+            </a:schemeClr>
+          </a:lnRef>
+          <a:fillRef idx="1">
+            <a:schemeClr val="accent1"/>
+          </a:fillRef>
+          <a:effectRef idx="0">
+            <a:schemeClr val="accent1"/>
+          </a:effectRef>
+          <a:fontRef idx="minor">
+            <a:schemeClr val="lt1"/>
+          </a:fontRef>
+        </p:style>
+        <p:txBody>
+          <a:bodyPr rtlCol="0" anchor="ctr" anchorCtr="1"/>
+          <a:lstStyle/>
+          <a:p>
+            <a:pPr algn="ctr"/>
+            <a:r>
+              <a:rPr lang="en-US" b="1" dirty="0" smtClean="0">
+                <a:solidFill>
+                  <a:schemeClr val="tx1"/>
+                </a:solidFill>
+              </a:rPr>
+              <a:t>Scripts</a:t>
+            </a:r>
+            <a:endParaRPr lang="en-US" b="1" dirty="0">
+              <a:solidFill>
+                <a:schemeClr val="tx1"/>
+              </a:solidFill>
+            </a:endParaRPr>
+          </a:p>
+        </p:txBody>
+      </p:sp>
+      <p:sp>
+        <p:nvSpPr>
+          <p:cNvPr id="13" name="Rectangle 12"/>
+          <p:cNvSpPr/>
+          <p:nvPr/>
+        </p:nvSpPr>
+        <p:spPr>
+          <a:xfrm>
+            <a:off x="5486400" y="1524000"/>
+            <a:ext cx="1905000" cy="1066800"/>
+          </a:xfrm>
+          <a:prstGeom prst="rect">
+            <a:avLst/>
+          </a:prstGeom>
+          <a:solidFill>
+            <a:schemeClr val="bg1"/>
+          </a:solidFill>
+        </p:spPr>
+        <p:style>
+          <a:lnRef idx="2">
+            <a:schemeClr val="accent1">
+              <a:shade val="50000"/>
+            </a:schemeClr>
+          </a:lnRef>
+          <a:fillRef idx="1">
+            <a:schemeClr val="accent1"/>
+          </a:fillRef>
+          <a:effectRef idx="0">
+            <a:schemeClr val="accent1"/>
+          </a:effectRef>
+          <a:fontRef idx="minor">
+            <a:schemeClr val="lt1"/>
+          </a:fontRef>
+        </p:style>
+        <p:txBody>
+          <a:bodyPr rtlCol="0" anchor="ctr" anchorCtr="1"/>
+          <a:lstStyle/>
+          <a:p>
+            <a:pPr algn="ctr"/>
+            <a:r>
+              <a:rPr lang="en-US" b="1" dirty="0" smtClean="0">
+                <a:solidFill>
+                  <a:schemeClr val="tx1"/>
+                </a:solidFill>
+              </a:rPr>
+              <a:t>Log Parser</a:t>
+            </a:r>
+            <a:endParaRPr lang="en-US" b="1" dirty="0">
+              <a:solidFill>
+                <a:schemeClr val="tx1"/>
+              </a:solidFill>
+            </a:endParaRPr>
+          </a:p>
+        </p:txBody>
+      </p:sp>
+      <p:sp>
+        <p:nvSpPr>
+          <p:cNvPr id="14" name="Rectangle 13"/>
+          <p:cNvSpPr/>
+          <p:nvPr/>
+        </p:nvSpPr>
+        <p:spPr>
+          <a:xfrm>
+            <a:off x="6781800" y="4800600"/>
+            <a:ext cx="1981200" cy="1066800"/>
+          </a:xfrm>
+          <a:prstGeom prst="rect">
+            <a:avLst/>
+          </a:prstGeom>
+          <a:solidFill>
+            <a:schemeClr val="bg1"/>
+          </a:solidFill>
+        </p:spPr>
+        <p:style>
+          <a:lnRef idx="2">
+            <a:schemeClr val="accent1">
+              <a:shade val="50000"/>
+            </a:schemeClr>
+          </a:lnRef>
+          <a:fillRef idx="1">
+            <a:schemeClr val="accent1"/>
+          </a:fillRef>
+          <a:effectRef idx="0">
+            <a:schemeClr val="accent1"/>
+          </a:effectRef>
+          <a:fontRef idx="minor">
+            <a:schemeClr val="lt1"/>
+          </a:fontRef>
+        </p:style>
+        <p:txBody>
+          <a:bodyPr rtlCol="0" anchor="ctr" anchorCtr="1"/>
+          <a:lstStyle/>
+          <a:p>
+            <a:pPr algn="ctr"/>
+            <a:r>
+              <a:rPr lang="en-US" b="1" dirty="0" smtClean="0">
+                <a:solidFill>
+                  <a:schemeClr val="tx1"/>
+                </a:solidFill>
+              </a:rPr>
+              <a:t>Front-End</a:t>
+            </a:r>
+          </a:p>
+          <a:p>
+            <a:pPr algn="ctr"/>
+            <a:r>
+              <a:rPr lang="en-US" b="1" dirty="0" smtClean="0">
+                <a:solidFill>
+                  <a:schemeClr val="tx1"/>
+                </a:solidFill>
+              </a:rPr>
+              <a:t>User Interface</a:t>
+            </a:r>
+            <a:endParaRPr lang="en-US" b="1" dirty="0">
+              <a:solidFill>
+                <a:schemeClr val="tx1"/>
+              </a:solidFill>
+            </a:endParaRPr>
+          </a:p>
+        </p:txBody>
+      </p:sp>
+      <p:sp>
+        <p:nvSpPr>
+          <p:cNvPr id="15" name="Up-Down Arrow 14"/>
+          <p:cNvSpPr/>
+          <p:nvPr/>
+        </p:nvSpPr>
+        <p:spPr>
+          <a:xfrm>
+            <a:off x="2438400" y="2971800"/>
+            <a:ext cx="484632" cy="1216152"/>
+          </a:xfrm>
+          <a:prstGeom prst="upDownArrow">
+            <a:avLst/>
+          </a:prstGeom>
+          <a:solidFill>
+            <a:schemeClr val="accent3"/>
+          </a:solidFill>
+        </p:spPr>
+        <p:style>
+          <a:lnRef idx="2">
+            <a:schemeClr val="accent1">
+              <a:shade val="50000"/>
+            </a:schemeClr>
+          </a:lnRef>
+          <a:fillRef idx="1">
+            <a:schemeClr val="accent1"/>
+          </a:fillRef>
+          <a:effectRef idx="0">
+            <a:schemeClr val="accent1"/>
+          </a:effectRef>
+          <a:fontRef idx="minor">
+            <a:schemeClr val="lt1"/>
+          </a:fontRef>
+        </p:style>
+        <p:txBody>
+          <a:bodyPr rtlCol="0" anchor="ctr"/>
+          <a:lstStyle/>
+          <a:p>
+            <a:pPr algn="ctr"/>
+            <a:endParaRPr lang="en-US"/>
+          </a:p>
+        </p:txBody>
+      </p:sp>
+      <p:sp>
+        <p:nvSpPr>
+          <p:cNvPr id="16" name="Striped Right Arrow 15"/>
+          <p:cNvSpPr/>
+          <p:nvPr/>
+        </p:nvSpPr>
+        <p:spPr>
+          <a:xfrm>
+            <a:off x="4038600" y="1905000"/>
+            <a:ext cx="978408" cy="484632"/>
+          </a:xfrm>
+          <a:prstGeom prst="stripedRightArrow">
+            <a:avLst/>
+          </a:prstGeom>
+          <a:solidFill>
+            <a:schemeClr val="accent3"/>
+          </a:solidFill>
+        </p:spPr>
+        <p:style>
+          <a:lnRef idx="2">
+            <a:schemeClr val="accent1">
+              <a:shade val="50000"/>
+            </a:schemeClr>
+          </a:lnRef>
+          <a:fillRef idx="1">
+            <a:schemeClr val="accent1"/>
+          </a:fillRef>
+          <a:effectRef idx="0">
+            <a:schemeClr val="accent1"/>
+          </a:effectRef>
+          <a:fontRef idx="minor">
+            <a:schemeClr val="lt1"/>
+          </a:fontRef>
+        </p:style>
+        <p:txBody>
+          <a:bodyPr rtlCol="0" anchor="ctr"/>
+          <a:lstStyle/>
+          <a:p>
+            <a:pPr algn="ctr"/>
+            <a:endParaRPr lang="en-US"/>
+          </a:p>
+        </p:txBody>
+      </p:sp>
+      <p:sp>
+        <p:nvSpPr>
+          <p:cNvPr id="17" name="Flowchart: Magnetic Disk 16"/>
+          <p:cNvSpPr/>
+          <p:nvPr/>
+        </p:nvSpPr>
+        <p:spPr>
+          <a:xfrm>
+            <a:off x="5867400" y="3352800"/>
+            <a:ext cx="1219200" cy="609600"/>
+          </a:xfrm>
+          <a:prstGeom prst="flowChartMagneticDisk">
+            <a:avLst/>
+          </a:prstGeom>
+          <a:solidFill>
+            <a:schemeClr val="bg2"/>
+          </a:solidFill>
+        </p:spPr>
+        <p:style>
+          <a:lnRef idx="2">
+            <a:schemeClr val="accent1">
+              <a:shade val="50000"/>
+            </a:schemeClr>
+          </a:lnRef>
+          <a:fillRef idx="1">
+            <a:schemeClr val="accent1"/>
+          </a:fillRef>
+          <a:effectRef idx="0">
+            <a:schemeClr val="accent1"/>
+          </a:effectRef>
+          <a:fontRef idx="minor">
+            <a:schemeClr val="lt1"/>
+          </a:fontRef>
+        </p:style>
+        <p:txBody>
+          <a:bodyPr rtlCol="0" anchor="ctr"/>
+          <a:lstStyle/>
+          <a:p>
+            <a:pPr algn="ctr"/>
+            <a:r>
+              <a:rPr lang="en-US" b="1" dirty="0" smtClean="0">
+                <a:solidFill>
+                  <a:schemeClr val="tx1"/>
+                </a:solidFill>
+              </a:rPr>
+              <a:t>DB</a:t>
+            </a:r>
+            <a:endParaRPr lang="en-US" b="1" dirty="0">
+              <a:solidFill>
+                <a:schemeClr val="tx1"/>
+              </a:solidFill>
+            </a:endParaRPr>
+          </a:p>
+        </p:txBody>
+      </p:sp>
+      <p:sp>
+        <p:nvSpPr>
+          <p:cNvPr id="18" name="Striped Right Arrow 17"/>
+          <p:cNvSpPr/>
+          <p:nvPr/>
+        </p:nvSpPr>
+        <p:spPr>
+          <a:xfrm rot="5400000">
+            <a:off x="6192012" y="2723388"/>
+            <a:ext cx="551688" cy="438912"/>
+          </a:xfrm>
+          <a:prstGeom prst="stripedRightArrow">
+            <a:avLst/>
+          </a:prstGeom>
+          <a:solidFill>
+            <a:schemeClr val="accent3"/>
+          </a:solidFill>
+        </p:spPr>
+        <p:style>
+          <a:lnRef idx="2">
+            <a:schemeClr val="accent1">
+              <a:shade val="50000"/>
+            </a:schemeClr>
+          </a:lnRef>
+          <a:fillRef idx="1">
+            <a:schemeClr val="accent1"/>
+          </a:fillRef>
+          <a:effectRef idx="0">
+            <a:schemeClr val="accent1"/>
+          </a:effectRef>
+          <a:fontRef idx="minor">
+            <a:schemeClr val="lt1"/>
+          </a:fontRef>
+        </p:style>
+        <p:txBody>
+          <a:bodyPr rtlCol="0" anchor="ctr"/>
+          <a:lstStyle/>
+          <a:p>
+            <a:pPr algn="ctr"/>
+            <a:endParaRPr lang="en-US"/>
+          </a:p>
+        </p:txBody>
+      </p:sp>
+      <p:sp>
+        <p:nvSpPr>
+          <p:cNvPr id="19" name="Striped Right Arrow 18"/>
+          <p:cNvSpPr/>
+          <p:nvPr/>
+        </p:nvSpPr>
+        <p:spPr>
+          <a:xfrm rot="7267458">
+            <a:off x="5541004" y="4168715"/>
+            <a:ext cx="551688" cy="438912"/>
+          </a:xfrm>
+          <a:prstGeom prst="stripedRightArrow">
+            <a:avLst/>
+          </a:prstGeom>
+          <a:solidFill>
+            <a:schemeClr val="accent3"/>
+          </a:solidFill>
+        </p:spPr>
+        <p:style>
+          <a:lnRef idx="2">
+            <a:schemeClr val="accent1">
+              <a:shade val="50000"/>
+            </a:schemeClr>
+          </a:lnRef>
+          <a:fillRef idx="1">
+            <a:schemeClr val="accent1"/>
+          </a:fillRef>
+          <a:effectRef idx="0">
+            <a:schemeClr val="accent1"/>
+          </a:effectRef>
+          <a:fontRef idx="minor">
+            <a:schemeClr val="lt1"/>
+          </a:fontRef>
+        </p:style>
+        <p:txBody>
+          <a:bodyPr rtlCol="0" anchor="ctr"/>
+          <a:lstStyle/>
+          <a:p>
+            <a:pPr algn="ctr"/>
             <a:endParaRPr lang="en-US"/>
           </a:p>
         </p:txBody>
@@ -4746,6 +9442,104 @@
           <a:xfrm>
             <a:off x="762000" y="1905000"/>
             <a:ext cx="749808" cy="484632"/>
+          </a:xfrm>
+          <a:prstGeom prst="stripedRightArrow">
+            <a:avLst/>
+          </a:prstGeom>
+          <a:solidFill>
+            <a:schemeClr val="accent3"/>
+          </a:solidFill>
+        </p:spPr>
+        <p:style>
+          <a:lnRef idx="2">
+            <a:schemeClr val="accent1">
+              <a:shade val="50000"/>
+            </a:schemeClr>
+          </a:lnRef>
+          <a:fillRef idx="1">
+            <a:schemeClr val="accent1"/>
+          </a:fillRef>
+          <a:effectRef idx="0">
+            <a:schemeClr val="accent1"/>
+          </a:effectRef>
+          <a:fontRef idx="minor">
+            <a:schemeClr val="lt1"/>
+          </a:fontRef>
+        </p:style>
+        <p:txBody>
+          <a:bodyPr rtlCol="0" anchor="ctr"/>
+          <a:lstStyle/>
+          <a:p>
+            <a:pPr algn="ctr"/>
+            <a:endParaRPr lang="en-US"/>
+          </a:p>
+        </p:txBody>
+      </p:sp>
+      <p:sp>
+        <p:nvSpPr>
+          <p:cNvPr id="21" name="Rectangle 20"/>
+          <p:cNvSpPr/>
+          <p:nvPr/>
+        </p:nvSpPr>
+        <p:spPr>
+          <a:xfrm>
+            <a:off x="4419600" y="4800600"/>
+            <a:ext cx="1981200" cy="1066800"/>
+          </a:xfrm>
+          <a:prstGeom prst="rect">
+            <a:avLst/>
+          </a:prstGeom>
+          <a:solidFill>
+            <a:schemeClr val="bg1"/>
+          </a:solidFill>
+        </p:spPr>
+        <p:style>
+          <a:lnRef idx="2">
+            <a:schemeClr val="accent1">
+              <a:shade val="50000"/>
+            </a:schemeClr>
+          </a:lnRef>
+          <a:fillRef idx="1">
+            <a:schemeClr val="accent1"/>
+          </a:fillRef>
+          <a:effectRef idx="0">
+            <a:schemeClr val="accent1"/>
+          </a:effectRef>
+          <a:fontRef idx="minor">
+            <a:schemeClr val="lt1"/>
+          </a:fontRef>
+        </p:style>
+        <p:txBody>
+          <a:bodyPr rtlCol="0" anchor="ctr" anchorCtr="1"/>
+          <a:lstStyle/>
+          <a:p>
+            <a:pPr algn="ctr"/>
+            <a:r>
+              <a:rPr lang="en-US" b="1" dirty="0" smtClean="0">
+                <a:solidFill>
+                  <a:schemeClr val="tx1"/>
+                </a:solidFill>
+              </a:rPr>
+              <a:t>Sentry automation tests</a:t>
+            </a:r>
+            <a:endParaRPr lang="en-US" b="1" dirty="0">
+              <a:solidFill>
+                <a:schemeClr val="tx1"/>
+              </a:solidFill>
+            </a:endParaRPr>
+          </a:p>
+        </p:txBody>
+      </p:sp>
+      <p:sp>
+        <p:nvSpPr>
+          <p:cNvPr id="22" name="Striped Right Arrow 21"/>
+          <p:cNvSpPr/>
+          <p:nvPr/>
+        </p:nvSpPr>
+        <p:spPr>
+          <a:xfrm rot="3478545">
+            <a:off x="7066891" y="4093183"/>
+            <a:ext cx="551688" cy="438912"/>
           </a:xfrm>
           <a:prstGeom prst="stripedRightArrow">
             <a:avLst/>
@@ -5044,6 +9838,51 @@
                       </p:childTnLst>
                     </p:cTn>
                   </p:par>
+                  <p:par>
+                    <p:cTn id="25" fill="hold">
+                      <p:stCondLst>
+                        <p:cond delay="indefinite"/>
+                      </p:stCondLst>
+                      <p:childTnLst>
+                        <p:par>
+                          <p:cTn id="26" fill="hold">
+                            <p:stCondLst>
+                              <p:cond delay="0"/>
+                            </p:stCondLst>
+                            <p:childTnLst>
+                              <p:par>
+                                <p:cTn id="27" presetID="1" presetClass="entr" presetSubtype="0" fill="hold" grpId="0" nodeType="clickEffect">
+                                  <p:stCondLst>
+                                    <p:cond delay="0"/>
+                                  </p:stCondLst>
+                                  <p:childTnLst>
+                                    <p:set>
+                                      <p:cBhvr>
+                                        <p:cTn id="28" dur="1" fill="hold">
+                                          <p:stCondLst>
+                                            <p:cond delay="0"/>
+                                          </p:stCondLst>
+                                        </p:cTn>
+                                        <p:tgtEl>
+                                          <p:spTgt spid="22"/>
+                                        </p:tgtEl>
+                                        <p:attrNameLst>
+                                          <p:attrName>style.visibility</p:attrName>
+                                        </p:attrNameLst>
+                                      </p:cBhvr>
+                                      <p:to>
+                                        <p:strVal val="visible"/>
+                                      </p:to>
+                                    </p:set>
+                                  </p:childTnLst>
+                                </p:cTn>
+                              </p:par>
+                            </p:childTnLst>
+                          </p:cTn>
+                        </p:par>
+                      </p:childTnLst>
+                    </p:cTn>
+                  </p:par>
                 </p:childTnLst>
               </p:cTn>
               <p:prevCondLst>
@@ -5072,12 +9911,13 @@
       <p:bldP spid="18" grpId="0" animBg="1"/>
       <p:bldP spid="19" grpId="0" animBg="1"/>
       <p:bldP spid="20" grpId="0" animBg="1"/>
+      <p:bldP spid="22" grpId="0" animBg="1"/>
     </p:bldLst>
   </p:timing>
 </p:sld>
 </file>
 
-<file path=ppt/slides/slide4.xml><?xml version="1.0" encoding="utf-8"?>
+<file path=ppt/slides/slide6.xml><?xml version="1.0" encoding="utf-8"?>
 <p:sld xmlns:a="http://schemas.openxmlformats.org/drawingml/2006/main" xmlns:r="http://schemas.openxmlformats.org/officeDocument/2006/relationships" xmlns:p="http://schemas.openxmlformats.org/presentationml/2006/main">
   <p:cSld>
     <p:spTree>
@@ -5128,7 +9968,7 @@
           </p:nvPr>
         </p:nvPicPr>
         <p:blipFill>
-          <a:blip r:embed="rId2"/>
+          <a:blip r:embed="rId2" cstate="print"/>
           <a:srcRect/>
           <a:stretch>
             <a:fillRect/>
@@ -5152,6 +9992,84 @@
           <a:effectLst/>
         </p:spPr>
       </p:pic>
+    </p:spTree>
+  </p:cSld>
+  <p:clrMapOvr>
+    <a:masterClrMapping/>
+  </p:clrMapOvr>
+  <p:timing>
+    <p:tnLst>
+      <p:par>
+        <p:cTn id="1" dur="indefinite" restart="never" nodeType="tmRoot"/>
+      </p:par>
+    </p:tnLst>
+  </p:timing>
+</p:sld>
+</file>
+
+<file path=ppt/slides/slide7.xml><?xml version="1.0" encoding="utf-8"?>
+<p:sld xmlns:a="http://schemas.openxmlformats.org/drawingml/2006/main" xmlns:r="http://schemas.openxmlformats.org/officeDocument/2006/relationships" xmlns:p="http://schemas.openxmlformats.org/presentationml/2006/main">
+  <p:cSld>
+    <p:spTree>
+      <p:nvGrpSpPr>
+        <p:cNvPr id="1" name=""/>
+        <p:cNvGrpSpPr/>
+        <p:nvPr/>
+      </p:nvGrpSpPr>
+      <p:grpSpPr>
+        <a:xfrm>
+          <a:off x="0" y="0"/>
+          <a:ext cx="0" cy="0"/>
+          <a:chOff x="0" y="0"/>
+          <a:chExt cx="0" cy="0"/>
+        </a:xfrm>
+      </p:grpSpPr>
+      <p:sp>
+        <p:nvSpPr>
+          <p:cNvPr id="2" name="Title 1"/>
+          <p:cNvSpPr>
+            <a:spLocks noGrp="1"/>
+          </p:cNvSpPr>
+          <p:nvPr>
+            <p:ph type="ctrTitle"/>
+          </p:nvPr>
+        </p:nvSpPr>
+        <p:spPr/>
+        <p:txBody>
+          <a:bodyPr/>
+          <a:lstStyle/>
+          <a:p>
+            <a:r>
+              <a:rPr lang="en-US" dirty="0" smtClean="0"/>
+              <a:t>- End -</a:t>
+            </a:r>
+            <a:endParaRPr lang="en-US" dirty="0"/>
+          </a:p>
+        </p:txBody>
+      </p:sp>
+      <p:sp>
+        <p:nvSpPr>
+          <p:cNvPr id="3" name="Subtitle 2"/>
+          <p:cNvSpPr>
+            <a:spLocks noGrp="1"/>
+          </p:cNvSpPr>
+          <p:nvPr>
+            <p:ph type="subTitle" idx="1"/>
+          </p:nvPr>
+        </p:nvSpPr>
+        <p:spPr/>
+        <p:txBody>
+          <a:bodyPr/>
+          <a:lstStyle/>
+          <a:p>
+            <a:r>
+              <a:rPr lang="en-US" dirty="0" smtClean="0"/>
+              <a:t>Q/A</a:t>
+            </a:r>
+            <a:endParaRPr lang="en-US" dirty="0"/>
+          </a:p>
+        </p:txBody>
+      </p:sp>
     </p:spTree>
   </p:cSld>
   <p:clrMapOvr>

--- a/docs/turtle.pptx
+++ b/docs/turtle.pptx
@@ -199,7 +199,7 @@
             <a:fld id="{3023D0BB-018F-422F-ADFF-35EDD49EFF3E}" type="datetimeFigureOut">
               <a:rPr lang="en-US" smtClean="0"/>
               <a:pPr/>
-              <a:t>11/6/2016</a:t>
+              <a:t>11/18/2016</a:t>
             </a:fld>
             <a:endParaRPr lang="en-US"/>
           </a:p>
@@ -2976,7 +2976,7 @@
             <a:fld id="{A2977C27-B067-41C3-A134-2EEC22F52C6D}" type="datetimeFigureOut">
               <a:rPr lang="en-US" smtClean="0"/>
               <a:pPr/>
-              <a:t>11/6/2016</a:t>
+              <a:t>11/18/2016</a:t>
             </a:fld>
             <a:endParaRPr lang="en-US"/>
           </a:p>
@@ -3143,7 +3143,7 @@
             <a:fld id="{A2977C27-B067-41C3-A134-2EEC22F52C6D}" type="datetimeFigureOut">
               <a:rPr lang="en-US" smtClean="0"/>
               <a:pPr/>
-              <a:t>11/6/2016</a:t>
+              <a:t>11/18/2016</a:t>
             </a:fld>
             <a:endParaRPr lang="en-US"/>
           </a:p>
@@ -3320,7 +3320,7 @@
             <a:fld id="{A2977C27-B067-41C3-A134-2EEC22F52C6D}" type="datetimeFigureOut">
               <a:rPr lang="en-US" smtClean="0"/>
               <a:pPr/>
-              <a:t>11/6/2016</a:t>
+              <a:t>11/18/2016</a:t>
             </a:fld>
             <a:endParaRPr lang="en-US"/>
           </a:p>
@@ -3487,7 +3487,7 @@
             <a:fld id="{A2977C27-B067-41C3-A134-2EEC22F52C6D}" type="datetimeFigureOut">
               <a:rPr lang="en-US" smtClean="0"/>
               <a:pPr/>
-              <a:t>11/6/2016</a:t>
+              <a:t>11/18/2016</a:t>
             </a:fld>
             <a:endParaRPr lang="en-US"/>
           </a:p>
@@ -3730,7 +3730,7 @@
             <a:fld id="{A2977C27-B067-41C3-A134-2EEC22F52C6D}" type="datetimeFigureOut">
               <a:rPr lang="en-US" smtClean="0"/>
               <a:pPr/>
-              <a:t>11/6/2016</a:t>
+              <a:t>11/18/2016</a:t>
             </a:fld>
             <a:endParaRPr lang="en-US"/>
           </a:p>
@@ -4015,7 +4015,7 @@
             <a:fld id="{A2977C27-B067-41C3-A134-2EEC22F52C6D}" type="datetimeFigureOut">
               <a:rPr lang="en-US" smtClean="0"/>
               <a:pPr/>
-              <a:t>11/6/2016</a:t>
+              <a:t>11/18/2016</a:t>
             </a:fld>
             <a:endParaRPr lang="en-US"/>
           </a:p>
@@ -4434,7 +4434,7 @@
             <a:fld id="{A2977C27-B067-41C3-A134-2EEC22F52C6D}" type="datetimeFigureOut">
               <a:rPr lang="en-US" smtClean="0"/>
               <a:pPr/>
-              <a:t>11/6/2016</a:t>
+              <a:t>11/18/2016</a:t>
             </a:fld>
             <a:endParaRPr lang="en-US"/>
           </a:p>
@@ -4549,7 +4549,7 @@
             <a:fld id="{A2977C27-B067-41C3-A134-2EEC22F52C6D}" type="datetimeFigureOut">
               <a:rPr lang="en-US" smtClean="0"/>
               <a:pPr/>
-              <a:t>11/6/2016</a:t>
+              <a:t>11/18/2016</a:t>
             </a:fld>
             <a:endParaRPr lang="en-US"/>
           </a:p>
@@ -4641,7 +4641,7 @@
             <a:fld id="{A2977C27-B067-41C3-A134-2EEC22F52C6D}" type="datetimeFigureOut">
               <a:rPr lang="en-US" smtClean="0"/>
               <a:pPr/>
-              <a:t>11/6/2016</a:t>
+              <a:t>11/18/2016</a:t>
             </a:fld>
             <a:endParaRPr lang="en-US"/>
           </a:p>
@@ -4915,7 +4915,7 @@
             <a:fld id="{A2977C27-B067-41C3-A134-2EEC22F52C6D}" type="datetimeFigureOut">
               <a:rPr lang="en-US" smtClean="0"/>
               <a:pPr/>
-              <a:t>11/6/2016</a:t>
+              <a:t>11/18/2016</a:t>
             </a:fld>
             <a:endParaRPr lang="en-US"/>
           </a:p>
@@ -5165,7 +5165,7 @@
             <a:fld id="{A2977C27-B067-41C3-A134-2EEC22F52C6D}" type="datetimeFigureOut">
               <a:rPr lang="en-US" smtClean="0"/>
               <a:pPr/>
-              <a:t>11/6/2016</a:t>
+              <a:t>11/18/2016</a:t>
             </a:fld>
             <a:endParaRPr lang="en-US"/>
           </a:p>
@@ -5375,7 +5375,7 @@
             <a:fld id="{A2977C27-B067-41C3-A134-2EEC22F52C6D}" type="datetimeFigureOut">
               <a:rPr lang="en-US" smtClean="0"/>
               <a:pPr/>
-              <a:t>11/6/2016</a:t>
+              <a:t>11/18/2016</a:t>
             </a:fld>
             <a:endParaRPr lang="en-US"/>
           </a:p>
@@ -5795,9 +5795,24 @@
             </a:r>
             <a:r>
               <a:rPr lang="en-US" dirty="0" smtClean="0"/>
-              <a:t>-tool]</a:t>
-            </a:r>
-            <a:endParaRPr lang="en-US" dirty="0"/>
+              <a:t>-tool</a:t>
+            </a:r>
+            <a:r>
+              <a:rPr lang="en-US" dirty="0" smtClean="0"/>
+              <a:t>]</a:t>
+            </a:r>
+            <a:br>
+              <a:rPr lang="en-US" dirty="0" smtClean="0"/>
+            </a:br>
+            <a:r>
+              <a:rPr lang="en-US" dirty="0" smtClean="0"/>
+              <a:t>Emula</a:t>
+            </a:r>
+            <a:r>
+              <a:rPr lang="en-US" b="1" dirty="0" smtClean="0"/>
+              <a:t>tors Tool</a:t>
+            </a:r>
+            <a:endParaRPr lang="en-US" b="1" dirty="0"/>
           </a:p>
         </p:txBody>
       </p:sp>
@@ -8808,40 +8823,40 @@
                   </a:schemeClr>
                 </a:solidFill>
               </a:rPr>
-              <a:t>Test-case performance history (graph report</a:t>
-            </a:r>
-            <a:r>
-              <a:rPr lang="en-US" dirty="0" smtClean="0">
+              <a:t>Test-case performance history (graph report)</a:t>
+            </a:r>
+          </a:p>
+          <a:p>
+            <a:pPr marL="914400" lvl="1" indent="-514350"/>
+            <a:r>
+              <a:rPr lang="en-US" smtClean="0">
                 <a:solidFill>
                   <a:schemeClr val="bg1">
                     <a:lumMod val="50000"/>
                   </a:schemeClr>
                 </a:solidFill>
               </a:rPr>
-              <a:t>)</a:t>
-            </a:r>
-          </a:p>
-          <a:p>
-            <a:pPr marL="914400" lvl="1" indent="-514350"/>
-            <a:r>
-              <a:rPr lang="en-US" smtClean="0">
+              <a:t>Tests </a:t>
+            </a:r>
+            <a:r>
+              <a:rPr lang="en-US" dirty="0" smtClean="0">
                 <a:solidFill>
                   <a:schemeClr val="bg1">
                     <a:lumMod val="50000"/>
                   </a:schemeClr>
                 </a:solidFill>
               </a:rPr>
-              <a:t>Tests </a:t>
-            </a:r>
-            <a:r>
-              <a:rPr lang="en-US" dirty="0" smtClean="0">
+              <a:t>to fail on </a:t>
+            </a:r>
+            <a:r>
+              <a:rPr lang="en-US" dirty="0" err="1" smtClean="0">
                 <a:solidFill>
                   <a:schemeClr val="bg1">
                     <a:lumMod val="50000"/>
                   </a:schemeClr>
                 </a:solidFill>
               </a:rPr>
-              <a:t>to fail </a:t>
+              <a:t>perf</a:t>
             </a:r>
             <a:r>
               <a:rPr lang="en-US" dirty="0" smtClean="0">
@@ -8851,35 +8866,8 @@
                   </a:schemeClr>
                 </a:solidFill>
               </a:rPr>
-              <a:t>on </a:t>
-            </a:r>
-            <a:r>
-              <a:rPr lang="en-US" dirty="0" err="1" smtClean="0">
-                <a:solidFill>
-                  <a:schemeClr val="bg1">
-                    <a:lumMod val="50000"/>
-                  </a:schemeClr>
-                </a:solidFill>
-              </a:rPr>
-              <a:t>perf</a:t>
-            </a:r>
-            <a:r>
-              <a:rPr lang="en-US" dirty="0" smtClean="0">
-                <a:solidFill>
-                  <a:schemeClr val="bg1">
-                    <a:lumMod val="50000"/>
-                  </a:schemeClr>
-                </a:solidFill>
-              </a:rPr>
               <a:t> degradation</a:t>
             </a:r>
-            <a:endParaRPr lang="en-US" dirty="0" smtClean="0">
-              <a:solidFill>
-                <a:schemeClr val="bg1">
-                  <a:lumMod val="50000"/>
-                </a:schemeClr>
-              </a:solidFill>
-            </a:endParaRPr>
           </a:p>
           <a:p>
             <a:pPr marL="514350" indent="-514350">
